--- a/input/images-source/LabReportModel.pptx
+++ b/input/images-source/LabReportModel.pptx
@@ -12,9 +12,9 @@
     <p:sldId id="258" r:id="rId3"/>
     <p:sldId id="259" r:id="rId4"/>
     <p:sldId id="2146846867" r:id="rId5"/>
-    <p:sldId id="2145706674" r:id="rId6"/>
-    <p:sldId id="2145706765" r:id="rId7"/>
-    <p:sldId id="2145706794" r:id="rId8"/>
+    <p:sldId id="2146846870" r:id="rId6"/>
+    <p:sldId id="2146846868" r:id="rId7"/>
+    <p:sldId id="2146846869" r:id="rId8"/>
   </p:sldIdLst>
   <p:sldSz cx="12192000" cy="6858000"/>
   <p:notesSz cx="6858000" cy="9144000"/>
@@ -203,7 +203,7 @@
           <a:p>
             <a:fld id="{59B02677-872F-471A-8D37-9FE53750CD03}" type="datetimeFigureOut">
               <a:rPr lang="en-US" smtClean="0"/>
-              <a:t>2/5/2024</a:t>
+              <a:t>7/23/2024</a:t>
             </a:fld>
             <a:endParaRPr lang="en-US"/>
           </a:p>
@@ -471,100 +471,6 @@
 </p:notesMaster>
 </file>
 
-<file path=ppt/notesSlides/notesSlide1.xml><?xml version="1.0" encoding="utf-8"?>
-<p:notes xmlns:a="http://schemas.openxmlformats.org/drawingml/2006/main" xmlns:r="http://schemas.openxmlformats.org/officeDocument/2006/relationships" xmlns:p="http://schemas.openxmlformats.org/presentationml/2006/main">
-  <p:cSld>
-    <p:spTree>
-      <p:nvGrpSpPr>
-        <p:cNvPr id="1" name=""/>
-        <p:cNvGrpSpPr/>
-        <p:nvPr/>
-      </p:nvGrpSpPr>
-      <p:grpSpPr>
-        <a:xfrm>
-          <a:off x="0" y="0"/>
-          <a:ext cx="0" cy="0"/>
-          <a:chOff x="0" y="0"/>
-          <a:chExt cx="0" cy="0"/>
-        </a:xfrm>
-      </p:grpSpPr>
-      <p:sp>
-        <p:nvSpPr>
-          <p:cNvPr id="2" name="Segnaposto immagine diapositiva 1"/>
-          <p:cNvSpPr>
-            <a:spLocks noGrp="1" noRot="1" noChangeAspect="1"/>
-          </p:cNvSpPr>
-          <p:nvPr>
-            <p:ph type="sldImg"/>
-          </p:nvPr>
-        </p:nvSpPr>
-        <p:spPr/>
-      </p:sp>
-      <p:sp>
-        <p:nvSpPr>
-          <p:cNvPr id="3" name="Segnaposto note 2"/>
-          <p:cNvSpPr>
-            <a:spLocks noGrp="1"/>
-          </p:cNvSpPr>
-          <p:nvPr>
-            <p:ph type="body" idx="1"/>
-          </p:nvPr>
-        </p:nvSpPr>
-        <p:spPr/>
-        <p:txBody>
-          <a:bodyPr/>
-          <a:lstStyle/>
-          <a:p>
-            <a:r>
-              <a:rPr lang="en-US" dirty="0"/>
-              <a:t>EHDS regulation approved by the </a:t>
-            </a:r>
-          </a:p>
-          <a:p>
-            <a:r>
-              <a:rPr lang="en-US" dirty="0"/>
-              <a:t>The objective to try to keep all of them together </a:t>
-            </a:r>
-          </a:p>
-        </p:txBody>
-      </p:sp>
-      <p:sp>
-        <p:nvSpPr>
-          <p:cNvPr id="4" name="Segnaposto numero diapositiva 3"/>
-          <p:cNvSpPr>
-            <a:spLocks noGrp="1"/>
-          </p:cNvSpPr>
-          <p:nvPr>
-            <p:ph type="sldNum" sz="quarter" idx="5"/>
-          </p:nvPr>
-        </p:nvSpPr>
-        <p:spPr/>
-        <p:txBody>
-          <a:bodyPr/>
-          <a:lstStyle/>
-          <a:p>
-            <a:fld id="{CF4A7F80-F256-4EC8-A9CC-1A842C6C5143}" type="slidenum">
-              <a:rPr lang="en-US" altLang="en-US" smtClean="0"/>
-              <a:pPr/>
-              <a:t>5</a:t>
-            </a:fld>
-            <a:endParaRPr lang="en-US" altLang="en-US"/>
-          </a:p>
-        </p:txBody>
-      </p:sp>
-    </p:spTree>
-    <p:extLst>
-      <p:ext uri="{BB962C8B-B14F-4D97-AF65-F5344CB8AC3E}">
-        <p14:creationId xmlns:p14="http://schemas.microsoft.com/office/powerpoint/2010/main" val="1918596125"/>
-      </p:ext>
-    </p:extLst>
-  </p:cSld>
-  <p:clrMapOvr>
-    <a:masterClrMapping/>
-  </p:clrMapOvr>
-</p:notes>
-</file>
-
 <file path=ppt/slideLayouts/slideLayout1.xml><?xml version="1.0" encoding="utf-8"?>
 <p:sldLayout xmlns:a="http://schemas.openxmlformats.org/drawingml/2006/main" xmlns:r="http://schemas.openxmlformats.org/officeDocument/2006/relationships" xmlns:p="http://schemas.openxmlformats.org/presentationml/2006/main" type="title" preserve="1">
   <p:cSld name="Title Slide">
@@ -714,7 +620,7 @@
           <a:p>
             <a:fld id="{DBA163D1-61FB-9B4F-85BF-B4959B84AF30}" type="datetimeFigureOut">
               <a:rPr lang="en-US" smtClean="0"/>
-              <a:t>2/5/2024</a:t>
+              <a:t>7/23/2024</a:t>
             </a:fld>
             <a:endParaRPr lang="en-US"/>
           </a:p>
@@ -914,7 +820,7 @@
           <a:p>
             <a:fld id="{DBA163D1-61FB-9B4F-85BF-B4959B84AF30}" type="datetimeFigureOut">
               <a:rPr lang="en-US" smtClean="0"/>
-              <a:t>2/5/2024</a:t>
+              <a:t>7/23/2024</a:t>
             </a:fld>
             <a:endParaRPr lang="en-US"/>
           </a:p>
@@ -1124,7 +1030,7 @@
           <a:p>
             <a:fld id="{DBA163D1-61FB-9B4F-85BF-B4959B84AF30}" type="datetimeFigureOut">
               <a:rPr lang="en-US" smtClean="0"/>
-              <a:t>2/5/2024</a:t>
+              <a:t>7/23/2024</a:t>
             </a:fld>
             <a:endParaRPr lang="en-US"/>
           </a:p>
@@ -2010,7 +1916,7 @@
           <a:p>
             <a:fld id="{DBA163D1-61FB-9B4F-85BF-B4959B84AF30}" type="datetimeFigureOut">
               <a:rPr lang="en-US" smtClean="0"/>
-              <a:t>2/5/2024</a:t>
+              <a:t>7/23/2024</a:t>
             </a:fld>
             <a:endParaRPr lang="en-US"/>
           </a:p>
@@ -2286,7 +2192,7 @@
           <a:p>
             <a:fld id="{DBA163D1-61FB-9B4F-85BF-B4959B84AF30}" type="datetimeFigureOut">
               <a:rPr lang="en-US" smtClean="0"/>
-              <a:t>2/5/2024</a:t>
+              <a:t>7/23/2024</a:t>
             </a:fld>
             <a:endParaRPr lang="en-US"/>
           </a:p>
@@ -2554,7 +2460,7 @@
           <a:p>
             <a:fld id="{DBA163D1-61FB-9B4F-85BF-B4959B84AF30}" type="datetimeFigureOut">
               <a:rPr lang="en-US" smtClean="0"/>
-              <a:t>2/5/2024</a:t>
+              <a:t>7/23/2024</a:t>
             </a:fld>
             <a:endParaRPr lang="en-US"/>
           </a:p>
@@ -2969,7 +2875,7 @@
           <a:p>
             <a:fld id="{DBA163D1-61FB-9B4F-85BF-B4959B84AF30}" type="datetimeFigureOut">
               <a:rPr lang="en-US" smtClean="0"/>
-              <a:t>2/5/2024</a:t>
+              <a:t>7/23/2024</a:t>
             </a:fld>
             <a:endParaRPr lang="en-US"/>
           </a:p>
@@ -3111,7 +3017,7 @@
           <a:p>
             <a:fld id="{DBA163D1-61FB-9B4F-85BF-B4959B84AF30}" type="datetimeFigureOut">
               <a:rPr lang="en-US" smtClean="0"/>
-              <a:t>2/5/2024</a:t>
+              <a:t>7/23/2024</a:t>
             </a:fld>
             <a:endParaRPr lang="en-US"/>
           </a:p>
@@ -3224,7 +3130,7 @@
           <a:p>
             <a:fld id="{DBA163D1-61FB-9B4F-85BF-B4959B84AF30}" type="datetimeFigureOut">
               <a:rPr lang="en-US" smtClean="0"/>
-              <a:t>2/5/2024</a:t>
+              <a:t>7/23/2024</a:t>
             </a:fld>
             <a:endParaRPr lang="en-US"/>
           </a:p>
@@ -3537,7 +3443,7 @@
           <a:p>
             <a:fld id="{DBA163D1-61FB-9B4F-85BF-B4959B84AF30}" type="datetimeFigureOut">
               <a:rPr lang="en-US" smtClean="0"/>
-              <a:t>2/5/2024</a:t>
+              <a:t>7/23/2024</a:t>
             </a:fld>
             <a:endParaRPr lang="en-US"/>
           </a:p>
@@ -3826,7 +3732,7 @@
           <a:p>
             <a:fld id="{DBA163D1-61FB-9B4F-85BF-B4959B84AF30}" type="datetimeFigureOut">
               <a:rPr lang="en-US" smtClean="0"/>
-              <a:t>2/5/2024</a:t>
+              <a:t>7/23/2024</a:t>
             </a:fld>
             <a:endParaRPr lang="en-US"/>
           </a:p>
@@ -4069,7 +3975,7 @@
           <a:p>
             <a:fld id="{DBA163D1-61FB-9B4F-85BF-B4959B84AF30}" type="datetimeFigureOut">
               <a:rPr lang="en-US" smtClean="0"/>
-              <a:t>2/5/2024</a:t>
+              <a:t>7/23/2024</a:t>
             </a:fld>
             <a:endParaRPr lang="en-US"/>
           </a:p>
@@ -8969,310 +8875,10 @@
       </p:grpSpPr>
       <p:sp>
         <p:nvSpPr>
-          <p:cNvPr id="28" name="TextBox 27">
-            <a:extLst>
-              <a:ext uri="{FF2B5EF4-FFF2-40B4-BE49-F238E27FC236}">
-                <a16:creationId xmlns:a16="http://schemas.microsoft.com/office/drawing/2014/main" id="{31D70C41-BBC1-AA2E-391D-C4533D2DAD94}"/>
-              </a:ext>
-            </a:extLst>
-          </p:cNvPr>
-          <p:cNvSpPr txBox="1"/>
-          <p:nvPr/>
-        </p:nvSpPr>
-        <p:spPr>
-          <a:xfrm>
-            <a:off x="9170029" y="672623"/>
-            <a:ext cx="2878464" cy="5544765"/>
-          </a:xfrm>
-          <a:prstGeom prst="rect">
-            <a:avLst/>
-          </a:prstGeom>
-          <a:solidFill>
-            <a:srgbClr val="D3E8F9"/>
-          </a:solidFill>
-        </p:spPr>
-        <p:txBody>
-          <a:bodyPr wrap="square" rtlCol="0">
-            <a:noAutofit/>
-          </a:bodyPr>
-          <a:lstStyle/>
-          <a:p>
-            <a:pPr algn="ctr" defTabSz="914377">
-              <a:defRPr/>
-            </a:pPr>
-            <a:endParaRPr lang="en-GB" sz="8000" kern="0">
-              <a:solidFill>
-                <a:prstClr val="black"/>
-              </a:solidFill>
-              <a:latin typeface="Candara" panose="020E0502030303020204" pitchFamily="34" charset="0"/>
-            </a:endParaRPr>
-          </a:p>
-          <a:p>
-            <a:pPr algn="ctr" defTabSz="914377">
-              <a:defRPr/>
-            </a:pPr>
-            <a:endParaRPr lang="en-IE" sz="8000" kern="0">
-              <a:solidFill>
-                <a:prstClr val="black"/>
-              </a:solidFill>
-              <a:latin typeface="Candara" panose="020E0502030303020204" pitchFamily="34" charset="0"/>
-            </a:endParaRPr>
-          </a:p>
-          <a:p>
-            <a:pPr algn="ctr" defTabSz="914377">
-              <a:defRPr/>
-            </a:pPr>
-            <a:endParaRPr lang="en-IE" sz="8000" kern="0">
-              <a:solidFill>
-                <a:prstClr val="black"/>
-              </a:solidFill>
-              <a:latin typeface="Candara" panose="020E0502030303020204" pitchFamily="34" charset="0"/>
-            </a:endParaRPr>
-          </a:p>
-          <a:p>
-            <a:pPr algn="ctr" defTabSz="914377">
-              <a:defRPr/>
-            </a:pPr>
-            <a:endParaRPr lang="en-IE" sz="8000" kern="0">
-              <a:solidFill>
-                <a:prstClr val="black"/>
-              </a:solidFill>
-              <a:latin typeface="Candara" panose="020E0502030303020204" pitchFamily="34" charset="0"/>
-            </a:endParaRPr>
-          </a:p>
-        </p:txBody>
-      </p:sp>
-      <p:sp>
-        <p:nvSpPr>
-          <p:cNvPr id="29" name="TextBox 28">
-            <a:extLst>
-              <a:ext uri="{FF2B5EF4-FFF2-40B4-BE49-F238E27FC236}">
-                <a16:creationId xmlns:a16="http://schemas.microsoft.com/office/drawing/2014/main" id="{91C939AD-83E9-4D6D-764E-01F5AE50EF13}"/>
-              </a:ext>
-            </a:extLst>
-          </p:cNvPr>
-          <p:cNvSpPr txBox="1"/>
-          <p:nvPr/>
-        </p:nvSpPr>
-        <p:spPr>
-          <a:xfrm>
-            <a:off x="6168928" y="676167"/>
-            <a:ext cx="2878464" cy="5553989"/>
-          </a:xfrm>
-          <a:prstGeom prst="rect">
-            <a:avLst/>
-          </a:prstGeom>
-          <a:solidFill>
-            <a:srgbClr val="D3E8F9"/>
-          </a:solidFill>
-        </p:spPr>
-        <p:txBody>
-          <a:bodyPr wrap="square" rtlCol="0">
-            <a:noAutofit/>
-          </a:bodyPr>
-          <a:lstStyle/>
-          <a:p>
-            <a:pPr algn="ctr" defTabSz="914377">
-              <a:defRPr/>
-            </a:pPr>
-            <a:endParaRPr lang="en-GB" sz="8000" kern="0">
-              <a:solidFill>
-                <a:prstClr val="black"/>
-              </a:solidFill>
-              <a:latin typeface="Candara" panose="020E0502030303020204" pitchFamily="34" charset="0"/>
-            </a:endParaRPr>
-          </a:p>
-          <a:p>
-            <a:pPr algn="ctr" defTabSz="914377">
-              <a:defRPr/>
-            </a:pPr>
-            <a:endParaRPr lang="en-IE" sz="8000" kern="0">
-              <a:solidFill>
-                <a:prstClr val="black"/>
-              </a:solidFill>
-              <a:latin typeface="Candara" panose="020E0502030303020204" pitchFamily="34" charset="0"/>
-            </a:endParaRPr>
-          </a:p>
-          <a:p>
-            <a:pPr algn="ctr" defTabSz="914377">
-              <a:defRPr/>
-            </a:pPr>
-            <a:endParaRPr lang="en-IE" sz="8000" kern="0">
-              <a:solidFill>
-                <a:prstClr val="black"/>
-              </a:solidFill>
-              <a:latin typeface="Candara" panose="020E0502030303020204" pitchFamily="34" charset="0"/>
-            </a:endParaRPr>
-          </a:p>
-          <a:p>
-            <a:pPr algn="ctr" defTabSz="914377">
-              <a:defRPr/>
-            </a:pPr>
-            <a:endParaRPr lang="en-IE" sz="8000" kern="0">
-              <a:solidFill>
-                <a:prstClr val="black"/>
-              </a:solidFill>
-              <a:latin typeface="Candara" panose="020E0502030303020204" pitchFamily="34" charset="0"/>
-            </a:endParaRPr>
-          </a:p>
-        </p:txBody>
-      </p:sp>
-      <p:sp>
-        <p:nvSpPr>
-          <p:cNvPr id="30" name="TextBox 29">
-            <a:extLst>
-              <a:ext uri="{FF2B5EF4-FFF2-40B4-BE49-F238E27FC236}">
-                <a16:creationId xmlns:a16="http://schemas.microsoft.com/office/drawing/2014/main" id="{698107FD-7AB1-FCDC-EBDF-DEF9E054C12C}"/>
-              </a:ext>
-            </a:extLst>
-          </p:cNvPr>
-          <p:cNvSpPr txBox="1"/>
-          <p:nvPr/>
-        </p:nvSpPr>
-        <p:spPr>
-          <a:xfrm>
-            <a:off x="3167827" y="670690"/>
-            <a:ext cx="2878464" cy="5553989"/>
-          </a:xfrm>
-          <a:prstGeom prst="rect">
-            <a:avLst/>
-          </a:prstGeom>
-          <a:solidFill>
-            <a:srgbClr val="D3E8F9"/>
-          </a:solidFill>
-        </p:spPr>
-        <p:txBody>
-          <a:bodyPr wrap="square" rtlCol="0">
-            <a:noAutofit/>
-          </a:bodyPr>
-          <a:lstStyle/>
-          <a:p>
-            <a:pPr algn="ctr" defTabSz="914377">
-              <a:defRPr/>
-            </a:pPr>
-            <a:endParaRPr lang="en-GB" sz="8000" kern="0">
-              <a:solidFill>
-                <a:prstClr val="black"/>
-              </a:solidFill>
-              <a:latin typeface="Candara" panose="020E0502030303020204" pitchFamily="34" charset="0"/>
-            </a:endParaRPr>
-          </a:p>
-          <a:p>
-            <a:pPr algn="ctr" defTabSz="914377">
-              <a:defRPr/>
-            </a:pPr>
-            <a:endParaRPr lang="en-IE" sz="8000" kern="0">
-              <a:solidFill>
-                <a:prstClr val="black"/>
-              </a:solidFill>
-              <a:latin typeface="Candara" panose="020E0502030303020204" pitchFamily="34" charset="0"/>
-            </a:endParaRPr>
-          </a:p>
-          <a:p>
-            <a:pPr algn="ctr" defTabSz="914377">
-              <a:defRPr/>
-            </a:pPr>
-            <a:endParaRPr lang="en-IE" sz="8000" kern="0">
-              <a:solidFill>
-                <a:prstClr val="black"/>
-              </a:solidFill>
-              <a:latin typeface="Candara" panose="020E0502030303020204" pitchFamily="34" charset="0"/>
-            </a:endParaRPr>
-          </a:p>
-          <a:p>
-            <a:pPr algn="ctr" defTabSz="914377">
-              <a:defRPr/>
-            </a:pPr>
-            <a:endParaRPr lang="en-IE" sz="8000" kern="0">
-              <a:solidFill>
-                <a:prstClr val="black"/>
-              </a:solidFill>
-              <a:latin typeface="Candara" panose="020E0502030303020204" pitchFamily="34" charset="0"/>
-            </a:endParaRPr>
-          </a:p>
-        </p:txBody>
-      </p:sp>
-      <p:sp>
-        <p:nvSpPr>
-          <p:cNvPr id="31" name="TextBox 30">
-            <a:extLst>
-              <a:ext uri="{FF2B5EF4-FFF2-40B4-BE49-F238E27FC236}">
-                <a16:creationId xmlns:a16="http://schemas.microsoft.com/office/drawing/2014/main" id="{21A35F0E-6A2E-2058-44A0-70B4C3ACBDAD}"/>
-              </a:ext>
-            </a:extLst>
-          </p:cNvPr>
-          <p:cNvSpPr txBox="1"/>
-          <p:nvPr/>
-        </p:nvSpPr>
-        <p:spPr>
-          <a:xfrm>
-            <a:off x="126717" y="674094"/>
-            <a:ext cx="2921284" cy="5549007"/>
-          </a:xfrm>
-          <a:prstGeom prst="rect">
-            <a:avLst/>
-          </a:prstGeom>
-          <a:solidFill>
-            <a:srgbClr val="D3E8F9"/>
-          </a:solidFill>
-        </p:spPr>
-        <p:txBody>
-          <a:bodyPr wrap="square" rtlCol="0">
-            <a:noAutofit/>
-          </a:bodyPr>
-          <a:lstStyle/>
-          <a:p>
-            <a:pPr algn="ctr" defTabSz="914377">
-              <a:defRPr/>
-            </a:pPr>
-            <a:endParaRPr lang="en-GB" sz="8000" kern="0">
-              <a:solidFill>
-                <a:prstClr val="black"/>
-              </a:solidFill>
-              <a:latin typeface="Candara" panose="020E0502030303020204" pitchFamily="34" charset="0"/>
-            </a:endParaRPr>
-          </a:p>
-          <a:p>
-            <a:pPr algn="ctr" defTabSz="914377">
-              <a:defRPr/>
-            </a:pPr>
-            <a:endParaRPr lang="en-IE" sz="8000" kern="0">
-              <a:solidFill>
-                <a:prstClr val="black"/>
-              </a:solidFill>
-              <a:latin typeface="Candara" panose="020E0502030303020204" pitchFamily="34" charset="0"/>
-            </a:endParaRPr>
-          </a:p>
-          <a:p>
-            <a:pPr algn="ctr" defTabSz="914377">
-              <a:defRPr/>
-            </a:pPr>
-            <a:endParaRPr lang="en-IE" sz="8000" kern="0">
-              <a:solidFill>
-                <a:prstClr val="black"/>
-              </a:solidFill>
-              <a:latin typeface="Candara" panose="020E0502030303020204" pitchFamily="34" charset="0"/>
-            </a:endParaRPr>
-          </a:p>
-          <a:p>
-            <a:pPr algn="ctr" defTabSz="914377">
-              <a:defRPr/>
-            </a:pPr>
-            <a:endParaRPr lang="en-IE" sz="8000" kern="0">
-              <a:solidFill>
-                <a:prstClr val="black"/>
-              </a:solidFill>
-              <a:latin typeface="Candara" panose="020E0502030303020204" pitchFamily="34" charset="0"/>
-            </a:endParaRPr>
-          </a:p>
-        </p:txBody>
-      </p:sp>
-      <p:sp>
-        <p:nvSpPr>
-          <p:cNvPr id="2" name="Slide Number Placeholder 1">
-            <a:extLst>
-              <a:ext uri="{FF2B5EF4-FFF2-40B4-BE49-F238E27FC236}">
-                <a16:creationId xmlns:a16="http://schemas.microsoft.com/office/drawing/2014/main" id="{D84DF3CD-8908-BC0F-86B9-544535DF62FD}"/>
+          <p:cNvPr id="5" name="Segnaposto numero diapositiva 4">
+            <a:extLst>
+              <a:ext uri="{FF2B5EF4-FFF2-40B4-BE49-F238E27FC236}">
+                <a16:creationId xmlns:a16="http://schemas.microsoft.com/office/drawing/2014/main" id="{43278412-C42D-3FA1-D693-7695FF62D0F0}"/>
               </a:ext>
             </a:extLst>
           </p:cNvPr>
@@ -9280,212 +8886,76 @@
             <a:spLocks noGrp="1"/>
           </p:cNvSpPr>
           <p:nvPr>
-            <p:ph type="sldNum" idx="12"/>
+            <p:ph type="sldNum" sz="quarter" idx="15"/>
           </p:nvPr>
         </p:nvSpPr>
-        <p:spPr>
-          <a:xfrm>
-            <a:off x="14855793" y="8314601"/>
-            <a:ext cx="975467" cy="699733"/>
-          </a:xfrm>
-          <a:prstGeom prst="rect">
-            <a:avLst/>
-          </a:prstGeom>
-          <a:noFill/>
-          <a:ln>
-            <a:noFill/>
-          </a:ln>
-        </p:spPr>
-        <p:txBody>
-          <a:bodyPr spcFirstLastPara="1" vert="horz" wrap="square" lIns="121900" tIns="121900" rIns="121900" bIns="121900" rtlCol="0" anchor="t" anchorCtr="0">
-            <a:noAutofit/>
-          </a:bodyPr>
-          <a:lstStyle>
-            <a:defPPr>
-              <a:defRPr lang="pt-PT"/>
-            </a:defPPr>
-            <a:lvl1pPr marL="0" lvl="0" algn="r" defTabSz="1219170" rtl="0" eaLnBrk="1" latinLnBrk="0" hangingPunct="1">
-              <a:buNone/>
-              <a:defRPr sz="1777" kern="1200">
-                <a:solidFill>
-                  <a:schemeClr val="dk2"/>
-                </a:solidFill>
-                <a:latin typeface="DM Sans"/>
-                <a:ea typeface="DM Sans"/>
-                <a:cs typeface="DM Sans"/>
-                <a:sym typeface="DM Sans"/>
-              </a:defRPr>
-            </a:lvl1pPr>
-            <a:lvl2pPr marL="609585" lvl="1" algn="r" defTabSz="1219170" rtl="0" eaLnBrk="1" latinLnBrk="0" hangingPunct="1">
-              <a:buNone/>
-              <a:defRPr sz="1777" kern="1200">
-                <a:solidFill>
-                  <a:schemeClr val="dk2"/>
-                </a:solidFill>
-                <a:latin typeface="DM Sans"/>
-                <a:ea typeface="DM Sans"/>
-                <a:cs typeface="DM Sans"/>
-                <a:sym typeface="DM Sans"/>
-              </a:defRPr>
-            </a:lvl2pPr>
-            <a:lvl3pPr marL="1219170" lvl="2" algn="r" defTabSz="1219170" rtl="0" eaLnBrk="1" latinLnBrk="0" hangingPunct="1">
-              <a:buNone/>
-              <a:defRPr sz="1777" kern="1200">
-                <a:solidFill>
-                  <a:schemeClr val="dk2"/>
-                </a:solidFill>
-                <a:latin typeface="DM Sans"/>
-                <a:ea typeface="DM Sans"/>
-                <a:cs typeface="DM Sans"/>
-                <a:sym typeface="DM Sans"/>
-              </a:defRPr>
-            </a:lvl3pPr>
-            <a:lvl4pPr marL="1828754" lvl="3" algn="r" defTabSz="1219170" rtl="0" eaLnBrk="1" latinLnBrk="0" hangingPunct="1">
-              <a:buNone/>
-              <a:defRPr sz="1777" kern="1200">
-                <a:solidFill>
-                  <a:schemeClr val="dk2"/>
-                </a:solidFill>
-                <a:latin typeface="DM Sans"/>
-                <a:ea typeface="DM Sans"/>
-                <a:cs typeface="DM Sans"/>
-                <a:sym typeface="DM Sans"/>
-              </a:defRPr>
-            </a:lvl4pPr>
-            <a:lvl5pPr marL="2438339" lvl="4" algn="r" defTabSz="1219170" rtl="0" eaLnBrk="1" latinLnBrk="0" hangingPunct="1">
-              <a:buNone/>
-              <a:defRPr sz="1777" kern="1200">
-                <a:solidFill>
-                  <a:schemeClr val="dk2"/>
-                </a:solidFill>
-                <a:latin typeface="DM Sans"/>
-                <a:ea typeface="DM Sans"/>
-                <a:cs typeface="DM Sans"/>
-                <a:sym typeface="DM Sans"/>
-              </a:defRPr>
-            </a:lvl5pPr>
-            <a:lvl6pPr marL="3047924" lvl="5" algn="r" defTabSz="1219170" rtl="0" eaLnBrk="1" latinLnBrk="0" hangingPunct="1">
-              <a:buNone/>
-              <a:defRPr sz="1777" kern="1200">
-                <a:solidFill>
-                  <a:schemeClr val="dk2"/>
-                </a:solidFill>
-                <a:latin typeface="DM Sans"/>
-                <a:ea typeface="DM Sans"/>
-                <a:cs typeface="DM Sans"/>
-                <a:sym typeface="DM Sans"/>
-              </a:defRPr>
-            </a:lvl6pPr>
-            <a:lvl7pPr marL="3657509" lvl="6" algn="r" defTabSz="1219170" rtl="0" eaLnBrk="1" latinLnBrk="0" hangingPunct="1">
-              <a:buNone/>
-              <a:defRPr sz="1777" kern="1200">
-                <a:solidFill>
-                  <a:schemeClr val="dk2"/>
-                </a:solidFill>
-                <a:latin typeface="DM Sans"/>
-                <a:ea typeface="DM Sans"/>
-                <a:cs typeface="DM Sans"/>
-                <a:sym typeface="DM Sans"/>
-              </a:defRPr>
-            </a:lvl7pPr>
-            <a:lvl8pPr marL="4267093" lvl="7" algn="r" defTabSz="1219170" rtl="0" eaLnBrk="1" latinLnBrk="0" hangingPunct="1">
-              <a:buNone/>
-              <a:defRPr sz="1777" kern="1200">
-                <a:solidFill>
-                  <a:schemeClr val="dk2"/>
-                </a:solidFill>
-                <a:latin typeface="DM Sans"/>
-                <a:ea typeface="DM Sans"/>
-                <a:cs typeface="DM Sans"/>
-                <a:sym typeface="DM Sans"/>
-              </a:defRPr>
-            </a:lvl8pPr>
-            <a:lvl9pPr marL="4876678" lvl="8" algn="r" defTabSz="1219170" rtl="0" eaLnBrk="1" latinLnBrk="0" hangingPunct="1">
-              <a:buNone/>
-              <a:defRPr sz="1777" kern="1200">
-                <a:solidFill>
-                  <a:schemeClr val="dk2"/>
-                </a:solidFill>
-                <a:latin typeface="DM Sans"/>
-                <a:ea typeface="DM Sans"/>
-                <a:cs typeface="DM Sans"/>
-                <a:sym typeface="DM Sans"/>
-              </a:defRPr>
-            </a:lvl9pPr>
-          </a:lstStyle>
-          <a:p>
-            <a:fld id="{00000000-1234-1234-1234-123412341234}" type="slidenum">
-              <a:rPr lang="en" smtClean="0"/>
+        <p:spPr/>
+        <p:txBody>
+          <a:bodyPr/>
+          <a:lstStyle/>
+          <a:p>
+            <a:fld id="{73B22ABC-0FED-4D64-8F5D-7D0F97264170}" type="slidenum">
+              <a:rPr lang="en-US" altLang="en-US" smtClean="0"/>
               <a:pPr/>
               <a:t>5</a:t>
             </a:fld>
-            <a:endParaRPr lang="en"/>
-          </a:p>
-        </p:txBody>
-      </p:sp>
-      <p:sp>
-        <p:nvSpPr>
-          <p:cNvPr id="32" name="Rectangle 31">
-            <a:extLst>
-              <a:ext uri="{FF2B5EF4-FFF2-40B4-BE49-F238E27FC236}">
-                <a16:creationId xmlns:a16="http://schemas.microsoft.com/office/drawing/2014/main" id="{FCB8C5E7-6830-FB7E-B375-6B7892A242E7}"/>
-              </a:ext>
-            </a:extLst>
-          </p:cNvPr>
-          <p:cNvSpPr/>
-          <p:nvPr/>
-        </p:nvSpPr>
-        <p:spPr>
-          <a:xfrm>
-            <a:off x="36774" y="662994"/>
-            <a:ext cx="12118453" cy="1163277"/>
-          </a:xfrm>
-          <a:prstGeom prst="rect">
-            <a:avLst/>
-          </a:prstGeom>
-          <a:solidFill>
-            <a:srgbClr val="ED8D2F">
-              <a:lumMod val="20000"/>
-              <a:lumOff val="80000"/>
-              <a:alpha val="40000"/>
-            </a:srgbClr>
-          </a:solidFill>
-          <a:ln w="6350" cap="flat" cmpd="sng" algn="ctr">
-            <a:solidFill>
-              <a:srgbClr val="1E858B">
-                <a:shade val="50000"/>
-              </a:srgbClr>
-            </a:solidFill>
-            <a:prstDash val="solid"/>
-            <a:miter lim="800000"/>
-          </a:ln>
-          <a:effectLst/>
-        </p:spPr>
-        <p:txBody>
-          <a:bodyPr rtlCol="0" anchor="t"/>
-          <a:lstStyle/>
-          <a:p>
-            <a:pPr defTabSz="914377">
-              <a:defRPr/>
-            </a:pPr>
-            <a:r>
-              <a:rPr lang="en-IE" sz="1600" b="1" kern="0">
+            <a:endParaRPr lang="en-US" altLang="en-US"/>
+          </a:p>
+        </p:txBody>
+      </p:sp>
+      <p:pic>
+        <p:nvPicPr>
+          <p:cNvPr id="2050" name="Picture 2" descr="Corel gallery">
+            <a:extLst>
+              <a:ext uri="{FF2B5EF4-FFF2-40B4-BE49-F238E27FC236}">
+                <a16:creationId xmlns:a16="http://schemas.microsoft.com/office/drawing/2014/main" id="{F2DE2FAB-0C57-0240-A761-97D608A58530}"/>
+              </a:ext>
+            </a:extLst>
+          </p:cNvPr>
+          <p:cNvPicPr>
+            <a:picLocks noChangeAspect="1" noChangeArrowheads="1"/>
+          </p:cNvPicPr>
+          <p:nvPr/>
+        </p:nvPicPr>
+        <p:blipFill>
+          <a:blip r:embed="rId2">
+            <a:extLst>
+              <a:ext uri="{28A0092B-C50C-407E-A947-70E740481C1C}">
+                <a14:useLocalDpi xmlns:a14="http://schemas.microsoft.com/office/drawing/2010/main" val="0"/>
+              </a:ext>
+            </a:extLst>
+          </a:blip>
+          <a:srcRect/>
+          <a:stretch>
+            <a:fillRect/>
+          </a:stretch>
+        </p:blipFill>
+        <p:spPr bwMode="auto">
+          <a:xfrm>
+            <a:off x="568119" y="2930458"/>
+            <a:ext cx="1531924" cy="1120724"/>
+          </a:xfrm>
+          <a:prstGeom prst="rect">
+            <a:avLst/>
+          </a:prstGeom>
+          <a:noFill/>
+          <a:extLst>
+            <a:ext uri="{909E8E84-426E-40DD-AFC4-6F175D3DCCD1}">
+              <a14:hiddenFill xmlns:a14="http://schemas.microsoft.com/office/drawing/2010/main">
                 <a:solidFill>
-                  <a:srgbClr val="4D4D4D"/>
+                  <a:srgbClr val="FFFFFF"/>
                 </a:solidFill>
-                <a:latin typeface="Candara" panose="020E0502030303020204" pitchFamily="34" charset="0"/>
-              </a:rPr>
-              <a:t>Laboratory results and reports</a:t>
-            </a:r>
-          </a:p>
-        </p:txBody>
-      </p:sp>
-      <p:sp>
-        <p:nvSpPr>
-          <p:cNvPr id="33" name="TextBox 32">
-            <a:extLst>
-              <a:ext uri="{FF2B5EF4-FFF2-40B4-BE49-F238E27FC236}">
-                <a16:creationId xmlns:a16="http://schemas.microsoft.com/office/drawing/2014/main" id="{0A66C362-7CDB-6349-C8A6-6E1AFD147056}"/>
+              </a14:hiddenFill>
+            </a:ext>
+          </a:extLst>
+        </p:spPr>
+      </p:pic>
+      <p:sp>
+        <p:nvSpPr>
+          <p:cNvPr id="16" name="CasellaDiTesto 15">
+            <a:extLst>
+              <a:ext uri="{FF2B5EF4-FFF2-40B4-BE49-F238E27FC236}">
+                <a16:creationId xmlns:a16="http://schemas.microsoft.com/office/drawing/2014/main" id="{9B386F58-883B-CE7D-22F2-6E39AD271B67}"/>
               </a:ext>
             </a:extLst>
           </p:cNvPr>
@@ -9494,571 +8964,39 @@
         </p:nvSpPr>
         <p:spPr>
           <a:xfrm>
-            <a:off x="126717" y="116632"/>
-            <a:ext cx="2921284" cy="461665"/>
-          </a:xfrm>
-          <a:prstGeom prst="rect">
-            <a:avLst/>
-          </a:prstGeom>
-          <a:solidFill>
-            <a:srgbClr val="FFC000"/>
-          </a:solidFill>
-        </p:spPr>
-        <p:txBody>
-          <a:bodyPr wrap="square" rtlCol="0">
+            <a:off x="414261" y="4739089"/>
+            <a:ext cx="2012592" cy="338554"/>
+          </a:xfrm>
+          <a:prstGeom prst="rect">
+            <a:avLst/>
+          </a:prstGeom>
+          <a:noFill/>
+        </p:spPr>
+        <p:txBody>
+          <a:bodyPr wrap="square">
             <a:spAutoFit/>
           </a:bodyPr>
           <a:lstStyle/>
           <a:p>
-            <a:pPr algn="ctr" fontAlgn="base">
-              <a:spcBef>
-                <a:spcPct val="0"/>
-              </a:spcBef>
-              <a:spcAft>
-                <a:spcPct val="0"/>
-              </a:spcAft>
-              <a:defRPr/>
-            </a:pPr>
-            <a:r>
-              <a:rPr lang="en-GB" sz="2400" b="1">
+            <a:r>
+              <a:rPr lang="en-US" sz="1600" b="1" dirty="0">
                 <a:solidFill>
-                  <a:prstClr val="black"/>
+                  <a:srgbClr val="777777"/>
                 </a:solidFill>
-                <a:latin typeface="Candara" panose="020E0502030303020204" pitchFamily="34" charset="0"/>
+                <a:latin typeface="Inter"/>
               </a:rPr>
-              <a:t>2022</a:t>
-            </a:r>
-            <a:endParaRPr lang="en-IE" sz="8000" b="1">
-              <a:solidFill>
-                <a:prstClr val="black"/>
-              </a:solidFill>
-              <a:latin typeface="Candara" panose="020E0502030303020204" pitchFamily="34" charset="0"/>
-            </a:endParaRPr>
-          </a:p>
-        </p:txBody>
-      </p:sp>
-      <p:sp>
-        <p:nvSpPr>
-          <p:cNvPr id="34" name="TextBox 33">
-            <a:extLst>
-              <a:ext uri="{FF2B5EF4-FFF2-40B4-BE49-F238E27FC236}">
-                <a16:creationId xmlns:a16="http://schemas.microsoft.com/office/drawing/2014/main" id="{3A74BBA4-0901-3495-89FF-694C2D8EC68D}"/>
-              </a:ext>
-            </a:extLst>
-          </p:cNvPr>
-          <p:cNvSpPr txBox="1"/>
-          <p:nvPr/>
-        </p:nvSpPr>
-        <p:spPr>
-          <a:xfrm>
-            <a:off x="3167827" y="116632"/>
-            <a:ext cx="2878464" cy="461665"/>
-          </a:xfrm>
-          <a:prstGeom prst="rect">
-            <a:avLst/>
-          </a:prstGeom>
-          <a:solidFill>
-            <a:srgbClr val="FF9900"/>
-          </a:solidFill>
-        </p:spPr>
-        <p:txBody>
-          <a:bodyPr wrap="square" rtlCol="0">
-            <a:spAutoFit/>
-          </a:bodyPr>
-          <a:lstStyle/>
-          <a:p>
-            <a:pPr algn="ctr" fontAlgn="base">
-              <a:spcBef>
-                <a:spcPct val="0"/>
-              </a:spcBef>
-              <a:spcAft>
-                <a:spcPct val="0"/>
-              </a:spcAft>
-              <a:defRPr/>
-            </a:pPr>
-            <a:r>
-              <a:rPr lang="en-GB" sz="2400" b="1">
-                <a:solidFill>
-                  <a:prstClr val="black"/>
-                </a:solidFill>
-                <a:latin typeface="Candara" panose="020E0502030303020204" pitchFamily="34" charset="0"/>
-              </a:rPr>
-              <a:t>2023</a:t>
-            </a:r>
-            <a:endParaRPr lang="en-IE" sz="8000" b="1">
-              <a:solidFill>
-                <a:prstClr val="black"/>
-              </a:solidFill>
-              <a:latin typeface="Candara" panose="020E0502030303020204" pitchFamily="34" charset="0"/>
-            </a:endParaRPr>
-          </a:p>
-        </p:txBody>
-      </p:sp>
-      <p:sp>
-        <p:nvSpPr>
-          <p:cNvPr id="35" name="TextBox 34">
-            <a:extLst>
-              <a:ext uri="{FF2B5EF4-FFF2-40B4-BE49-F238E27FC236}">
-                <a16:creationId xmlns:a16="http://schemas.microsoft.com/office/drawing/2014/main" id="{6585B655-55D0-1572-6372-8C24550D569D}"/>
-              </a:ext>
-            </a:extLst>
-          </p:cNvPr>
-          <p:cNvSpPr txBox="1"/>
-          <p:nvPr/>
-        </p:nvSpPr>
-        <p:spPr>
-          <a:xfrm>
-            <a:off x="6168928" y="123449"/>
-            <a:ext cx="2878464" cy="461665"/>
-          </a:xfrm>
-          <a:prstGeom prst="rect">
-            <a:avLst/>
-          </a:prstGeom>
-          <a:solidFill>
-            <a:srgbClr val="FFC000"/>
-          </a:solidFill>
-        </p:spPr>
-        <p:txBody>
-          <a:bodyPr wrap="square" rtlCol="0">
-            <a:spAutoFit/>
-          </a:bodyPr>
-          <a:lstStyle/>
-          <a:p>
-            <a:pPr algn="ctr" fontAlgn="base">
-              <a:spcBef>
-                <a:spcPct val="0"/>
-              </a:spcBef>
-              <a:spcAft>
-                <a:spcPct val="0"/>
-              </a:spcAft>
-              <a:defRPr/>
-            </a:pPr>
-            <a:r>
-              <a:rPr lang="en-GB" sz="2400" b="1">
-                <a:solidFill>
-                  <a:prstClr val="black"/>
-                </a:solidFill>
-                <a:latin typeface="Candara" panose="020E0502030303020204" pitchFamily="34" charset="0"/>
-              </a:rPr>
-              <a:t>2024</a:t>
-            </a:r>
-            <a:endParaRPr lang="en-IE" sz="8000" b="1">
-              <a:solidFill>
-                <a:prstClr val="black"/>
-              </a:solidFill>
-              <a:latin typeface="Candara" panose="020E0502030303020204" pitchFamily="34" charset="0"/>
-            </a:endParaRPr>
-          </a:p>
-        </p:txBody>
-      </p:sp>
-      <p:sp>
-        <p:nvSpPr>
-          <p:cNvPr id="36" name="TextBox 35">
-            <a:extLst>
-              <a:ext uri="{FF2B5EF4-FFF2-40B4-BE49-F238E27FC236}">
-                <a16:creationId xmlns:a16="http://schemas.microsoft.com/office/drawing/2014/main" id="{04B857B1-BC2B-27B5-070D-406FA9EE2123}"/>
-              </a:ext>
-            </a:extLst>
-          </p:cNvPr>
-          <p:cNvSpPr txBox="1"/>
-          <p:nvPr/>
-        </p:nvSpPr>
-        <p:spPr>
-          <a:xfrm>
-            <a:off x="9170029" y="123451"/>
-            <a:ext cx="2878464" cy="461665"/>
-          </a:xfrm>
-          <a:prstGeom prst="rect">
-            <a:avLst/>
-          </a:prstGeom>
-          <a:solidFill>
-            <a:srgbClr val="FF9933"/>
-          </a:solidFill>
-        </p:spPr>
-        <p:txBody>
-          <a:bodyPr wrap="square" rtlCol="0">
-            <a:spAutoFit/>
-          </a:bodyPr>
-          <a:lstStyle/>
-          <a:p>
-            <a:pPr algn="ctr" fontAlgn="base">
-              <a:spcBef>
-                <a:spcPct val="0"/>
-              </a:spcBef>
-              <a:spcAft>
-                <a:spcPct val="0"/>
-              </a:spcAft>
-              <a:defRPr/>
-            </a:pPr>
-            <a:r>
-              <a:rPr lang="en-GB" sz="2400" b="1">
-                <a:solidFill>
-                  <a:prstClr val="black"/>
-                </a:solidFill>
-                <a:latin typeface="Candara" panose="020E0502030303020204" pitchFamily="34" charset="0"/>
-              </a:rPr>
-              <a:t>2025</a:t>
-            </a:r>
-            <a:endParaRPr lang="en-IE" sz="8000" b="1">
-              <a:solidFill>
-                <a:prstClr val="black"/>
-              </a:solidFill>
-              <a:latin typeface="Candara" panose="020E0502030303020204" pitchFamily="34" charset="0"/>
-            </a:endParaRPr>
-          </a:p>
-        </p:txBody>
-      </p:sp>
-      <p:sp>
-        <p:nvSpPr>
-          <p:cNvPr id="38" name="TextBox 37">
-            <a:extLst>
-              <a:ext uri="{FF2B5EF4-FFF2-40B4-BE49-F238E27FC236}">
-                <a16:creationId xmlns:a16="http://schemas.microsoft.com/office/drawing/2014/main" id="{37758E2C-BBCF-2D33-A57D-57848B624D4F}"/>
-              </a:ext>
-            </a:extLst>
-          </p:cNvPr>
-          <p:cNvSpPr txBox="1"/>
-          <p:nvPr/>
-        </p:nvSpPr>
-        <p:spPr>
-          <a:xfrm>
-            <a:off x="4085137" y="1408971"/>
-            <a:ext cx="4121151" cy="369332"/>
-          </a:xfrm>
-          <a:prstGeom prst="rect">
-            <a:avLst/>
-          </a:prstGeom>
-          <a:gradFill flip="none" rotWithShape="1">
-            <a:gsLst>
-              <a:gs pos="0">
-                <a:schemeClr val="accent2">
-                  <a:lumMod val="67000"/>
-                </a:schemeClr>
-              </a:gs>
-              <a:gs pos="48000">
-                <a:schemeClr val="accent2">
-                  <a:lumMod val="97000"/>
-                  <a:lumOff val="3000"/>
-                </a:schemeClr>
-              </a:gs>
-              <a:gs pos="100000">
-                <a:schemeClr val="accent2">
-                  <a:lumMod val="60000"/>
-                  <a:lumOff val="40000"/>
-                </a:schemeClr>
-              </a:gs>
-            </a:gsLst>
-            <a:lin ang="16200000" scaled="1"/>
-            <a:tileRect/>
-          </a:gradFill>
-          <a:ln>
-            <a:noFill/>
-          </a:ln>
-        </p:spPr>
-        <p:style>
-          <a:lnRef idx="0">
-            <a:scrgbClr r="0" g="0" b="0"/>
-          </a:lnRef>
-          <a:fillRef idx="0">
-            <a:scrgbClr r="0" g="0" b="0"/>
-          </a:fillRef>
-          <a:effectRef idx="0">
-            <a:scrgbClr r="0" g="0" b="0"/>
-          </a:effectRef>
-          <a:fontRef idx="minor">
-            <a:schemeClr val="lt1"/>
-          </a:fontRef>
-        </p:style>
-        <p:txBody>
-          <a:bodyPr wrap="square" rtlCol="0">
-            <a:spAutoFit/>
-          </a:bodyPr>
-          <a:lstStyle>
-            <a:defPPr>
-              <a:defRPr lang="en-CZ"/>
-            </a:defPPr>
-            <a:lvl1pPr algn="ctr" fontAlgn="base">
-              <a:spcBef>
-                <a:spcPct val="0"/>
-              </a:spcBef>
-              <a:spcAft>
-                <a:spcPct val="0"/>
-              </a:spcAft>
-              <a:defRPr sz="1200" b="1"/>
-            </a:lvl1pPr>
-          </a:lstStyle>
-          <a:p>
-            <a:r>
-              <a:rPr lang="en-GB" sz="1800" dirty="0"/>
-              <a:t>Implementation (Wave 8)</a:t>
-            </a:r>
-            <a:endParaRPr lang="en-IE" sz="1800" dirty="0"/>
-          </a:p>
-        </p:txBody>
-      </p:sp>
-      <p:sp>
-        <p:nvSpPr>
-          <p:cNvPr id="40" name="Rectangle 39">
-            <a:extLst>
-              <a:ext uri="{FF2B5EF4-FFF2-40B4-BE49-F238E27FC236}">
-                <a16:creationId xmlns:a16="http://schemas.microsoft.com/office/drawing/2014/main" id="{2606A59F-5FEE-5405-A8CE-DA4F34B0FCA0}"/>
-              </a:ext>
-            </a:extLst>
-          </p:cNvPr>
-          <p:cNvSpPr/>
-          <p:nvPr/>
-        </p:nvSpPr>
-        <p:spPr>
-          <a:xfrm>
-            <a:off x="36774" y="1905972"/>
-            <a:ext cx="12118453" cy="1444803"/>
-          </a:xfrm>
-          <a:prstGeom prst="rect">
-            <a:avLst/>
-          </a:prstGeom>
-          <a:solidFill>
-            <a:srgbClr val="ED8D2F">
-              <a:lumMod val="20000"/>
-              <a:lumOff val="80000"/>
-              <a:alpha val="40000"/>
-            </a:srgbClr>
-          </a:solidFill>
-          <a:ln w="6350" cap="flat" cmpd="sng" algn="ctr">
-            <a:solidFill>
-              <a:srgbClr val="1E858B">
-                <a:shade val="50000"/>
-              </a:srgbClr>
-            </a:solidFill>
-            <a:prstDash val="solid"/>
-            <a:miter lim="800000"/>
-          </a:ln>
-          <a:effectLst/>
-        </p:spPr>
-        <p:txBody>
-          <a:bodyPr rtlCol="0" anchor="t"/>
-          <a:lstStyle/>
-          <a:p>
-            <a:pPr defTabSz="914377">
-              <a:defRPr/>
-            </a:pPr>
-            <a:r>
-              <a:rPr lang="en-IE" sz="1600" b="1" kern="0" dirty="0">
-                <a:solidFill>
-                  <a:srgbClr val="4D4D4D"/>
-                </a:solidFill>
-                <a:latin typeface="Candara" panose="020E0502030303020204" pitchFamily="34" charset="0"/>
-              </a:rPr>
-              <a:t>(Hospital) discharge reports and Medical images </a:t>
-            </a:r>
-            <a:r>
-              <a:rPr lang="en-IE" sz="1600" b="1" u="sng" kern="0" dirty="0">
-                <a:solidFill>
-                  <a:srgbClr val="4D4D4D"/>
-                </a:solidFill>
-                <a:latin typeface="Candara" panose="020E0502030303020204" pitchFamily="34" charset="0"/>
-              </a:rPr>
-              <a:t>and</a:t>
-            </a:r>
-            <a:r>
-              <a:rPr lang="en-IE" sz="1600" b="1" kern="0" dirty="0">
-                <a:solidFill>
-                  <a:srgbClr val="4D4D4D"/>
-                </a:solidFill>
-                <a:latin typeface="Candara" panose="020E0502030303020204" pitchFamily="34" charset="0"/>
-              </a:rPr>
-              <a:t> image reports</a:t>
-            </a:r>
-          </a:p>
-          <a:p>
-            <a:pPr defTabSz="914377">
-              <a:defRPr/>
-            </a:pPr>
-            <a:r>
-              <a:rPr lang="en-IE" sz="1600" b="1" kern="0" dirty="0">
-                <a:solidFill>
-                  <a:srgbClr val="4D4D4D"/>
-                </a:solidFill>
-                <a:latin typeface="Candara" panose="020E0502030303020204" pitchFamily="34" charset="0"/>
-              </a:rPr>
-              <a:t> </a:t>
-            </a:r>
-          </a:p>
-        </p:txBody>
-      </p:sp>
-      <p:sp>
-        <p:nvSpPr>
-          <p:cNvPr id="42" name="TextBox 41">
-            <a:extLst>
-              <a:ext uri="{FF2B5EF4-FFF2-40B4-BE49-F238E27FC236}">
-                <a16:creationId xmlns:a16="http://schemas.microsoft.com/office/drawing/2014/main" id="{B70EB5CB-D1D3-65FF-34B7-81C6B5B9B742}"/>
-              </a:ext>
-            </a:extLst>
-          </p:cNvPr>
-          <p:cNvSpPr txBox="1"/>
-          <p:nvPr/>
-        </p:nvSpPr>
-        <p:spPr>
-          <a:xfrm>
-            <a:off x="6046291" y="2831847"/>
-            <a:ext cx="5379499" cy="369332"/>
-          </a:xfrm>
-          <a:prstGeom prst="rect">
-            <a:avLst/>
-          </a:prstGeom>
-          <a:gradFill flip="none" rotWithShape="1">
-            <a:gsLst>
-              <a:gs pos="0">
-                <a:schemeClr val="accent2">
-                  <a:lumMod val="67000"/>
-                </a:schemeClr>
-              </a:gs>
-              <a:gs pos="48000">
-                <a:schemeClr val="accent2">
-                  <a:lumMod val="97000"/>
-                  <a:lumOff val="3000"/>
-                </a:schemeClr>
-              </a:gs>
-              <a:gs pos="100000">
-                <a:schemeClr val="accent2">
-                  <a:lumMod val="60000"/>
-                  <a:lumOff val="40000"/>
-                </a:schemeClr>
-              </a:gs>
-            </a:gsLst>
-            <a:lin ang="16200000" scaled="1"/>
-            <a:tileRect/>
-          </a:gradFill>
-          <a:ln>
-            <a:noFill/>
-          </a:ln>
-        </p:spPr>
-        <p:style>
-          <a:lnRef idx="0">
-            <a:scrgbClr r="0" g="0" b="0"/>
-          </a:lnRef>
-          <a:fillRef idx="0">
-            <a:scrgbClr r="0" g="0" b="0"/>
-          </a:fillRef>
-          <a:effectRef idx="0">
-            <a:scrgbClr r="0" g="0" b="0"/>
-          </a:effectRef>
-          <a:fontRef idx="minor">
-            <a:schemeClr val="lt1"/>
-          </a:fontRef>
-        </p:style>
-        <p:txBody>
-          <a:bodyPr wrap="square" rtlCol="0">
-            <a:spAutoFit/>
-          </a:bodyPr>
-          <a:lstStyle>
-            <a:defPPr>
-              <a:defRPr lang="en-CZ"/>
-            </a:defPPr>
-            <a:lvl1pPr algn="ctr" fontAlgn="base">
-              <a:spcBef>
-                <a:spcPct val="0"/>
-              </a:spcBef>
-              <a:spcAft>
-                <a:spcPct val="0"/>
-              </a:spcAft>
-              <a:defRPr sz="1200" b="1"/>
-            </a:lvl1pPr>
-            <a:lvl2pPr>
-              <a:defRPr>
-                <a:solidFill>
-                  <a:schemeClr val="lt1"/>
-                </a:solidFill>
-                <a:latin typeface="+mn-lt"/>
-                <a:ea typeface="+mn-ea"/>
-              </a:defRPr>
-            </a:lvl2pPr>
-            <a:lvl3pPr>
-              <a:defRPr>
-                <a:solidFill>
-                  <a:schemeClr val="lt1"/>
-                </a:solidFill>
-                <a:latin typeface="+mn-lt"/>
-                <a:ea typeface="+mn-ea"/>
-              </a:defRPr>
-            </a:lvl3pPr>
-            <a:lvl4pPr>
-              <a:defRPr>
-                <a:solidFill>
-                  <a:schemeClr val="lt1"/>
-                </a:solidFill>
-                <a:latin typeface="+mn-lt"/>
-                <a:ea typeface="+mn-ea"/>
-              </a:defRPr>
-            </a:lvl4pPr>
-            <a:lvl5pPr>
-              <a:defRPr>
-                <a:solidFill>
-                  <a:schemeClr val="lt1"/>
-                </a:solidFill>
-                <a:latin typeface="+mn-lt"/>
-                <a:ea typeface="+mn-ea"/>
-              </a:defRPr>
-            </a:lvl5pPr>
-            <a:lvl6pPr>
-              <a:defRPr>
-                <a:solidFill>
-                  <a:schemeClr val="lt1"/>
-                </a:solidFill>
-                <a:latin typeface="+mn-lt"/>
-                <a:ea typeface="+mn-ea"/>
-              </a:defRPr>
-            </a:lvl6pPr>
-            <a:lvl7pPr>
-              <a:defRPr>
-                <a:solidFill>
-                  <a:schemeClr val="lt1"/>
-                </a:solidFill>
-                <a:latin typeface="+mn-lt"/>
-                <a:ea typeface="+mn-ea"/>
-              </a:defRPr>
-            </a:lvl7pPr>
-            <a:lvl8pPr>
-              <a:defRPr>
-                <a:solidFill>
-                  <a:schemeClr val="lt1"/>
-                </a:solidFill>
-                <a:latin typeface="+mn-lt"/>
-                <a:ea typeface="+mn-ea"/>
-              </a:defRPr>
-            </a:lvl8pPr>
-            <a:lvl9pPr>
-              <a:defRPr>
-                <a:solidFill>
-                  <a:schemeClr val="lt1"/>
-                </a:solidFill>
-                <a:latin typeface="+mn-lt"/>
-                <a:ea typeface="+mn-ea"/>
-              </a:defRPr>
-            </a:lvl9pPr>
-          </a:lstStyle>
-          <a:p>
-            <a:r>
-              <a:rPr lang="en-GB" sz="1800" dirty="0"/>
-              <a:t>Implementation in </a:t>
-            </a:r>
-            <a:r>
-              <a:rPr lang="en-GB" sz="1800" dirty="0" err="1"/>
-              <a:t>MyHealth@EU</a:t>
-            </a:r>
-            <a:r>
-              <a:rPr lang="en-GB" sz="1800" dirty="0"/>
-              <a:t> (Wave 9)</a:t>
-            </a:r>
-            <a:endParaRPr lang="en-IE" sz="1800" dirty="0"/>
+              <a:t>image: Flaticon.com</a:t>
+            </a:r>
+            <a:endParaRPr lang="en-US" sz="1600" b="1" dirty="0"/>
           </a:p>
         </p:txBody>
       </p:sp>
       <p:pic>
         <p:nvPicPr>
-          <p:cNvPr id="3" name="Immagine 2">
-            <a:extLst>
-              <a:ext uri="{FF2B5EF4-FFF2-40B4-BE49-F238E27FC236}">
-                <a16:creationId xmlns:a16="http://schemas.microsoft.com/office/drawing/2014/main" id="{EED233BB-586D-61B7-7267-6704120772E9}"/>
+          <p:cNvPr id="18" name="Immagine 17">
+            <a:extLst>
+              <a:ext uri="{FF2B5EF4-FFF2-40B4-BE49-F238E27FC236}">
+                <a16:creationId xmlns:a16="http://schemas.microsoft.com/office/drawing/2014/main" id="{FBD7EC08-8D68-5757-93A2-28F5FCC4C48C}"/>
               </a:ext>
             </a:extLst>
           </p:cNvPr>
@@ -10075,20 +9013,91 @@
         </p:blipFill>
         <p:spPr>
           <a:xfrm>
-            <a:off x="1392640" y="2351691"/>
-            <a:ext cx="703699" cy="815317"/>
+            <a:off x="2090871" y="2878100"/>
+            <a:ext cx="1108365" cy="1108365"/>
           </a:xfrm>
           <a:prstGeom prst="rect">
             <a:avLst/>
           </a:prstGeom>
         </p:spPr>
       </p:pic>
+      <p:sp>
+        <p:nvSpPr>
+          <p:cNvPr id="19" name="CasellaDiTesto 18">
+            <a:extLst>
+              <a:ext uri="{FF2B5EF4-FFF2-40B4-BE49-F238E27FC236}">
+                <a16:creationId xmlns:a16="http://schemas.microsoft.com/office/drawing/2014/main" id="{E2A1B27E-7859-450C-1FF8-977ADEC2F711}"/>
+              </a:ext>
+            </a:extLst>
+          </p:cNvPr>
+          <p:cNvSpPr txBox="1"/>
+          <p:nvPr/>
+        </p:nvSpPr>
+        <p:spPr>
+          <a:xfrm>
+            <a:off x="1671688" y="4021312"/>
+            <a:ext cx="1896866" cy="379656"/>
+          </a:xfrm>
+          <a:prstGeom prst="rect">
+            <a:avLst/>
+          </a:prstGeom>
+          <a:noFill/>
+        </p:spPr>
+        <p:txBody>
+          <a:bodyPr wrap="none" rtlCol="0">
+            <a:spAutoFit/>
+          </a:bodyPr>
+          <a:lstStyle/>
+          <a:p>
+            <a:r>
+              <a:rPr lang="en-US" sz="1867" b="1" dirty="0" err="1"/>
+              <a:t>DiagnosticReport</a:t>
+            </a:r>
+            <a:endParaRPr lang="en-US" sz="1867" b="1" dirty="0"/>
+          </a:p>
+        </p:txBody>
+      </p:sp>
+      <p:sp>
+        <p:nvSpPr>
+          <p:cNvPr id="20" name="CasellaDiTesto 19">
+            <a:extLst>
+              <a:ext uri="{FF2B5EF4-FFF2-40B4-BE49-F238E27FC236}">
+                <a16:creationId xmlns:a16="http://schemas.microsoft.com/office/drawing/2014/main" id="{E62707B3-4EED-61B2-01DB-4B950158BB59}"/>
+              </a:ext>
+            </a:extLst>
+          </p:cNvPr>
+          <p:cNvSpPr txBox="1"/>
+          <p:nvPr/>
+        </p:nvSpPr>
+        <p:spPr>
+          <a:xfrm>
+            <a:off x="3399740" y="1743048"/>
+            <a:ext cx="1446230" cy="379656"/>
+          </a:xfrm>
+          <a:prstGeom prst="rect">
+            <a:avLst/>
+          </a:prstGeom>
+          <a:noFill/>
+        </p:spPr>
+        <p:txBody>
+          <a:bodyPr wrap="none" rtlCol="0">
+            <a:spAutoFit/>
+          </a:bodyPr>
+          <a:lstStyle/>
+          <a:p>
+            <a:r>
+              <a:rPr lang="en-US" sz="1867" b="1" dirty="0"/>
+              <a:t>Composition</a:t>
+            </a:r>
+          </a:p>
+        </p:txBody>
+      </p:sp>
       <p:pic>
         <p:nvPicPr>
-          <p:cNvPr id="4" name="Immagine 3">
-            <a:extLst>
-              <a:ext uri="{FF2B5EF4-FFF2-40B4-BE49-F238E27FC236}">
-                <a16:creationId xmlns:a16="http://schemas.microsoft.com/office/drawing/2014/main" id="{735CCB4D-BD9B-01B4-BDA3-D44BE0EEB510}"/>
+          <p:cNvPr id="22" name="Immagine 21">
+            <a:extLst>
+              <a:ext uri="{FF2B5EF4-FFF2-40B4-BE49-F238E27FC236}">
+                <a16:creationId xmlns:a16="http://schemas.microsoft.com/office/drawing/2014/main" id="{AFF66693-A4D4-0088-4987-6321C21A0173}"/>
               </a:ext>
             </a:extLst>
           </p:cNvPr>
@@ -10105,20 +9114,224 @@
         </p:blipFill>
         <p:spPr>
           <a:xfrm>
-            <a:off x="680339" y="1014947"/>
-            <a:ext cx="799959" cy="794589"/>
+            <a:off x="4100236" y="3741850"/>
+            <a:ext cx="902681" cy="902681"/>
           </a:xfrm>
           <a:prstGeom prst="rect">
             <a:avLst/>
           </a:prstGeom>
         </p:spPr>
       </p:pic>
+      <p:sp>
+        <p:nvSpPr>
+          <p:cNvPr id="23" name="CasellaDiTesto 22">
+            <a:extLst>
+              <a:ext uri="{FF2B5EF4-FFF2-40B4-BE49-F238E27FC236}">
+                <a16:creationId xmlns:a16="http://schemas.microsoft.com/office/drawing/2014/main" id="{5468B17D-13D5-DB60-C321-5A0E5D8D8734}"/>
+              </a:ext>
+            </a:extLst>
+          </p:cNvPr>
+          <p:cNvSpPr txBox="1"/>
+          <p:nvPr/>
+        </p:nvSpPr>
+        <p:spPr>
+          <a:xfrm>
+            <a:off x="3553862" y="4698051"/>
+            <a:ext cx="1820819" cy="379656"/>
+          </a:xfrm>
+          <a:prstGeom prst="rect">
+            <a:avLst/>
+          </a:prstGeom>
+          <a:noFill/>
+        </p:spPr>
+        <p:txBody>
+          <a:bodyPr wrap="none" rtlCol="0">
+            <a:spAutoFit/>
+          </a:bodyPr>
+          <a:lstStyle/>
+          <a:p>
+            <a:r>
+              <a:rPr lang="en-US" sz="1867" b="1" dirty="0"/>
+              <a:t>Other Resources</a:t>
+            </a:r>
+          </a:p>
+        </p:txBody>
+      </p:sp>
+      <p:cxnSp>
+        <p:nvCxnSpPr>
+          <p:cNvPr id="25" name="Connettore 2 24">
+            <a:extLst>
+              <a:ext uri="{FF2B5EF4-FFF2-40B4-BE49-F238E27FC236}">
+                <a16:creationId xmlns:a16="http://schemas.microsoft.com/office/drawing/2014/main" id="{5BB0BFAE-12D7-7AE8-212A-C7099D8D613C}"/>
+              </a:ext>
+            </a:extLst>
+          </p:cNvPr>
+          <p:cNvCxnSpPr>
+            <a:cxnSpLocks/>
+            <a:stCxn id="18" idx="3"/>
+            <a:endCxn id="50" idx="1"/>
+          </p:cNvCxnSpPr>
+          <p:nvPr/>
+        </p:nvCxnSpPr>
+        <p:spPr>
+          <a:xfrm flipV="1">
+            <a:off x="3199237" y="2546256"/>
+            <a:ext cx="569244" cy="886027"/>
+          </a:xfrm>
+          <a:prstGeom prst="straightConnector1">
+            <a:avLst/>
+          </a:prstGeom>
+          <a:ln>
+            <a:tailEnd type="triangle"/>
+          </a:ln>
+        </p:spPr>
+        <p:style>
+          <a:lnRef idx="2">
+            <a:schemeClr val="accent1"/>
+          </a:lnRef>
+          <a:fillRef idx="0">
+            <a:schemeClr val="accent1"/>
+          </a:fillRef>
+          <a:effectRef idx="1">
+            <a:schemeClr val="accent1"/>
+          </a:effectRef>
+          <a:fontRef idx="minor">
+            <a:schemeClr val="tx1"/>
+          </a:fontRef>
+        </p:style>
+      </p:cxnSp>
+      <p:cxnSp>
+        <p:nvCxnSpPr>
+          <p:cNvPr id="26" name="Connettore 2 25">
+            <a:extLst>
+              <a:ext uri="{FF2B5EF4-FFF2-40B4-BE49-F238E27FC236}">
+                <a16:creationId xmlns:a16="http://schemas.microsoft.com/office/drawing/2014/main" id="{405414CB-215F-02D8-C2D8-D3AC541BDB82}"/>
+              </a:ext>
+            </a:extLst>
+          </p:cNvPr>
+          <p:cNvCxnSpPr>
+            <a:cxnSpLocks/>
+            <a:stCxn id="18" idx="3"/>
+            <a:endCxn id="22" idx="1"/>
+          </p:cNvCxnSpPr>
+          <p:nvPr/>
+        </p:nvCxnSpPr>
+        <p:spPr>
+          <a:xfrm>
+            <a:off x="3199237" y="3432283"/>
+            <a:ext cx="900999" cy="760908"/>
+          </a:xfrm>
+          <a:prstGeom prst="straightConnector1">
+            <a:avLst/>
+          </a:prstGeom>
+          <a:ln>
+            <a:tailEnd type="triangle"/>
+          </a:ln>
+        </p:spPr>
+        <p:style>
+          <a:lnRef idx="2">
+            <a:schemeClr val="accent1"/>
+          </a:lnRef>
+          <a:fillRef idx="0">
+            <a:schemeClr val="accent1"/>
+          </a:fillRef>
+          <a:effectRef idx="1">
+            <a:schemeClr val="accent1"/>
+          </a:effectRef>
+          <a:fontRef idx="minor">
+            <a:schemeClr val="tx1"/>
+          </a:fontRef>
+        </p:style>
+      </p:cxnSp>
+      <p:cxnSp>
+        <p:nvCxnSpPr>
+          <p:cNvPr id="29" name="Connettore 2 28">
+            <a:extLst>
+              <a:ext uri="{FF2B5EF4-FFF2-40B4-BE49-F238E27FC236}">
+                <a16:creationId xmlns:a16="http://schemas.microsoft.com/office/drawing/2014/main" id="{F8F8EC5D-350E-2563-3850-7D7B9EA72D71}"/>
+              </a:ext>
+            </a:extLst>
+          </p:cNvPr>
+          <p:cNvCxnSpPr>
+            <a:cxnSpLocks/>
+            <a:stCxn id="50" idx="2"/>
+            <a:endCxn id="22" idx="0"/>
+          </p:cNvCxnSpPr>
+          <p:nvPr/>
+        </p:nvCxnSpPr>
+        <p:spPr>
+          <a:xfrm>
+            <a:off x="4132757" y="2910534"/>
+            <a:ext cx="418819" cy="831316"/>
+          </a:xfrm>
+          <a:prstGeom prst="straightConnector1">
+            <a:avLst/>
+          </a:prstGeom>
+          <a:ln>
+            <a:prstDash val="sysDot"/>
+            <a:tailEnd type="triangle"/>
+          </a:ln>
+        </p:spPr>
+        <p:style>
+          <a:lnRef idx="2">
+            <a:schemeClr val="accent1"/>
+          </a:lnRef>
+          <a:fillRef idx="0">
+            <a:schemeClr val="accent1"/>
+          </a:fillRef>
+          <a:effectRef idx="1">
+            <a:schemeClr val="accent1"/>
+          </a:effectRef>
+          <a:fontRef idx="minor">
+            <a:schemeClr val="tx1"/>
+          </a:fontRef>
+        </p:style>
+      </p:cxnSp>
+      <p:sp>
+        <p:nvSpPr>
+          <p:cNvPr id="38" name="CasellaDiTesto 37">
+            <a:extLst>
+              <a:ext uri="{FF2B5EF4-FFF2-40B4-BE49-F238E27FC236}">
+                <a16:creationId xmlns:a16="http://schemas.microsoft.com/office/drawing/2014/main" id="{3BF72E60-B0C2-66F5-D2E5-08BFD8244E46}"/>
+              </a:ext>
+            </a:extLst>
+          </p:cNvPr>
+          <p:cNvSpPr txBox="1"/>
+          <p:nvPr/>
+        </p:nvSpPr>
+        <p:spPr>
+          <a:xfrm>
+            <a:off x="1759526" y="5535402"/>
+            <a:ext cx="2342308" cy="461665"/>
+          </a:xfrm>
+          <a:prstGeom prst="rect">
+            <a:avLst/>
+          </a:prstGeom>
+          <a:noFill/>
+        </p:spPr>
+        <p:txBody>
+          <a:bodyPr wrap="none" rtlCol="0">
+            <a:spAutoFit/>
+          </a:bodyPr>
+          <a:lstStyle/>
+          <a:p>
+            <a:r>
+              <a:rPr lang="en-US" sz="2400" b="1" dirty="0">
+                <a:solidFill>
+                  <a:srgbClr val="FF0000"/>
+                </a:solidFill>
+              </a:rPr>
+              <a:t>REST Perspective</a:t>
+            </a:r>
+          </a:p>
+        </p:txBody>
+      </p:sp>
       <p:pic>
         <p:nvPicPr>
-          <p:cNvPr id="5" name="Immagine 4">
-            <a:extLst>
-              <a:ext uri="{FF2B5EF4-FFF2-40B4-BE49-F238E27FC236}">
-                <a16:creationId xmlns:a16="http://schemas.microsoft.com/office/drawing/2014/main" id="{45EFC5D9-37EF-0595-B829-02F8FFADDE8B}"/>
+          <p:cNvPr id="50" name="Immagine 49">
+            <a:extLst>
+              <a:ext uri="{FF2B5EF4-FFF2-40B4-BE49-F238E27FC236}">
+                <a16:creationId xmlns:a16="http://schemas.microsoft.com/office/drawing/2014/main" id="{34A6260C-5C27-2A9F-C46D-C5DDB4A59CDA}"/>
               </a:ext>
             </a:extLst>
           </p:cNvPr>
@@ -10135,8 +9348,8 @@
         </p:blipFill>
         <p:spPr>
           <a:xfrm>
-            <a:off x="447547" y="2356942"/>
-            <a:ext cx="747720" cy="823719"/>
+            <a:off x="3768480" y="2181979"/>
+            <a:ext cx="728555" cy="728555"/>
           </a:xfrm>
           <a:prstGeom prst="rect">
             <a:avLst/>
@@ -10145,424 +9358,33 @@
       </p:pic>
       <p:sp>
         <p:nvSpPr>
-          <p:cNvPr id="8" name="TextBox 68">
-            <a:extLst>
-              <a:ext uri="{FF2B5EF4-FFF2-40B4-BE49-F238E27FC236}">
-                <a16:creationId xmlns:a16="http://schemas.microsoft.com/office/drawing/2014/main" id="{77BF479C-0B13-0A36-725E-4ECEA5D198B4}"/>
-              </a:ext>
-            </a:extLst>
-          </p:cNvPr>
-          <p:cNvSpPr txBox="1"/>
-          <p:nvPr/>
-        </p:nvSpPr>
-        <p:spPr>
-          <a:xfrm>
-            <a:off x="100570" y="3451996"/>
-            <a:ext cx="2483319" cy="400110"/>
-          </a:xfrm>
-          <a:prstGeom prst="rect">
-            <a:avLst/>
-          </a:prstGeom>
-        </p:spPr>
-        <p:style>
-          <a:lnRef idx="1">
-            <a:schemeClr val="accent3"/>
-          </a:lnRef>
-          <a:fillRef idx="3">
-            <a:schemeClr val="accent3"/>
-          </a:fillRef>
-          <a:effectRef idx="2">
-            <a:schemeClr val="accent3"/>
-          </a:effectRef>
-          <a:fontRef idx="minor">
-            <a:schemeClr val="lt1"/>
-          </a:fontRef>
-        </p:style>
-        <p:txBody>
-          <a:bodyPr wrap="square" rtlCol="0">
-            <a:spAutoFit/>
-          </a:bodyPr>
-          <a:lstStyle/>
-          <a:p>
-            <a:pPr algn="ctr" fontAlgn="base">
-              <a:spcBef>
-                <a:spcPct val="0"/>
-              </a:spcBef>
-              <a:spcAft>
-                <a:spcPct val="0"/>
-              </a:spcAft>
-              <a:defRPr/>
-            </a:pPr>
-            <a:r>
-              <a:rPr lang="en-GB" sz="2000" b="1" dirty="0"/>
-              <a:t>X-eHealth</a:t>
-            </a:r>
-            <a:endParaRPr lang="en-IE" sz="2000" b="1" dirty="0"/>
-          </a:p>
-        </p:txBody>
-      </p:sp>
-      <p:sp>
-        <p:nvSpPr>
-          <p:cNvPr id="9" name="TextBox 69">
-            <a:extLst>
-              <a:ext uri="{FF2B5EF4-FFF2-40B4-BE49-F238E27FC236}">
-                <a16:creationId xmlns:a16="http://schemas.microsoft.com/office/drawing/2014/main" id="{ACFE6463-FADB-3353-52C9-DF717E972CB7}"/>
-              </a:ext>
-            </a:extLst>
-          </p:cNvPr>
-          <p:cNvSpPr txBox="1"/>
-          <p:nvPr/>
-        </p:nvSpPr>
-        <p:spPr>
-          <a:xfrm>
-            <a:off x="5869461" y="3480672"/>
-            <a:ext cx="6285767" cy="400110"/>
-          </a:xfrm>
-          <a:prstGeom prst="rect">
-            <a:avLst/>
-          </a:prstGeom>
-        </p:spPr>
-        <p:style>
-          <a:lnRef idx="1">
-            <a:schemeClr val="accent3"/>
-          </a:lnRef>
-          <a:fillRef idx="3">
-            <a:schemeClr val="accent3"/>
-          </a:fillRef>
-          <a:effectRef idx="2">
-            <a:schemeClr val="accent3"/>
-          </a:effectRef>
-          <a:fontRef idx="minor">
-            <a:schemeClr val="lt1"/>
-          </a:fontRef>
-        </p:style>
-        <p:txBody>
-          <a:bodyPr wrap="square" rtlCol="0">
-            <a:spAutoFit/>
-          </a:bodyPr>
-          <a:lstStyle>
-            <a:defPPr>
-              <a:defRPr lang="en-US"/>
-            </a:defPPr>
-            <a:lvl1pPr algn="ctr">
-              <a:defRPr sz="1200" b="1"/>
-            </a:lvl1pPr>
-          </a:lstStyle>
-          <a:p>
-            <a:r>
-              <a:rPr lang="en-GB" sz="2000" dirty="0" err="1"/>
-              <a:t>xShare</a:t>
-            </a:r>
-            <a:endParaRPr lang="en-IE" sz="2000" dirty="0"/>
-          </a:p>
-        </p:txBody>
-      </p:sp>
-      <p:sp>
-        <p:nvSpPr>
-          <p:cNvPr id="10" name="TextBox 70">
-            <a:extLst>
-              <a:ext uri="{FF2B5EF4-FFF2-40B4-BE49-F238E27FC236}">
-                <a16:creationId xmlns:a16="http://schemas.microsoft.com/office/drawing/2014/main" id="{468B23EA-F779-BE43-2AA0-4664460FDA92}"/>
-              </a:ext>
-            </a:extLst>
-          </p:cNvPr>
-          <p:cNvSpPr txBox="1"/>
-          <p:nvPr/>
-        </p:nvSpPr>
-        <p:spPr>
-          <a:xfrm>
-            <a:off x="3179813" y="3928352"/>
-            <a:ext cx="5867579" cy="400110"/>
-          </a:xfrm>
-          <a:prstGeom prst="rect">
-            <a:avLst/>
-          </a:prstGeom>
-        </p:spPr>
-        <p:style>
-          <a:lnRef idx="1">
-            <a:schemeClr val="accent3"/>
-          </a:lnRef>
-          <a:fillRef idx="3">
-            <a:schemeClr val="accent3"/>
-          </a:fillRef>
-          <a:effectRef idx="2">
-            <a:schemeClr val="accent3"/>
-          </a:effectRef>
-          <a:fontRef idx="minor">
-            <a:schemeClr val="lt1"/>
-          </a:fontRef>
-        </p:style>
-        <p:txBody>
-          <a:bodyPr wrap="square" rtlCol="0">
-            <a:spAutoFit/>
-          </a:bodyPr>
-          <a:lstStyle>
-            <a:defPPr>
-              <a:defRPr lang="en-US"/>
-            </a:defPPr>
-            <a:lvl1pPr algn="ctr">
-              <a:defRPr sz="1200" b="1"/>
-            </a:lvl1pPr>
-          </a:lstStyle>
-          <a:p>
-            <a:r>
-              <a:rPr lang="en-GB" sz="2000"/>
-              <a:t>XpanDH</a:t>
-            </a:r>
-            <a:endParaRPr lang="en-IE" sz="2000"/>
-          </a:p>
-        </p:txBody>
-      </p:sp>
-      <p:sp>
-        <p:nvSpPr>
-          <p:cNvPr id="11" name="Rettangolo 10">
-            <a:extLst>
-              <a:ext uri="{FF2B5EF4-FFF2-40B4-BE49-F238E27FC236}">
-                <a16:creationId xmlns:a16="http://schemas.microsoft.com/office/drawing/2014/main" id="{1100F797-1FA4-5940-81D7-7CDAC3CA48A1}"/>
-              </a:ext>
-            </a:extLst>
-          </p:cNvPr>
-          <p:cNvSpPr/>
-          <p:nvPr/>
-        </p:nvSpPr>
-        <p:spPr>
-          <a:xfrm>
-            <a:off x="386689" y="5389832"/>
-            <a:ext cx="11805311" cy="346264"/>
-          </a:xfrm>
-          <a:prstGeom prst="rect">
-            <a:avLst/>
-          </a:prstGeom>
-        </p:spPr>
-        <p:style>
-          <a:lnRef idx="1">
-            <a:schemeClr val="accent1"/>
-          </a:lnRef>
-          <a:fillRef idx="3">
-            <a:schemeClr val="accent1"/>
-          </a:fillRef>
-          <a:effectRef idx="2">
-            <a:schemeClr val="accent1"/>
-          </a:effectRef>
-          <a:fontRef idx="minor">
-            <a:schemeClr val="lt1"/>
-          </a:fontRef>
-        </p:style>
-        <p:txBody>
-          <a:bodyPr rtlCol="0" anchor="ctr"/>
-          <a:lstStyle/>
-          <a:p>
-            <a:pPr algn="ctr"/>
-            <a:r>
-              <a:rPr lang="en-US" sz="2400" b="1"/>
-              <a:t>National Initiatives</a:t>
-            </a:r>
-          </a:p>
-        </p:txBody>
-      </p:sp>
-      <p:sp>
-        <p:nvSpPr>
-          <p:cNvPr id="13" name="Rettangolo 12">
-            <a:extLst>
-              <a:ext uri="{FF2B5EF4-FFF2-40B4-BE49-F238E27FC236}">
-                <a16:creationId xmlns:a16="http://schemas.microsoft.com/office/drawing/2014/main" id="{68E670AD-C105-5CFD-8B7F-F8DBD5B88C20}"/>
-              </a:ext>
-            </a:extLst>
-          </p:cNvPr>
-          <p:cNvSpPr/>
-          <p:nvPr/>
-        </p:nvSpPr>
-        <p:spPr>
-          <a:xfrm>
-            <a:off x="3921211" y="5860385"/>
-            <a:ext cx="8270789" cy="346264"/>
-          </a:xfrm>
-          <a:prstGeom prst="rect">
-            <a:avLst/>
-          </a:prstGeom>
-          <a:solidFill>
-            <a:schemeClr val="accent2">
-              <a:alpha val="50000"/>
-            </a:schemeClr>
-          </a:solidFill>
-          <a:ln>
-            <a:noFill/>
-          </a:ln>
-        </p:spPr>
-        <p:style>
-          <a:lnRef idx="0">
-            <a:scrgbClr r="0" g="0" b="0"/>
-          </a:lnRef>
-          <a:fillRef idx="0">
-            <a:scrgbClr r="0" g="0" b="0"/>
-          </a:fillRef>
-          <a:effectRef idx="0">
-            <a:scrgbClr r="0" g="0" b="0"/>
-          </a:effectRef>
-          <a:fontRef idx="minor">
-            <a:schemeClr val="lt1"/>
-          </a:fontRef>
-        </p:style>
-        <p:txBody>
-          <a:bodyPr rtlCol="0" anchor="ctr"/>
-          <a:lstStyle/>
-          <a:p>
-            <a:pPr algn="ctr"/>
-            <a:r>
-              <a:rPr lang="en-US" sz="2400" b="1" dirty="0"/>
-              <a:t>This project</a:t>
-            </a:r>
-          </a:p>
-        </p:txBody>
-      </p:sp>
-      <p:sp>
-        <p:nvSpPr>
-          <p:cNvPr id="15" name="TextBox 37">
-            <a:extLst>
-              <a:ext uri="{FF2B5EF4-FFF2-40B4-BE49-F238E27FC236}">
-                <a16:creationId xmlns:a16="http://schemas.microsoft.com/office/drawing/2014/main" id="{6E71176B-EFBB-B1E1-4561-45CCAC6E79AF}"/>
-              </a:ext>
-            </a:extLst>
-          </p:cNvPr>
-          <p:cNvSpPr txBox="1"/>
-          <p:nvPr/>
-        </p:nvSpPr>
-        <p:spPr>
-          <a:xfrm>
-            <a:off x="3167827" y="855575"/>
-            <a:ext cx="2878463" cy="369332"/>
-          </a:xfrm>
-          <a:prstGeom prst="rect">
-            <a:avLst/>
-          </a:prstGeom>
-          <a:gradFill flip="none" rotWithShape="1">
-            <a:gsLst>
-              <a:gs pos="0">
-                <a:schemeClr val="accent2">
-                  <a:lumMod val="67000"/>
-                </a:schemeClr>
-              </a:gs>
-              <a:gs pos="48000">
-                <a:schemeClr val="accent2">
-                  <a:lumMod val="97000"/>
-                  <a:lumOff val="3000"/>
-                </a:schemeClr>
-              </a:gs>
-              <a:gs pos="100000">
-                <a:schemeClr val="accent2">
-                  <a:lumMod val="60000"/>
-                  <a:lumOff val="40000"/>
-                </a:schemeClr>
-              </a:gs>
-            </a:gsLst>
-            <a:lin ang="16200000" scaled="1"/>
-            <a:tileRect/>
-          </a:gradFill>
-          <a:ln>
-            <a:noFill/>
-          </a:ln>
-        </p:spPr>
-        <p:style>
-          <a:lnRef idx="0">
-            <a:scrgbClr r="0" g="0" b="0"/>
-          </a:lnRef>
-          <a:fillRef idx="0">
-            <a:scrgbClr r="0" g="0" b="0"/>
-          </a:fillRef>
-          <a:effectRef idx="0">
-            <a:scrgbClr r="0" g="0" b="0"/>
-          </a:effectRef>
-          <a:fontRef idx="minor">
-            <a:schemeClr val="lt1"/>
-          </a:fontRef>
-        </p:style>
-        <p:txBody>
-          <a:bodyPr wrap="square" rtlCol="0">
-            <a:spAutoFit/>
-          </a:bodyPr>
-          <a:lstStyle/>
-          <a:p>
-            <a:pPr algn="ctr" fontAlgn="base">
-              <a:spcBef>
-                <a:spcPct val="0"/>
-              </a:spcBef>
-              <a:spcAft>
-                <a:spcPct val="0"/>
-              </a:spcAft>
-              <a:defRPr/>
-            </a:pPr>
-            <a:r>
-              <a:rPr lang="en-GB" b="1" dirty="0"/>
-              <a:t>Proof of Concept</a:t>
-            </a:r>
-            <a:endParaRPr lang="en-IE" b="1" dirty="0"/>
-          </a:p>
-        </p:txBody>
-      </p:sp>
-      <p:sp>
-        <p:nvSpPr>
-          <p:cNvPr id="16" name="TextBox 70">
-            <a:extLst>
-              <a:ext uri="{FF2B5EF4-FFF2-40B4-BE49-F238E27FC236}">
-                <a16:creationId xmlns:a16="http://schemas.microsoft.com/office/drawing/2014/main" id="{708E727C-6335-7A54-8D95-0EB3BF989908}"/>
-              </a:ext>
-            </a:extLst>
-          </p:cNvPr>
-          <p:cNvSpPr txBox="1"/>
-          <p:nvPr/>
-        </p:nvSpPr>
-        <p:spPr>
-          <a:xfrm>
-            <a:off x="5777289" y="4589410"/>
-            <a:ext cx="6377937" cy="400110"/>
-          </a:xfrm>
-          <a:prstGeom prst="rect">
-            <a:avLst/>
-          </a:prstGeom>
-        </p:spPr>
-        <p:style>
-          <a:lnRef idx="1">
-            <a:schemeClr val="dk1"/>
-          </a:lnRef>
-          <a:fillRef idx="3">
-            <a:schemeClr val="dk1"/>
-          </a:fillRef>
-          <a:effectRef idx="2">
-            <a:schemeClr val="dk1"/>
-          </a:effectRef>
-          <a:fontRef idx="minor">
-            <a:schemeClr val="lt1"/>
-          </a:fontRef>
-        </p:style>
-        <p:txBody>
-          <a:bodyPr wrap="square" rtlCol="0">
-            <a:spAutoFit/>
-          </a:bodyPr>
-          <a:lstStyle>
-            <a:defPPr>
-              <a:defRPr lang="en-US"/>
-            </a:defPPr>
-            <a:lvl1pPr algn="ctr">
-              <a:defRPr sz="1200" b="1"/>
-            </a:lvl1pPr>
-          </a:lstStyle>
-          <a:p>
-            <a:r>
-              <a:rPr lang="en-GB" sz="2000" err="1"/>
-              <a:t>Xt</a:t>
-            </a:r>
-            <a:r>
-              <a:rPr lang="en-GB" sz="2000"/>
-              <a:t>-EHR (JA-09)</a:t>
-            </a:r>
-            <a:endParaRPr lang="en-IE" sz="2000"/>
+          <p:cNvPr id="9" name="Titolo 8">
+            <a:extLst>
+              <a:ext uri="{FF2B5EF4-FFF2-40B4-BE49-F238E27FC236}">
+                <a16:creationId xmlns:a16="http://schemas.microsoft.com/office/drawing/2014/main" id="{A7C6B5F7-5013-8662-B3B4-6B2B00FAB13E}"/>
+              </a:ext>
+            </a:extLst>
+          </p:cNvPr>
+          <p:cNvSpPr>
+            <a:spLocks noGrp="1"/>
+          </p:cNvSpPr>
+          <p:nvPr>
+            <p:ph type="title"/>
+          </p:nvPr>
+        </p:nvSpPr>
+        <p:spPr/>
+        <p:txBody>
+          <a:bodyPr/>
+          <a:lstStyle/>
+          <a:p>
+            <a:endParaRPr lang="en-US"/>
           </a:p>
         </p:txBody>
       </p:sp>
     </p:spTree>
     <p:extLst>
       <p:ext uri="{BB962C8B-B14F-4D97-AF65-F5344CB8AC3E}">
-        <p14:creationId xmlns:p14="http://schemas.microsoft.com/office/powerpoint/2010/main" val="1795019305"/>
+        <p14:creationId xmlns:p14="http://schemas.microsoft.com/office/powerpoint/2010/main" val="3449414667"/>
       </p:ext>
     </p:extLst>
   </p:cSld>
@@ -10603,744 +9425,372 @@
       </p:grpSpPr>
       <p:sp>
         <p:nvSpPr>
-          <p:cNvPr id="14" name="Rettangolo con angoli arrotondati 13">
-            <a:extLst>
-              <a:ext uri="{FF2B5EF4-FFF2-40B4-BE49-F238E27FC236}">
-                <a16:creationId xmlns:a16="http://schemas.microsoft.com/office/drawing/2014/main" id="{F8363186-FEC1-C8FF-EA16-DF30210FC626}"/>
-              </a:ext>
-            </a:extLst>
-          </p:cNvPr>
-          <p:cNvSpPr/>
-          <p:nvPr/>
-        </p:nvSpPr>
-        <p:spPr>
-          <a:xfrm>
-            <a:off x="2757851" y="3828269"/>
-            <a:ext cx="2575816" cy="1066916"/>
-          </a:xfrm>
-          <a:prstGeom prst="roundRect">
-            <a:avLst/>
-          </a:prstGeom>
-          <a:ln>
-            <a:prstDash val="sysDash"/>
-            <a:headEnd type="none" w="med" len="med"/>
-            <a:tailEnd type="none" w="med" len="med"/>
-          </a:ln>
-        </p:spPr>
-        <p:style>
-          <a:lnRef idx="2">
-            <a:schemeClr val="accent4"/>
-          </a:lnRef>
-          <a:fillRef idx="1">
-            <a:schemeClr val="lt1"/>
-          </a:fillRef>
-          <a:effectRef idx="0">
-            <a:schemeClr val="accent4"/>
-          </a:effectRef>
-          <a:fontRef idx="minor">
-            <a:schemeClr val="dk1"/>
-          </a:fontRef>
-        </p:style>
-        <p:txBody>
-          <a:bodyPr lIns="121920" tIns="60960" rIns="121920" bIns="60960" rtlCol="0" anchor="t"/>
-          <a:lstStyle/>
-          <a:p>
-            <a:r>
-              <a:rPr lang="en-US" sz="1200" b="1"/>
-              <a:t>EHRxF FHIR IG</a:t>
-            </a:r>
-          </a:p>
-        </p:txBody>
-      </p:sp>
-      <p:sp>
-        <p:nvSpPr>
-          <p:cNvPr id="6" name="Rettangolo con angoli arrotondati 5">
-            <a:extLst>
-              <a:ext uri="{FF2B5EF4-FFF2-40B4-BE49-F238E27FC236}">
-                <a16:creationId xmlns:a16="http://schemas.microsoft.com/office/drawing/2014/main" id="{4D5A866E-B136-3A0F-47A7-D2F959EFECA6}"/>
-              </a:ext>
-            </a:extLst>
-          </p:cNvPr>
-          <p:cNvSpPr/>
-          <p:nvPr/>
-        </p:nvSpPr>
-        <p:spPr>
-          <a:xfrm>
-            <a:off x="3229757" y="2838487"/>
-            <a:ext cx="1632000" cy="624000"/>
-          </a:xfrm>
-          <a:prstGeom prst="roundRect">
-            <a:avLst/>
-          </a:prstGeom>
-          <a:ln>
-            <a:headEnd type="none" w="med" len="med"/>
-            <a:tailEnd type="none" w="med" len="med"/>
-          </a:ln>
-        </p:spPr>
-        <p:style>
-          <a:lnRef idx="2">
-            <a:schemeClr val="accent6"/>
-          </a:lnRef>
-          <a:fillRef idx="1">
-            <a:schemeClr val="lt1"/>
-          </a:fillRef>
-          <a:effectRef idx="0">
-            <a:schemeClr val="accent6"/>
-          </a:effectRef>
-          <a:fontRef idx="minor">
-            <a:schemeClr val="dk1"/>
-          </a:fontRef>
-        </p:style>
-        <p:txBody>
-          <a:bodyPr lIns="121920" tIns="60960" rIns="121920" bIns="60960" rtlCol="0" anchor="ctr"/>
-          <a:lstStyle/>
-          <a:p>
-            <a:pPr algn="ctr"/>
-            <a:r>
-              <a:rPr lang="en-US" sz="1200" b="1"/>
-              <a:t>European FHIR IG</a:t>
-            </a:r>
-          </a:p>
-        </p:txBody>
-      </p:sp>
-      <p:sp>
-        <p:nvSpPr>
-          <p:cNvPr id="7" name="Rettangolo con angoli arrotondati 6">
-            <a:extLst>
-              <a:ext uri="{FF2B5EF4-FFF2-40B4-BE49-F238E27FC236}">
-                <a16:creationId xmlns:a16="http://schemas.microsoft.com/office/drawing/2014/main" id="{9996E1FF-660E-1679-7769-7FC684EC7606}"/>
-              </a:ext>
-            </a:extLst>
-          </p:cNvPr>
-          <p:cNvSpPr/>
-          <p:nvPr/>
-        </p:nvSpPr>
-        <p:spPr>
-          <a:xfrm>
-            <a:off x="5037304" y="5222188"/>
-            <a:ext cx="1632000" cy="624000"/>
-          </a:xfrm>
-          <a:prstGeom prst="roundRect">
-            <a:avLst/>
-          </a:prstGeom>
-          <a:noFill/>
-          <a:ln w="28575" cap="flat" cmpd="sng" algn="ctr">
-            <a:solidFill>
-              <a:schemeClr val="accent1"/>
-            </a:solidFill>
-            <a:prstDash val="solid"/>
-            <a:round/>
-            <a:headEnd type="none" w="med" len="med"/>
-            <a:tailEnd type="none" w="med" len="med"/>
-          </a:ln>
-        </p:spPr>
-        <p:style>
-          <a:lnRef idx="0">
-            <a:scrgbClr r="0" g="0" b="0"/>
-          </a:lnRef>
-          <a:fillRef idx="0">
-            <a:scrgbClr r="0" g="0" b="0"/>
-          </a:fillRef>
-          <a:effectRef idx="0">
-            <a:scrgbClr r="0" g="0" b="0"/>
-          </a:effectRef>
-          <a:fontRef idx="minor">
-            <a:schemeClr val="accent1"/>
-          </a:fontRef>
-        </p:style>
-        <p:txBody>
-          <a:bodyPr rtlCol="0" anchor="ctr"/>
-          <a:lstStyle/>
-          <a:p>
-            <a:pPr algn="ctr"/>
-            <a:r>
-              <a:rPr lang="en-US" sz="1200" b="1"/>
-              <a:t>Project B FHIR IG</a:t>
-            </a:r>
-          </a:p>
-        </p:txBody>
-      </p:sp>
-      <p:sp>
-        <p:nvSpPr>
-          <p:cNvPr id="9" name="Rettangolo con angoli arrotondati 8">
-            <a:extLst>
-              <a:ext uri="{FF2B5EF4-FFF2-40B4-BE49-F238E27FC236}">
-                <a16:creationId xmlns:a16="http://schemas.microsoft.com/office/drawing/2014/main" id="{5FFD1AEA-0CD9-A56F-2821-FF79FE31FA6D}"/>
-              </a:ext>
-            </a:extLst>
-          </p:cNvPr>
-          <p:cNvSpPr/>
-          <p:nvPr/>
-        </p:nvSpPr>
-        <p:spPr>
-          <a:xfrm>
-            <a:off x="3825971" y="4209884"/>
-            <a:ext cx="1374840" cy="560523"/>
-          </a:xfrm>
-          <a:prstGeom prst="roundRect">
-            <a:avLst/>
-          </a:prstGeom>
-          <a:ln>
-            <a:headEnd type="none" w="med" len="med"/>
-            <a:tailEnd type="none" w="med" len="med"/>
-          </a:ln>
-        </p:spPr>
-        <p:style>
-          <a:lnRef idx="2">
-            <a:schemeClr val="accent4"/>
-          </a:lnRef>
-          <a:fillRef idx="1">
-            <a:schemeClr val="lt1"/>
-          </a:fillRef>
-          <a:effectRef idx="0">
-            <a:schemeClr val="accent4"/>
-          </a:effectRef>
-          <a:fontRef idx="minor">
-            <a:schemeClr val="dk1"/>
-          </a:fontRef>
-        </p:style>
-        <p:txBody>
-          <a:bodyPr lIns="121920" tIns="60960" rIns="121920" bIns="60960" rtlCol="0" anchor="ctr"/>
-          <a:lstStyle/>
-          <a:p>
-            <a:pPr algn="ctr"/>
-            <a:r>
-              <a:rPr lang="en-US" sz="1200" b="1" err="1"/>
-              <a:t>MyHealth@EU</a:t>
-            </a:r>
-            <a:endParaRPr lang="en-US" sz="1200" b="1"/>
-          </a:p>
-          <a:p>
-            <a:pPr algn="ctr"/>
-            <a:r>
-              <a:rPr lang="en-US" sz="1200" b="1"/>
-              <a:t> FHIR IG</a:t>
-            </a:r>
-          </a:p>
-        </p:txBody>
-      </p:sp>
-      <p:sp>
-        <p:nvSpPr>
-          <p:cNvPr id="10" name="Rettangolo con angoli arrotondati 9">
-            <a:extLst>
-              <a:ext uri="{FF2B5EF4-FFF2-40B4-BE49-F238E27FC236}">
-                <a16:creationId xmlns:a16="http://schemas.microsoft.com/office/drawing/2014/main" id="{65D12E92-81EB-051B-D0BD-BA8E6FC161C2}"/>
-              </a:ext>
-            </a:extLst>
-          </p:cNvPr>
-          <p:cNvSpPr/>
-          <p:nvPr/>
-        </p:nvSpPr>
-        <p:spPr>
-          <a:xfrm>
-            <a:off x="7616752" y="4006147"/>
-            <a:ext cx="1632000" cy="624000"/>
-          </a:xfrm>
-          <a:prstGeom prst="roundRect">
-            <a:avLst/>
-          </a:prstGeom>
-          <a:ln>
-            <a:headEnd type="none" w="med" len="med"/>
-            <a:tailEnd type="none" w="med" len="med"/>
-          </a:ln>
-        </p:spPr>
-        <p:style>
-          <a:lnRef idx="2">
-            <a:schemeClr val="accent3"/>
-          </a:lnRef>
-          <a:fillRef idx="1">
-            <a:schemeClr val="lt1"/>
-          </a:fillRef>
-          <a:effectRef idx="0">
-            <a:schemeClr val="accent3"/>
-          </a:effectRef>
-          <a:fontRef idx="minor">
-            <a:schemeClr val="dk1"/>
-          </a:fontRef>
-        </p:style>
-        <p:txBody>
-          <a:bodyPr lIns="121920" tIns="60960" rIns="121920" bIns="60960" rtlCol="0" anchor="ctr"/>
-          <a:lstStyle/>
-          <a:p>
-            <a:pPr algn="ctr"/>
-            <a:r>
-              <a:rPr lang="en-US" sz="1200" b="1"/>
-              <a:t>National FHIR IG</a:t>
-            </a:r>
-          </a:p>
-        </p:txBody>
-      </p:sp>
-      <p:cxnSp>
-        <p:nvCxnSpPr>
-          <p:cNvPr id="15" name="Connettore a gomito 14">
-            <a:extLst>
-              <a:ext uri="{FF2B5EF4-FFF2-40B4-BE49-F238E27FC236}">
-                <a16:creationId xmlns:a16="http://schemas.microsoft.com/office/drawing/2014/main" id="{DA404E85-16BB-BEE8-D1C9-14C955D074D7}"/>
-              </a:ext>
-            </a:extLst>
-          </p:cNvPr>
-          <p:cNvCxnSpPr>
-            <a:cxnSpLocks/>
-            <a:stCxn id="6" idx="2"/>
-            <a:endCxn id="14" idx="0"/>
-          </p:cNvCxnSpPr>
-          <p:nvPr/>
-        </p:nvCxnSpPr>
-        <p:spPr>
-          <a:xfrm rot="16200000" flipH="1">
-            <a:off x="3862867" y="3645377"/>
-            <a:ext cx="365781" cy="1"/>
-          </a:xfrm>
-          <a:prstGeom prst="bentConnector3">
-            <a:avLst>
-              <a:gd name="adj1" fmla="val 50000"/>
-            </a:avLst>
-          </a:prstGeom>
-          <a:ln>
-            <a:prstDash val="dash"/>
-            <a:tailEnd type="triangle"/>
-          </a:ln>
-        </p:spPr>
-        <p:style>
-          <a:lnRef idx="2">
-            <a:schemeClr val="accent4"/>
-          </a:lnRef>
-          <a:fillRef idx="0">
-            <a:schemeClr val="accent4"/>
-          </a:fillRef>
-          <a:effectRef idx="1">
-            <a:schemeClr val="accent4"/>
-          </a:effectRef>
-          <a:fontRef idx="minor">
-            <a:schemeClr val="tx1"/>
-          </a:fontRef>
-        </p:style>
-      </p:cxnSp>
-      <p:sp>
-        <p:nvSpPr>
-          <p:cNvPr id="18" name="Rettangolo con angoli arrotondati 17">
-            <a:extLst>
-              <a:ext uri="{FF2B5EF4-FFF2-40B4-BE49-F238E27FC236}">
-                <a16:creationId xmlns:a16="http://schemas.microsoft.com/office/drawing/2014/main" id="{53660A43-0791-5A21-F9B3-348E80A5DB07}"/>
-              </a:ext>
-            </a:extLst>
-          </p:cNvPr>
-          <p:cNvSpPr/>
-          <p:nvPr/>
-        </p:nvSpPr>
-        <p:spPr>
-          <a:xfrm>
-            <a:off x="3229757" y="1779089"/>
-            <a:ext cx="1632000" cy="624000"/>
-          </a:xfrm>
-          <a:prstGeom prst="roundRect">
-            <a:avLst/>
-          </a:prstGeom>
-          <a:ln>
-            <a:prstDash val="sysDash"/>
-            <a:headEnd type="none" w="med" len="med"/>
-            <a:tailEnd type="none" w="med" len="med"/>
-          </a:ln>
-        </p:spPr>
-        <p:style>
-          <a:lnRef idx="2">
-            <a:schemeClr val="accent6"/>
-          </a:lnRef>
-          <a:fillRef idx="1">
-            <a:schemeClr val="lt1"/>
-          </a:fillRef>
-          <a:effectRef idx="0">
-            <a:schemeClr val="accent6"/>
-          </a:effectRef>
-          <a:fontRef idx="minor">
-            <a:schemeClr val="dk1"/>
-          </a:fontRef>
-        </p:style>
-        <p:txBody>
-          <a:bodyPr lIns="121920" tIns="60960" rIns="121920" bIns="60960" rtlCol="0" anchor="ctr"/>
-          <a:lstStyle/>
-          <a:p>
-            <a:pPr algn="ctr"/>
-            <a:r>
-              <a:rPr lang="en-US" sz="1200" b="1"/>
-              <a:t>Global FHIR Profiles</a:t>
-            </a:r>
-          </a:p>
-        </p:txBody>
-      </p:sp>
-      <p:sp>
-        <p:nvSpPr>
-          <p:cNvPr id="20" name="Rettangolo ad angolo ripiegato 19">
-            <a:extLst>
-              <a:ext uri="{FF2B5EF4-FFF2-40B4-BE49-F238E27FC236}">
-                <a16:creationId xmlns:a16="http://schemas.microsoft.com/office/drawing/2014/main" id="{9DAD4945-00B0-E65C-BB6C-04727C204A40}"/>
-              </a:ext>
-            </a:extLst>
-          </p:cNvPr>
-          <p:cNvSpPr/>
-          <p:nvPr/>
-        </p:nvSpPr>
-        <p:spPr>
-          <a:xfrm>
-            <a:off x="421699" y="1606851"/>
-            <a:ext cx="1831973" cy="626007"/>
-          </a:xfrm>
-          <a:prstGeom prst="foldedCorner">
-            <a:avLst/>
-          </a:prstGeom>
-        </p:spPr>
-        <p:style>
-          <a:lnRef idx="2">
-            <a:schemeClr val="accent6">
-              <a:shade val="50000"/>
-            </a:schemeClr>
-          </a:lnRef>
-          <a:fillRef idx="1">
-            <a:schemeClr val="accent6"/>
-          </a:fillRef>
-          <a:effectRef idx="0">
-            <a:schemeClr val="accent6"/>
-          </a:effectRef>
-          <a:fontRef idx="minor">
-            <a:schemeClr val="lt1"/>
-          </a:fontRef>
-        </p:style>
-        <p:txBody>
-          <a:bodyPr bIns="0" rtlCol="0" anchor="ctr" anchorCtr="0"/>
-          <a:lstStyle/>
-          <a:p>
-            <a:r>
-              <a:rPr lang="en-US" sz="1400" b="1"/>
-              <a:t>Global / EU Standard</a:t>
-            </a:r>
-          </a:p>
-        </p:txBody>
-      </p:sp>
-      <p:sp>
-        <p:nvSpPr>
-          <p:cNvPr id="21" name="Rettangolo ad angolo ripiegato 20">
-            <a:extLst>
-              <a:ext uri="{FF2B5EF4-FFF2-40B4-BE49-F238E27FC236}">
-                <a16:creationId xmlns:a16="http://schemas.microsoft.com/office/drawing/2014/main" id="{94EE94F4-4C0A-0662-1DA8-2A6D9F8B2078}"/>
-              </a:ext>
-            </a:extLst>
-          </p:cNvPr>
-          <p:cNvSpPr/>
-          <p:nvPr/>
-        </p:nvSpPr>
-        <p:spPr>
-          <a:xfrm>
-            <a:off x="9744834" y="4895185"/>
-            <a:ext cx="1165228" cy="470967"/>
-          </a:xfrm>
-          <a:prstGeom prst="foldedCorner">
-            <a:avLst/>
-          </a:prstGeom>
-        </p:spPr>
-        <p:style>
-          <a:lnRef idx="2">
-            <a:schemeClr val="accent3">
-              <a:shade val="50000"/>
-            </a:schemeClr>
-          </a:lnRef>
-          <a:fillRef idx="1">
-            <a:schemeClr val="accent3"/>
-          </a:fillRef>
-          <a:effectRef idx="0">
-            <a:schemeClr val="accent3"/>
-          </a:effectRef>
-          <a:fontRef idx="minor">
-            <a:schemeClr val="lt1"/>
-          </a:fontRef>
-        </p:style>
-        <p:txBody>
-          <a:bodyPr rtlCol="0" anchor="ctr"/>
-          <a:lstStyle/>
-          <a:p>
-            <a:r>
-              <a:rPr lang="en-US" sz="1400" b="1"/>
-              <a:t>National</a:t>
-            </a:r>
+          <p:cNvPr id="5" name="Segnaposto numero diapositiva 4">
+            <a:extLst>
+              <a:ext uri="{FF2B5EF4-FFF2-40B4-BE49-F238E27FC236}">
+                <a16:creationId xmlns:a16="http://schemas.microsoft.com/office/drawing/2014/main" id="{43278412-C42D-3FA1-D693-7695FF62D0F0}"/>
+              </a:ext>
+            </a:extLst>
+          </p:cNvPr>
+          <p:cNvSpPr>
+            <a:spLocks noGrp="1"/>
+          </p:cNvSpPr>
+          <p:nvPr>
+            <p:ph type="sldNum" sz="quarter" idx="15"/>
+          </p:nvPr>
+        </p:nvSpPr>
+        <p:spPr/>
+        <p:txBody>
+          <a:bodyPr/>
+          <a:lstStyle/>
+          <a:p>
+            <a:fld id="{73B22ABC-0FED-4D64-8F5D-7D0F97264170}" type="slidenum">
+              <a:rPr lang="en-US" altLang="en-US" smtClean="0"/>
+              <a:pPr/>
+              <a:t>6</a:t>
+            </a:fld>
+            <a:endParaRPr lang="en-US" altLang="en-US"/>
           </a:p>
         </p:txBody>
       </p:sp>
       <p:pic>
         <p:nvPicPr>
-          <p:cNvPr id="22" name="Immagine 21">
-            <a:extLst>
-              <a:ext uri="{FF2B5EF4-FFF2-40B4-BE49-F238E27FC236}">
-                <a16:creationId xmlns:a16="http://schemas.microsoft.com/office/drawing/2014/main" id="{49E5A02D-502B-7AC2-62BD-337C35965B44}"/>
+          <p:cNvPr id="2050" name="Picture 2" descr="Corel gallery">
+            <a:extLst>
+              <a:ext uri="{FF2B5EF4-FFF2-40B4-BE49-F238E27FC236}">
+                <a16:creationId xmlns:a16="http://schemas.microsoft.com/office/drawing/2014/main" id="{F2DE2FAB-0C57-0240-A761-97D608A58530}"/>
               </a:ext>
             </a:extLst>
           </p:cNvPr>
           <p:cNvPicPr>
-            <a:picLocks noChangeAspect="1"/>
+            <a:picLocks noChangeAspect="1" noChangeArrowheads="1"/>
           </p:cNvPicPr>
           <p:nvPr/>
         </p:nvPicPr>
         <p:blipFill>
-          <a:blip r:embed="rId2"/>
+          <a:blip r:embed="rId2">
+            <a:extLst>
+              <a:ext uri="{28A0092B-C50C-407E-A947-70E740481C1C}">
+                <a14:useLocalDpi xmlns:a14="http://schemas.microsoft.com/office/drawing/2010/main" val="0"/>
+              </a:ext>
+            </a:extLst>
+          </a:blip>
+          <a:srcRect/>
           <a:stretch>
             <a:fillRect/>
           </a:stretch>
         </p:blipFill>
-        <p:spPr>
-          <a:xfrm>
-            <a:off x="9479413" y="1622677"/>
-            <a:ext cx="1571371" cy="1560824"/>
-          </a:xfrm>
-          <a:prstGeom prst="rect">
-            <a:avLst/>
-          </a:prstGeom>
+        <p:spPr bwMode="auto">
+          <a:xfrm>
+            <a:off x="568119" y="2930458"/>
+            <a:ext cx="1531924" cy="1120724"/>
+          </a:xfrm>
+          <a:prstGeom prst="rect">
+            <a:avLst/>
+          </a:prstGeom>
+          <a:noFill/>
+          <a:extLst>
+            <a:ext uri="{909E8E84-426E-40DD-AFC4-6F175D3DCCD1}">
+              <a14:hiddenFill xmlns:a14="http://schemas.microsoft.com/office/drawing/2010/main">
+                <a:solidFill>
+                  <a:srgbClr val="FFFFFF"/>
+                </a:solidFill>
+              </a14:hiddenFill>
+            </a:ext>
+          </a:extLst>
         </p:spPr>
       </p:pic>
-      <p:sp>
-        <p:nvSpPr>
-          <p:cNvPr id="31" name="Rettangolo con angoli arrotondati 30">
-            <a:extLst>
-              <a:ext uri="{FF2B5EF4-FFF2-40B4-BE49-F238E27FC236}">
-                <a16:creationId xmlns:a16="http://schemas.microsoft.com/office/drawing/2014/main" id="{13300A31-1053-6C22-25BF-1D88BADD0AB4}"/>
-              </a:ext>
-            </a:extLst>
-          </p:cNvPr>
-          <p:cNvSpPr/>
-          <p:nvPr/>
-        </p:nvSpPr>
-        <p:spPr>
-          <a:xfrm>
-            <a:off x="9511448" y="4006147"/>
-            <a:ext cx="1632000" cy="624000"/>
-          </a:xfrm>
-          <a:prstGeom prst="roundRect">
+      <p:pic>
+        <p:nvPicPr>
+          <p:cNvPr id="8" name="Picture 2" descr="Corel gallery">
+            <a:extLst>
+              <a:ext uri="{FF2B5EF4-FFF2-40B4-BE49-F238E27FC236}">
+                <a16:creationId xmlns:a16="http://schemas.microsoft.com/office/drawing/2014/main" id="{5C250A3C-DA36-A15F-8855-F202637B70BA}"/>
+              </a:ext>
+            </a:extLst>
+          </p:cNvPr>
+          <p:cNvPicPr>
+            <a:picLocks noChangeAspect="1" noChangeArrowheads="1"/>
+          </p:cNvPicPr>
+          <p:nvPr/>
+        </p:nvPicPr>
+        <p:blipFill>
+          <a:blip r:embed="rId2">
+            <a:extLst>
+              <a:ext uri="{28A0092B-C50C-407E-A947-70E740481C1C}">
+                <a14:useLocalDpi xmlns:a14="http://schemas.microsoft.com/office/drawing/2010/main" val="0"/>
+              </a:ext>
+            </a:extLst>
+          </a:blip>
+          <a:srcRect/>
+          <a:stretch>
+            <a:fillRect/>
+          </a:stretch>
+        </p:blipFill>
+        <p:spPr bwMode="auto">
+          <a:xfrm flipH="1">
+            <a:off x="10125841" y="3754426"/>
+            <a:ext cx="1304759" cy="954535"/>
+          </a:xfrm>
+          <a:prstGeom prst="rect">
+            <a:avLst/>
+          </a:prstGeom>
+          <a:noFill/>
+          <a:extLst>
+            <a:ext uri="{909E8E84-426E-40DD-AFC4-6F175D3DCCD1}">
+              <a14:hiddenFill xmlns:a14="http://schemas.microsoft.com/office/drawing/2010/main">
+                <a:solidFill>
+                  <a:srgbClr val="FFFFFF"/>
+                </a:solidFill>
+              </a14:hiddenFill>
+            </a:ext>
+          </a:extLst>
+        </p:spPr>
+      </p:pic>
+      <p:sp>
+        <p:nvSpPr>
+          <p:cNvPr id="16" name="CasellaDiTesto 15">
+            <a:extLst>
+              <a:ext uri="{FF2B5EF4-FFF2-40B4-BE49-F238E27FC236}">
+                <a16:creationId xmlns:a16="http://schemas.microsoft.com/office/drawing/2014/main" id="{9B386F58-883B-CE7D-22F2-6E39AD271B67}"/>
+              </a:ext>
+            </a:extLst>
+          </p:cNvPr>
+          <p:cNvSpPr txBox="1"/>
+          <p:nvPr/>
+        </p:nvSpPr>
+        <p:spPr>
+          <a:xfrm>
+            <a:off x="414261" y="4739089"/>
+            <a:ext cx="2012592" cy="338554"/>
+          </a:xfrm>
+          <a:prstGeom prst="rect">
+            <a:avLst/>
+          </a:prstGeom>
+          <a:noFill/>
+        </p:spPr>
+        <p:txBody>
+          <a:bodyPr wrap="square">
+            <a:spAutoFit/>
+          </a:bodyPr>
+          <a:lstStyle/>
+          <a:p>
+            <a:r>
+              <a:rPr lang="en-US" sz="1600" b="1" dirty="0">
+                <a:solidFill>
+                  <a:srgbClr val="777777"/>
+                </a:solidFill>
+                <a:latin typeface="Inter"/>
+              </a:rPr>
+              <a:t>image: Flaticon.com</a:t>
+            </a:r>
+            <a:endParaRPr lang="en-US" sz="1600" b="1" dirty="0"/>
+          </a:p>
+        </p:txBody>
+      </p:sp>
+      <p:pic>
+        <p:nvPicPr>
+          <p:cNvPr id="18" name="Immagine 17">
+            <a:extLst>
+              <a:ext uri="{FF2B5EF4-FFF2-40B4-BE49-F238E27FC236}">
+                <a16:creationId xmlns:a16="http://schemas.microsoft.com/office/drawing/2014/main" id="{FBD7EC08-8D68-5757-93A2-28F5FCC4C48C}"/>
+              </a:ext>
+            </a:extLst>
+          </p:cNvPr>
+          <p:cNvPicPr>
+            <a:picLocks noChangeAspect="1"/>
+          </p:cNvPicPr>
+          <p:nvPr/>
+        </p:nvPicPr>
+        <p:blipFill>
+          <a:blip r:embed="rId3"/>
+          <a:stretch>
+            <a:fillRect/>
+          </a:stretch>
+        </p:blipFill>
+        <p:spPr>
+          <a:xfrm>
+            <a:off x="2090871" y="2878100"/>
+            <a:ext cx="1108365" cy="1108365"/>
+          </a:xfrm>
+          <a:prstGeom prst="rect">
+            <a:avLst/>
+          </a:prstGeom>
+        </p:spPr>
+      </p:pic>
+      <p:sp>
+        <p:nvSpPr>
+          <p:cNvPr id="19" name="CasellaDiTesto 18">
+            <a:extLst>
+              <a:ext uri="{FF2B5EF4-FFF2-40B4-BE49-F238E27FC236}">
+                <a16:creationId xmlns:a16="http://schemas.microsoft.com/office/drawing/2014/main" id="{E2A1B27E-7859-450C-1FF8-977ADEC2F711}"/>
+              </a:ext>
+            </a:extLst>
+          </p:cNvPr>
+          <p:cNvSpPr txBox="1"/>
+          <p:nvPr/>
+        </p:nvSpPr>
+        <p:spPr>
+          <a:xfrm>
+            <a:off x="1671688" y="4021312"/>
+            <a:ext cx="1896866" cy="379656"/>
+          </a:xfrm>
+          <a:prstGeom prst="rect">
+            <a:avLst/>
+          </a:prstGeom>
+          <a:noFill/>
+        </p:spPr>
+        <p:txBody>
+          <a:bodyPr wrap="none" rtlCol="0">
+            <a:spAutoFit/>
+          </a:bodyPr>
+          <a:lstStyle/>
+          <a:p>
+            <a:r>
+              <a:rPr lang="en-US" sz="1867" b="1" dirty="0" err="1"/>
+              <a:t>DiagnosticReport</a:t>
+            </a:r>
+            <a:endParaRPr lang="en-US" sz="1867" b="1" dirty="0"/>
+          </a:p>
+        </p:txBody>
+      </p:sp>
+      <p:sp>
+        <p:nvSpPr>
+          <p:cNvPr id="20" name="CasellaDiTesto 19">
+            <a:extLst>
+              <a:ext uri="{FF2B5EF4-FFF2-40B4-BE49-F238E27FC236}">
+                <a16:creationId xmlns:a16="http://schemas.microsoft.com/office/drawing/2014/main" id="{E62707B3-4EED-61B2-01DB-4B950158BB59}"/>
+              </a:ext>
+            </a:extLst>
+          </p:cNvPr>
+          <p:cNvSpPr txBox="1"/>
+          <p:nvPr/>
+        </p:nvSpPr>
+        <p:spPr>
+          <a:xfrm>
+            <a:off x="3399740" y="1743048"/>
+            <a:ext cx="1446230" cy="379656"/>
+          </a:xfrm>
+          <a:prstGeom prst="rect">
+            <a:avLst/>
+          </a:prstGeom>
+          <a:noFill/>
+        </p:spPr>
+        <p:txBody>
+          <a:bodyPr wrap="none" rtlCol="0">
+            <a:spAutoFit/>
+          </a:bodyPr>
+          <a:lstStyle/>
+          <a:p>
+            <a:r>
+              <a:rPr lang="en-US" sz="1867" b="1" dirty="0"/>
+              <a:t>Composition</a:t>
+            </a:r>
+          </a:p>
+        </p:txBody>
+      </p:sp>
+      <p:pic>
+        <p:nvPicPr>
+          <p:cNvPr id="22" name="Immagine 21">
+            <a:extLst>
+              <a:ext uri="{FF2B5EF4-FFF2-40B4-BE49-F238E27FC236}">
+                <a16:creationId xmlns:a16="http://schemas.microsoft.com/office/drawing/2014/main" id="{AFF66693-A4D4-0088-4987-6321C21A0173}"/>
+              </a:ext>
+            </a:extLst>
+          </p:cNvPr>
+          <p:cNvPicPr>
+            <a:picLocks noChangeAspect="1"/>
+          </p:cNvPicPr>
+          <p:nvPr/>
+        </p:nvPicPr>
+        <p:blipFill>
+          <a:blip r:embed="rId4"/>
+          <a:stretch>
+            <a:fillRect/>
+          </a:stretch>
+        </p:blipFill>
+        <p:spPr>
+          <a:xfrm>
+            <a:off x="4100236" y="3741850"/>
+            <a:ext cx="902681" cy="902681"/>
+          </a:xfrm>
+          <a:prstGeom prst="rect">
+            <a:avLst/>
+          </a:prstGeom>
+        </p:spPr>
+      </p:pic>
+      <p:sp>
+        <p:nvSpPr>
+          <p:cNvPr id="23" name="CasellaDiTesto 22">
+            <a:extLst>
+              <a:ext uri="{FF2B5EF4-FFF2-40B4-BE49-F238E27FC236}">
+                <a16:creationId xmlns:a16="http://schemas.microsoft.com/office/drawing/2014/main" id="{5468B17D-13D5-DB60-C321-5A0E5D8D8734}"/>
+              </a:ext>
+            </a:extLst>
+          </p:cNvPr>
+          <p:cNvSpPr txBox="1"/>
+          <p:nvPr/>
+        </p:nvSpPr>
+        <p:spPr>
+          <a:xfrm>
+            <a:off x="3553862" y="4698051"/>
+            <a:ext cx="1820819" cy="379656"/>
+          </a:xfrm>
+          <a:prstGeom prst="rect">
+            <a:avLst/>
+          </a:prstGeom>
+          <a:noFill/>
+        </p:spPr>
+        <p:txBody>
+          <a:bodyPr wrap="none" rtlCol="0">
+            <a:spAutoFit/>
+          </a:bodyPr>
+          <a:lstStyle/>
+          <a:p>
+            <a:r>
+              <a:rPr lang="en-US" sz="1867" b="1" dirty="0"/>
+              <a:t>Other Resources</a:t>
+            </a:r>
+          </a:p>
+        </p:txBody>
+      </p:sp>
+      <p:cxnSp>
+        <p:nvCxnSpPr>
+          <p:cNvPr id="25" name="Connettore 2 24">
+            <a:extLst>
+              <a:ext uri="{FF2B5EF4-FFF2-40B4-BE49-F238E27FC236}">
+                <a16:creationId xmlns:a16="http://schemas.microsoft.com/office/drawing/2014/main" id="{5BB0BFAE-12D7-7AE8-212A-C7099D8D613C}"/>
+              </a:ext>
+            </a:extLst>
+          </p:cNvPr>
+          <p:cNvCxnSpPr>
+            <a:cxnSpLocks/>
+            <a:stCxn id="18" idx="3"/>
+            <a:endCxn id="50" idx="1"/>
+          </p:cNvCxnSpPr>
+          <p:nvPr/>
+        </p:nvCxnSpPr>
+        <p:spPr>
+          <a:xfrm flipV="1">
+            <a:off x="3199237" y="2546256"/>
+            <a:ext cx="569244" cy="886027"/>
+          </a:xfrm>
+          <a:prstGeom prst="straightConnector1">
             <a:avLst/>
           </a:prstGeom>
           <a:ln>
-            <a:headEnd type="none" w="med" len="med"/>
-            <a:tailEnd type="none" w="med" len="med"/>
+            <a:tailEnd type="triangle"/>
           </a:ln>
         </p:spPr>
         <p:style>
           <a:lnRef idx="2">
-            <a:schemeClr val="accent3"/>
-          </a:lnRef>
-          <a:fillRef idx="1">
-            <a:schemeClr val="lt1"/>
-          </a:fillRef>
-          <a:effectRef idx="0">
-            <a:schemeClr val="accent3"/>
-          </a:effectRef>
-          <a:fontRef idx="minor">
-            <a:schemeClr val="dk1"/>
-          </a:fontRef>
-        </p:style>
-        <p:txBody>
-          <a:bodyPr lIns="121920" tIns="60960" rIns="121920" bIns="60960" rtlCol="0" anchor="ctr"/>
-          <a:lstStyle/>
-          <a:p>
-            <a:pPr algn="ctr"/>
-            <a:r>
-              <a:rPr lang="en-US" sz="1200" b="1"/>
-              <a:t>National FHIR Profile</a:t>
-            </a:r>
-          </a:p>
-        </p:txBody>
-      </p:sp>
-      <p:sp>
-        <p:nvSpPr>
-          <p:cNvPr id="36" name="Rettangolo ad angolo ripiegato 35">
-            <a:extLst>
-              <a:ext uri="{FF2B5EF4-FFF2-40B4-BE49-F238E27FC236}">
-                <a16:creationId xmlns:a16="http://schemas.microsoft.com/office/drawing/2014/main" id="{DE6C6976-D913-E65A-EBA9-40BA96C466E2}"/>
-              </a:ext>
-            </a:extLst>
-          </p:cNvPr>
-          <p:cNvSpPr/>
-          <p:nvPr/>
-        </p:nvSpPr>
-        <p:spPr>
-          <a:xfrm>
-            <a:off x="379379" y="4140222"/>
-            <a:ext cx="1831975" cy="470967"/>
-          </a:xfrm>
-          <a:prstGeom prst="foldedCorner">
-            <a:avLst/>
-          </a:prstGeom>
-        </p:spPr>
-        <p:style>
-          <a:lnRef idx="2">
-            <a:schemeClr val="accent4">
-              <a:shade val="50000"/>
-            </a:schemeClr>
-          </a:lnRef>
-          <a:fillRef idx="1">
-            <a:schemeClr val="accent4"/>
-          </a:fillRef>
-          <a:effectRef idx="0">
-            <a:schemeClr val="accent4"/>
-          </a:effectRef>
-          <a:fontRef idx="minor">
-            <a:schemeClr val="lt1"/>
-          </a:fontRef>
-        </p:style>
-        <p:txBody>
-          <a:bodyPr rtlCol="0" anchor="ctr"/>
-          <a:lstStyle/>
-          <a:p>
-            <a:r>
-              <a:rPr lang="en-US" sz="1200" b="1"/>
-              <a:t>EHDS/</a:t>
-            </a:r>
-            <a:r>
-              <a:rPr lang="en-US" sz="1200" b="1" err="1"/>
-              <a:t>MyHealth@EU</a:t>
-            </a:r>
-            <a:endParaRPr lang="en-US" sz="1200" b="1"/>
-          </a:p>
-        </p:txBody>
-      </p:sp>
-      <p:sp>
-        <p:nvSpPr>
-          <p:cNvPr id="37" name="Rettangolo ad angolo ripiegato 36">
-            <a:extLst>
-              <a:ext uri="{FF2B5EF4-FFF2-40B4-BE49-F238E27FC236}">
-                <a16:creationId xmlns:a16="http://schemas.microsoft.com/office/drawing/2014/main" id="{55780AAD-120E-EDB2-AF3C-86BBDBE6E754}"/>
-              </a:ext>
-            </a:extLst>
-          </p:cNvPr>
-          <p:cNvSpPr/>
-          <p:nvPr/>
-        </p:nvSpPr>
-        <p:spPr>
-          <a:xfrm>
-            <a:off x="466706" y="5213301"/>
-            <a:ext cx="1573423" cy="574803"/>
-          </a:xfrm>
-          <a:prstGeom prst="foldedCorner">
-            <a:avLst/>
-          </a:prstGeom>
-        </p:spPr>
-        <p:style>
-          <a:lnRef idx="2">
-            <a:schemeClr val="accent1">
-              <a:shade val="50000"/>
-            </a:schemeClr>
-          </a:lnRef>
-          <a:fillRef idx="1">
-            <a:schemeClr val="accent1"/>
-          </a:fillRef>
-          <a:effectRef idx="0">
-            <a:schemeClr val="accent1"/>
-          </a:effectRef>
-          <a:fontRef idx="minor">
-            <a:schemeClr val="lt1"/>
-          </a:fontRef>
-        </p:style>
-        <p:txBody>
-          <a:bodyPr rtlCol="0" anchor="ctr"/>
-          <a:lstStyle/>
-          <a:p>
-            <a:r>
-              <a:rPr lang="en-US" sz="1400" b="1"/>
-              <a:t>Supporting EU Project</a:t>
-            </a:r>
-          </a:p>
-        </p:txBody>
-      </p:sp>
-      <p:sp>
-        <p:nvSpPr>
-          <p:cNvPr id="43" name="Rettangolo con angoli arrotondati 42">
-            <a:extLst>
-              <a:ext uri="{FF2B5EF4-FFF2-40B4-BE49-F238E27FC236}">
-                <a16:creationId xmlns:a16="http://schemas.microsoft.com/office/drawing/2014/main" id="{42D1C07B-7C71-CD77-8E7A-4DE731704233}"/>
-              </a:ext>
-            </a:extLst>
-          </p:cNvPr>
-          <p:cNvSpPr/>
-          <p:nvPr/>
-        </p:nvSpPr>
-        <p:spPr>
-          <a:xfrm>
-            <a:off x="3229757" y="5222188"/>
-            <a:ext cx="1632000" cy="624000"/>
-          </a:xfrm>
-          <a:prstGeom prst="roundRect">
-            <a:avLst/>
-          </a:prstGeom>
-          <a:noFill/>
-          <a:ln w="28575" cap="flat" cmpd="sng" algn="ctr">
-            <a:solidFill>
-              <a:schemeClr val="accent1"/>
-            </a:solidFill>
-            <a:prstDash val="sysDash"/>
-            <a:round/>
-            <a:headEnd type="none" w="med" len="med"/>
-            <a:tailEnd type="none" w="med" len="med"/>
-          </a:ln>
-        </p:spPr>
-        <p:style>
-          <a:lnRef idx="0">
-            <a:scrgbClr r="0" g="0" b="0"/>
+            <a:schemeClr val="accent1"/>
           </a:lnRef>
           <a:fillRef idx="0">
-            <a:scrgbClr r="0" g="0" b="0"/>
-          </a:fillRef>
-          <a:effectRef idx="0">
-            <a:scrgbClr r="0" g="0" b="0"/>
-          </a:effectRef>
-          <a:fontRef idx="minor">
-            <a:schemeClr val="accent1"/>
-          </a:fontRef>
-        </p:style>
-        <p:txBody>
-          <a:bodyPr rtlCol="0" anchor="ctr"/>
-          <a:lstStyle/>
-          <a:p>
-            <a:pPr algn="ctr"/>
-            <a:r>
-              <a:rPr lang="en-US" sz="1200" b="1"/>
-              <a:t>Project A FHIR IG</a:t>
-            </a:r>
-          </a:p>
-        </p:txBody>
-      </p:sp>
-      <p:cxnSp>
-        <p:nvCxnSpPr>
-          <p:cNvPr id="46" name="Connettore 2 45">
-            <a:extLst>
-              <a:ext uri="{FF2B5EF4-FFF2-40B4-BE49-F238E27FC236}">
-                <a16:creationId xmlns:a16="http://schemas.microsoft.com/office/drawing/2014/main" id="{74A3E422-ED4E-97ED-43A6-13BC4BA50B32}"/>
-              </a:ext>
-            </a:extLst>
-          </p:cNvPr>
-          <p:cNvCxnSpPr>
-            <a:cxnSpLocks/>
-            <a:stCxn id="6" idx="2"/>
-            <a:endCxn id="9" idx="0"/>
-          </p:cNvCxnSpPr>
-          <p:nvPr/>
-        </p:nvCxnSpPr>
-        <p:spPr>
-          <a:xfrm>
-            <a:off x="4045758" y="3462487"/>
-            <a:ext cx="467633" cy="747397"/>
-          </a:xfrm>
-          <a:prstGeom prst="straightConnector1">
-            <a:avLst/>
-          </a:prstGeom>
-          <a:ln>
-            <a:prstDash val="dash"/>
-            <a:tailEnd type="triangle"/>
-          </a:ln>
-        </p:spPr>
-        <p:style>
-          <a:lnRef idx="2">
-            <a:schemeClr val="accent4"/>
-          </a:lnRef>
-          <a:fillRef idx="0">
-            <a:schemeClr val="accent4"/>
+            <a:schemeClr val="accent1"/>
           </a:fillRef>
           <a:effectRef idx="1">
-            <a:schemeClr val="accent4"/>
+            <a:schemeClr val="accent1"/>
           </a:effectRef>
           <a:fontRef idx="minor">
             <a:schemeClr val="tx1"/>
@@ -11349,25 +9799,26 @@
       </p:cxnSp>
       <p:cxnSp>
         <p:nvCxnSpPr>
-          <p:cNvPr id="48" name="Connettore 2 47">
-            <a:extLst>
-              <a:ext uri="{FF2B5EF4-FFF2-40B4-BE49-F238E27FC236}">
-                <a16:creationId xmlns:a16="http://schemas.microsoft.com/office/drawing/2014/main" id="{4EA46D40-7082-39BA-F151-FEE91BF6A67D}"/>
+          <p:cNvPr id="26" name="Connettore 2 25">
+            <a:extLst>
+              <a:ext uri="{FF2B5EF4-FFF2-40B4-BE49-F238E27FC236}">
+                <a16:creationId xmlns:a16="http://schemas.microsoft.com/office/drawing/2014/main" id="{405414CB-215F-02D8-C2D8-D3AC541BDB82}"/>
               </a:ext>
             </a:extLst>
           </p:cNvPr>
           <p:cNvCxnSpPr>
             <a:cxnSpLocks/>
-            <a:stCxn id="9" idx="3"/>
+            <a:stCxn id="18" idx="3"/>
+            <a:endCxn id="22" idx="1"/>
           </p:cNvCxnSpPr>
           <p:nvPr/>
         </p:nvCxnSpPr>
         <p:spPr>
           <a:xfrm>
-            <a:off x="5200811" y="4490146"/>
-            <a:ext cx="652493" cy="732044"/>
-          </a:xfrm>
-          <a:prstGeom prst="bentConnector2">
+            <a:off x="3199237" y="3432283"/>
+            <a:ext cx="900999" cy="760908"/>
+          </a:xfrm>
+          <a:prstGeom prst="straightConnector1">
             <a:avLst/>
           </a:prstGeom>
           <a:ln>
@@ -11391,2301 +9842,359 @@
       </p:cxnSp>
       <p:cxnSp>
         <p:nvCxnSpPr>
-          <p:cNvPr id="50" name="Connettore a gomito 49">
-            <a:extLst>
-              <a:ext uri="{FF2B5EF4-FFF2-40B4-BE49-F238E27FC236}">
-                <a16:creationId xmlns:a16="http://schemas.microsoft.com/office/drawing/2014/main" id="{9AA768FB-0CA3-772F-6A48-67311A645C11}"/>
+          <p:cNvPr id="29" name="Connettore 2 28">
+            <a:extLst>
+              <a:ext uri="{FF2B5EF4-FFF2-40B4-BE49-F238E27FC236}">
+                <a16:creationId xmlns:a16="http://schemas.microsoft.com/office/drawing/2014/main" id="{F8F8EC5D-350E-2563-3850-7D7B9EA72D71}"/>
               </a:ext>
             </a:extLst>
           </p:cNvPr>
           <p:cNvCxnSpPr>
             <a:cxnSpLocks/>
-            <a:stCxn id="6" idx="3"/>
-            <a:endCxn id="10" idx="0"/>
+            <a:stCxn id="50" idx="2"/>
+            <a:endCxn id="22" idx="0"/>
           </p:cNvCxnSpPr>
           <p:nvPr/>
         </p:nvCxnSpPr>
         <p:spPr>
           <a:xfrm>
-            <a:off x="4861759" y="3150487"/>
-            <a:ext cx="3570995" cy="855660"/>
-          </a:xfrm>
-          <a:prstGeom prst="bentConnector2">
+            <a:off x="4132757" y="2910534"/>
+            <a:ext cx="418819" cy="831316"/>
+          </a:xfrm>
+          <a:prstGeom prst="straightConnector1">
             <a:avLst/>
           </a:prstGeom>
           <a:ln>
-            <a:prstDash val="dash"/>
+            <a:prstDash val="sysDot"/>
             <a:tailEnd type="triangle"/>
           </a:ln>
         </p:spPr>
         <p:style>
           <a:lnRef idx="2">
-            <a:schemeClr val="accent3"/>
+            <a:schemeClr val="accent1"/>
           </a:lnRef>
           <a:fillRef idx="0">
-            <a:schemeClr val="accent3"/>
+            <a:schemeClr val="accent1"/>
           </a:fillRef>
           <a:effectRef idx="1">
-            <a:schemeClr val="accent3"/>
+            <a:schemeClr val="accent1"/>
           </a:effectRef>
           <a:fontRef idx="minor">
             <a:schemeClr val="tx1"/>
           </a:fontRef>
         </p:style>
       </p:cxnSp>
-      <p:cxnSp>
-        <p:nvCxnSpPr>
-          <p:cNvPr id="52" name="Connettore 2 51">
-            <a:extLst>
-              <a:ext uri="{FF2B5EF4-FFF2-40B4-BE49-F238E27FC236}">
-                <a16:creationId xmlns:a16="http://schemas.microsoft.com/office/drawing/2014/main" id="{CC6501CD-4B33-71EA-5999-F2D6D4290ED6}"/>
-              </a:ext>
-            </a:extLst>
-          </p:cNvPr>
-          <p:cNvCxnSpPr>
-            <a:cxnSpLocks/>
-          </p:cNvCxnSpPr>
-          <p:nvPr/>
-        </p:nvCxnSpPr>
-        <p:spPr>
-          <a:xfrm flipH="1">
-            <a:off x="9248752" y="4318147"/>
-            <a:ext cx="262696" cy="0"/>
-          </a:xfrm>
-          <a:prstGeom prst="straightConnector1">
-            <a:avLst/>
-          </a:prstGeom>
-          <a:ln>
-            <a:tailEnd type="triangle"/>
-          </a:ln>
-        </p:spPr>
-        <p:style>
-          <a:lnRef idx="2">
-            <a:schemeClr val="accent3"/>
-          </a:lnRef>
-          <a:fillRef idx="0">
-            <a:schemeClr val="accent3"/>
-          </a:fillRef>
-          <a:effectRef idx="1">
-            <a:schemeClr val="accent3"/>
-          </a:effectRef>
-          <a:fontRef idx="minor">
-            <a:schemeClr val="tx1"/>
-          </a:fontRef>
-        </p:style>
-      </p:cxnSp>
-      <p:sp>
-        <p:nvSpPr>
-          <p:cNvPr id="65" name="Freccia a sinistra 64">
-            <a:extLst>
-              <a:ext uri="{FF2B5EF4-FFF2-40B4-BE49-F238E27FC236}">
-                <a16:creationId xmlns:a16="http://schemas.microsoft.com/office/drawing/2014/main" id="{98926F3C-4F25-CB7B-D795-BFBD29E0DDCD}"/>
-              </a:ext>
-            </a:extLst>
-          </p:cNvPr>
-          <p:cNvSpPr/>
-          <p:nvPr/>
-        </p:nvSpPr>
-        <p:spPr>
-          <a:xfrm>
-            <a:off x="6832811" y="4114223"/>
-            <a:ext cx="529984" cy="407851"/>
-          </a:xfrm>
-          <a:custGeom>
-            <a:avLst/>
-            <a:gdLst>
-              <a:gd name="connsiteX0" fmla="*/ 0 w 529984"/>
-              <a:gd name="connsiteY0" fmla="*/ 203926 h 407851"/>
-              <a:gd name="connsiteX1" fmla="*/ 203926 w 529984"/>
-              <a:gd name="connsiteY1" fmla="*/ 0 h 407851"/>
-              <a:gd name="connsiteX2" fmla="*/ 203926 w 529984"/>
-              <a:gd name="connsiteY2" fmla="*/ 101963 h 407851"/>
-              <a:gd name="connsiteX3" fmla="*/ 529984 w 529984"/>
-              <a:gd name="connsiteY3" fmla="*/ 101963 h 407851"/>
-              <a:gd name="connsiteX4" fmla="*/ 529984 w 529984"/>
-              <a:gd name="connsiteY4" fmla="*/ 305888 h 407851"/>
-              <a:gd name="connsiteX5" fmla="*/ 203926 w 529984"/>
-              <a:gd name="connsiteY5" fmla="*/ 305888 h 407851"/>
-              <a:gd name="connsiteX6" fmla="*/ 203926 w 529984"/>
-              <a:gd name="connsiteY6" fmla="*/ 407851 h 407851"/>
-              <a:gd name="connsiteX7" fmla="*/ 0 w 529984"/>
-              <a:gd name="connsiteY7" fmla="*/ 203926 h 407851"/>
-            </a:gdLst>
-            <a:ahLst/>
-            <a:cxnLst>
-              <a:cxn ang="0">
-                <a:pos x="connsiteX0" y="connsiteY0"/>
-              </a:cxn>
-              <a:cxn ang="0">
-                <a:pos x="connsiteX1" y="connsiteY1"/>
-              </a:cxn>
-              <a:cxn ang="0">
-                <a:pos x="connsiteX2" y="connsiteY2"/>
-              </a:cxn>
-              <a:cxn ang="0">
-                <a:pos x="connsiteX3" y="connsiteY3"/>
-              </a:cxn>
-              <a:cxn ang="0">
-                <a:pos x="connsiteX4" y="connsiteY4"/>
-              </a:cxn>
-              <a:cxn ang="0">
-                <a:pos x="connsiteX5" y="connsiteY5"/>
-              </a:cxn>
-              <a:cxn ang="0">
-                <a:pos x="connsiteX6" y="connsiteY6"/>
-              </a:cxn>
-              <a:cxn ang="0">
-                <a:pos x="connsiteX7" y="connsiteY7"/>
-              </a:cxn>
-            </a:cxnLst>
-            <a:rect l="l" t="t" r="r" b="b"/>
-            <a:pathLst>
-              <a:path w="529984" h="407851" extrusionOk="0">
-                <a:moveTo>
-                  <a:pt x="0" y="203926"/>
-                </a:moveTo>
-                <a:cubicBezTo>
-                  <a:pt x="64118" y="131044"/>
-                  <a:pt x="159428" y="77657"/>
-                  <a:pt x="203926" y="0"/>
-                </a:cubicBezTo>
-                <a:cubicBezTo>
-                  <a:pt x="210363" y="20622"/>
-                  <a:pt x="200731" y="62358"/>
-                  <a:pt x="203926" y="101963"/>
-                </a:cubicBezTo>
-                <a:cubicBezTo>
-                  <a:pt x="363518" y="88138"/>
-                  <a:pt x="455244" y="111465"/>
-                  <a:pt x="529984" y="101963"/>
-                </a:cubicBezTo>
-                <a:cubicBezTo>
-                  <a:pt x="532458" y="153132"/>
-                  <a:pt x="513611" y="205745"/>
-                  <a:pt x="529984" y="305888"/>
-                </a:cubicBezTo>
-                <a:cubicBezTo>
-                  <a:pt x="374414" y="320819"/>
-                  <a:pt x="351645" y="284505"/>
-                  <a:pt x="203926" y="305888"/>
-                </a:cubicBezTo>
-                <a:cubicBezTo>
-                  <a:pt x="204840" y="347339"/>
-                  <a:pt x="194810" y="361527"/>
-                  <a:pt x="203926" y="407851"/>
-                </a:cubicBezTo>
-                <a:cubicBezTo>
-                  <a:pt x="94049" y="332207"/>
-                  <a:pt x="62647" y="239127"/>
-                  <a:pt x="0" y="203926"/>
-                </a:cubicBezTo>
-                <a:close/>
-              </a:path>
-            </a:pathLst>
-          </a:custGeom>
+      <p:pic>
+        <p:nvPicPr>
+          <p:cNvPr id="34" name="Immagine 33">
+            <a:extLst>
+              <a:ext uri="{FF2B5EF4-FFF2-40B4-BE49-F238E27FC236}">
+                <a16:creationId xmlns:a16="http://schemas.microsoft.com/office/drawing/2014/main" id="{42A80A6C-EED2-92D7-AA0B-B90F12052CA5}"/>
+              </a:ext>
+            </a:extLst>
+          </p:cNvPr>
+          <p:cNvPicPr>
+            <a:picLocks noChangeAspect="1"/>
+          </p:cNvPicPr>
+          <p:nvPr/>
+        </p:nvPicPr>
+        <p:blipFill>
+          <a:blip r:embed="rId5"/>
+          <a:stretch>
+            <a:fillRect/>
+          </a:stretch>
+        </p:blipFill>
+        <p:spPr>
+          <a:xfrm>
+            <a:off x="8189113" y="3603277"/>
+            <a:ext cx="1426984" cy="1426984"/>
+          </a:xfrm>
+          <a:prstGeom prst="rect">
+            <a:avLst/>
+          </a:prstGeom>
+        </p:spPr>
+      </p:pic>
+      <p:sp>
+        <p:nvSpPr>
+          <p:cNvPr id="35" name="CasellaDiTesto 34">
+            <a:extLst>
+              <a:ext uri="{FF2B5EF4-FFF2-40B4-BE49-F238E27FC236}">
+                <a16:creationId xmlns:a16="http://schemas.microsoft.com/office/drawing/2014/main" id="{198D531E-C7AE-EA0F-747D-44BB54FD5627}"/>
+              </a:ext>
+            </a:extLst>
+          </p:cNvPr>
+          <p:cNvSpPr txBox="1"/>
+          <p:nvPr/>
+        </p:nvSpPr>
+        <p:spPr>
+          <a:xfrm>
+            <a:off x="8050641" y="2997895"/>
+            <a:ext cx="1703928" cy="625877"/>
+          </a:xfrm>
+          <a:prstGeom prst="rect">
+            <a:avLst/>
+          </a:prstGeom>
           <a:noFill/>
-          <a:ln w="9525" cap="flat" cmpd="sng" algn="ctr">
-            <a:solidFill>
-              <a:schemeClr val="dk1"/>
-            </a:solidFill>
-            <a:prstDash val="sysDash"/>
-            <a:round/>
-            <a:headEnd type="none" w="med" len="med"/>
-            <a:tailEnd type="none" w="med" len="med"/>
-            <a:extLst>
-              <a:ext uri="{C807C97D-BFC1-408E-A445-0C87EB9F89A2}">
-                <ask:lineSketchStyleProps xmlns:ask="http://schemas.microsoft.com/office/drawing/2018/sketchyshapes" sd="1730249358">
-                  <a:prstGeom prst="leftArrow">
-                    <a:avLst/>
-                  </a:prstGeom>
-                  <ask:type>
-                    <ask:lineSketchScribble/>
-                  </ask:type>
-                </ask:lineSketchStyleProps>
-              </a:ext>
-            </a:extLst>
-          </a:ln>
-        </p:spPr>
-        <p:style>
-          <a:lnRef idx="0">
-            <a:scrgbClr r="0" g="0" b="0"/>
-          </a:lnRef>
-          <a:fillRef idx="0">
-            <a:scrgbClr r="0" g="0" b="0"/>
-          </a:fillRef>
-          <a:effectRef idx="0">
-            <a:scrgbClr r="0" g="0" b="0"/>
-          </a:effectRef>
-          <a:fontRef idx="minor">
-            <a:schemeClr val="dk1"/>
-          </a:fontRef>
-        </p:style>
-        <p:txBody>
-          <a:bodyPr rtlCol="0" anchor="ctr"/>
+        </p:spPr>
+        <p:txBody>
+          <a:bodyPr wrap="none" rtlCol="0">
+            <a:spAutoFit/>
+          </a:bodyPr>
           <a:lstStyle/>
           <a:p>
             <a:pPr algn="ctr"/>
-            <a:endParaRPr lang="en-US" sz="2400"/>
-          </a:p>
-        </p:txBody>
-      </p:sp>
-      <p:cxnSp>
-        <p:nvCxnSpPr>
-          <p:cNvPr id="8" name="Connettore 2 7">
-            <a:extLst>
-              <a:ext uri="{FF2B5EF4-FFF2-40B4-BE49-F238E27FC236}">
-                <a16:creationId xmlns:a16="http://schemas.microsoft.com/office/drawing/2014/main" id="{ACD8C768-DF0B-B929-33C8-63FB5BE39B09}"/>
-              </a:ext>
-            </a:extLst>
-          </p:cNvPr>
-          <p:cNvCxnSpPr>
-            <a:stCxn id="18" idx="2"/>
-            <a:endCxn id="6" idx="0"/>
-          </p:cNvCxnSpPr>
-          <p:nvPr/>
-        </p:nvCxnSpPr>
-        <p:spPr>
-          <a:xfrm>
-            <a:off x="4045757" y="2403091"/>
-            <a:ext cx="0" cy="435397"/>
-          </a:xfrm>
-          <a:prstGeom prst="straightConnector1">
-            <a:avLst/>
-          </a:prstGeom>
-          <a:ln>
-            <a:prstDash val="dash"/>
-            <a:tailEnd type="triangle"/>
-          </a:ln>
-        </p:spPr>
-        <p:style>
-          <a:lnRef idx="2">
-            <a:schemeClr val="accent6"/>
-          </a:lnRef>
-          <a:fillRef idx="0">
-            <a:schemeClr val="accent6"/>
-          </a:fillRef>
-          <a:effectRef idx="1">
-            <a:schemeClr val="accent6"/>
-          </a:effectRef>
-          <a:fontRef idx="minor">
-            <a:schemeClr val="tx1"/>
-          </a:fontRef>
-        </p:style>
-      </p:cxnSp>
-      <p:sp>
-        <p:nvSpPr>
-          <p:cNvPr id="3" name="Freccia circolare a sinistra 2">
-            <a:extLst>
-              <a:ext uri="{FF2B5EF4-FFF2-40B4-BE49-F238E27FC236}">
-                <a16:creationId xmlns:a16="http://schemas.microsoft.com/office/drawing/2014/main" id="{67473631-24BD-C983-3F0F-5137E8D15A30}"/>
-              </a:ext>
-            </a:extLst>
-          </p:cNvPr>
-          <p:cNvSpPr/>
-          <p:nvPr/>
-        </p:nvSpPr>
-        <p:spPr bwMode="auto">
-          <a:xfrm rot="10800000">
-            <a:off x="2739821" y="2179376"/>
-            <a:ext cx="376092" cy="907200"/>
-          </a:xfrm>
-          <a:custGeom>
-            <a:avLst/>
-            <a:gdLst>
-              <a:gd name="connsiteX0" fmla="*/ 0 w 376092"/>
-              <a:gd name="connsiteY0" fmla="*/ 813177 h 907200"/>
-              <a:gd name="connsiteX1" fmla="*/ 94023 w 376092"/>
-              <a:gd name="connsiteY1" fmla="*/ 706990 h 907200"/>
-              <a:gd name="connsiteX2" fmla="*/ 94023 w 376092"/>
-              <a:gd name="connsiteY2" fmla="*/ 754001 h 907200"/>
-              <a:gd name="connsiteX3" fmla="*/ 373249 w 376092"/>
-              <a:gd name="connsiteY3" fmla="*/ 430094 h 907200"/>
-              <a:gd name="connsiteX4" fmla="*/ 94023 w 376092"/>
-              <a:gd name="connsiteY4" fmla="*/ 848024 h 907200"/>
-              <a:gd name="connsiteX5" fmla="*/ 94023 w 376092"/>
-              <a:gd name="connsiteY5" fmla="*/ 895036 h 907200"/>
-              <a:gd name="connsiteX6" fmla="*/ 0 w 376092"/>
-              <a:gd name="connsiteY6" fmla="*/ 813177 h 907200"/>
-              <a:gd name="connsiteX0" fmla="*/ 376092 w 376092"/>
-              <a:gd name="connsiteY0" fmla="*/ 477106 h 907200"/>
-              <a:gd name="connsiteX1" fmla="*/ 0 w 376092"/>
-              <a:gd name="connsiteY1" fmla="*/ 94023 h 907200"/>
-              <a:gd name="connsiteX2" fmla="*/ 0 w 376092"/>
-              <a:gd name="connsiteY2" fmla="*/ 0 h 907200"/>
-              <a:gd name="connsiteX3" fmla="*/ 376092 w 376092"/>
-              <a:gd name="connsiteY3" fmla="*/ 383083 h 907200"/>
-              <a:gd name="connsiteX4" fmla="*/ 376092 w 376092"/>
-              <a:gd name="connsiteY4" fmla="*/ 477106 h 907200"/>
-              <a:gd name="connsiteX0" fmla="*/ 376092 w 376092"/>
-              <a:gd name="connsiteY0" fmla="*/ 477106 h 907200"/>
-              <a:gd name="connsiteX1" fmla="*/ 0 w 376092"/>
-              <a:gd name="connsiteY1" fmla="*/ 94023 h 907200"/>
-              <a:gd name="connsiteX2" fmla="*/ 0 w 376092"/>
-              <a:gd name="connsiteY2" fmla="*/ 0 h 907200"/>
-              <a:gd name="connsiteX3" fmla="*/ 376092 w 376092"/>
-              <a:gd name="connsiteY3" fmla="*/ 383083 h 907200"/>
-              <a:gd name="connsiteX4" fmla="*/ 376092 w 376092"/>
-              <a:gd name="connsiteY4" fmla="*/ 477106 h 907200"/>
-              <a:gd name="connsiteX5" fmla="*/ 94023 w 376092"/>
-              <a:gd name="connsiteY5" fmla="*/ 848025 h 907200"/>
-              <a:gd name="connsiteX6" fmla="*/ 94023 w 376092"/>
-              <a:gd name="connsiteY6" fmla="*/ 895036 h 907200"/>
-              <a:gd name="connsiteX7" fmla="*/ 0 w 376092"/>
-              <a:gd name="connsiteY7" fmla="*/ 813177 h 907200"/>
-              <a:gd name="connsiteX8" fmla="*/ 94023 w 376092"/>
-              <a:gd name="connsiteY8" fmla="*/ 706990 h 907200"/>
-              <a:gd name="connsiteX9" fmla="*/ 94023 w 376092"/>
-              <a:gd name="connsiteY9" fmla="*/ 754001 h 907200"/>
-              <a:gd name="connsiteX10" fmla="*/ 373249 w 376092"/>
-              <a:gd name="connsiteY10" fmla="*/ 430094 h 907200"/>
-            </a:gdLst>
-            <a:ahLst/>
-            <a:cxnLst>
-              <a:cxn ang="0">
-                <a:pos x="connsiteX0" y="connsiteY0"/>
-              </a:cxn>
-              <a:cxn ang="0">
-                <a:pos x="connsiteX1" y="connsiteY1"/>
-              </a:cxn>
-              <a:cxn ang="0">
-                <a:pos x="connsiteX2" y="connsiteY2"/>
-              </a:cxn>
-              <a:cxn ang="0">
-                <a:pos x="connsiteX3" y="connsiteY3"/>
-              </a:cxn>
-              <a:cxn ang="0">
-                <a:pos x="connsiteX4" y="connsiteY4"/>
-              </a:cxn>
-              <a:cxn ang="0">
-                <a:pos x="connsiteX5" y="connsiteY5"/>
-              </a:cxn>
-              <a:cxn ang="0">
-                <a:pos x="connsiteX6" y="connsiteY6"/>
-              </a:cxn>
-              <a:cxn ang="0">
-                <a:pos x="connsiteX7" y="connsiteY7"/>
-              </a:cxn>
-              <a:cxn ang="0">
-                <a:pos x="connsiteX8" y="connsiteY8"/>
-              </a:cxn>
-              <a:cxn ang="0">
-                <a:pos x="connsiteX9" y="connsiteY9"/>
-              </a:cxn>
-              <a:cxn ang="0">
-                <a:pos x="connsiteX10" y="connsiteY10"/>
-              </a:cxn>
-            </a:cxnLst>
-            <a:rect l="l" t="t" r="r" b="b"/>
-            <a:pathLst>
-              <a:path w="376092" h="907200" stroke="0" extrusionOk="0">
-                <a:moveTo>
-                  <a:pt x="0" y="813177"/>
-                </a:moveTo>
-                <a:cubicBezTo>
-                  <a:pt x="23240" y="791297"/>
-                  <a:pt x="47883" y="754520"/>
-                  <a:pt x="94023" y="706990"/>
-                </a:cubicBezTo>
-                <a:cubicBezTo>
-                  <a:pt x="96080" y="727412"/>
-                  <a:pt x="96172" y="744342"/>
-                  <a:pt x="94023" y="754001"/>
-                </a:cubicBezTo>
-                <a:cubicBezTo>
-                  <a:pt x="-60654" y="798989"/>
-                  <a:pt x="396396" y="260370"/>
-                  <a:pt x="373249" y="430094"/>
-                </a:cubicBezTo>
-                <a:cubicBezTo>
-                  <a:pt x="416277" y="606472"/>
-                  <a:pt x="270099" y="758466"/>
-                  <a:pt x="94023" y="848024"/>
-                </a:cubicBezTo>
-                <a:cubicBezTo>
-                  <a:pt x="94954" y="860160"/>
-                  <a:pt x="94723" y="882603"/>
-                  <a:pt x="94023" y="895036"/>
-                </a:cubicBezTo>
-                <a:cubicBezTo>
-                  <a:pt x="57500" y="864319"/>
-                  <a:pt x="46482" y="848948"/>
-                  <a:pt x="0" y="813177"/>
-                </a:cubicBezTo>
-                <a:close/>
-              </a:path>
-              <a:path w="376092" h="907200" fill="darkenLess" stroke="0" extrusionOk="0">
-                <a:moveTo>
-                  <a:pt x="376092" y="477106"/>
-                </a:moveTo>
-                <a:cubicBezTo>
-                  <a:pt x="329135" y="685998"/>
-                  <a:pt x="-232799" y="82739"/>
-                  <a:pt x="0" y="94023"/>
-                </a:cubicBezTo>
-                <a:cubicBezTo>
-                  <a:pt x="-2875" y="63239"/>
-                  <a:pt x="1805" y="32419"/>
-                  <a:pt x="0" y="0"/>
-                </a:cubicBezTo>
-                <a:cubicBezTo>
-                  <a:pt x="216835" y="-30476"/>
-                  <a:pt x="417590" y="199247"/>
-                  <a:pt x="376092" y="383083"/>
-                </a:cubicBezTo>
-                <a:cubicBezTo>
-                  <a:pt x="380047" y="410926"/>
-                  <a:pt x="379085" y="444757"/>
-                  <a:pt x="376092" y="477106"/>
-                </a:cubicBezTo>
-                <a:close/>
-              </a:path>
-              <a:path w="376092" h="907200" fill="none" extrusionOk="0">
-                <a:moveTo>
-                  <a:pt x="376092" y="477106"/>
-                </a:moveTo>
-                <a:cubicBezTo>
-                  <a:pt x="366481" y="675515"/>
-                  <a:pt x="-231435" y="93298"/>
-                  <a:pt x="0" y="94023"/>
-                </a:cubicBezTo>
-                <a:cubicBezTo>
-                  <a:pt x="3572" y="49171"/>
-                  <a:pt x="-2607" y="40662"/>
-                  <a:pt x="0" y="0"/>
-                </a:cubicBezTo>
-                <a:cubicBezTo>
-                  <a:pt x="219830" y="-24726"/>
-                  <a:pt x="380772" y="200011"/>
-                  <a:pt x="376092" y="383083"/>
-                </a:cubicBezTo>
-                <a:cubicBezTo>
-                  <a:pt x="374617" y="409577"/>
-                  <a:pt x="379425" y="449283"/>
-                  <a:pt x="376092" y="477106"/>
-                </a:cubicBezTo>
-                <a:cubicBezTo>
-                  <a:pt x="378512" y="643037"/>
-                  <a:pt x="240488" y="835967"/>
-                  <a:pt x="94023" y="848025"/>
-                </a:cubicBezTo>
-                <a:cubicBezTo>
-                  <a:pt x="92598" y="859549"/>
-                  <a:pt x="96285" y="877392"/>
-                  <a:pt x="94023" y="895036"/>
-                </a:cubicBezTo>
-                <a:cubicBezTo>
-                  <a:pt x="59095" y="857146"/>
-                  <a:pt x="24086" y="827300"/>
-                  <a:pt x="0" y="813177"/>
-                </a:cubicBezTo>
-                <a:cubicBezTo>
-                  <a:pt x="39740" y="771213"/>
-                  <a:pt x="56463" y="741728"/>
-                  <a:pt x="94023" y="706990"/>
-                </a:cubicBezTo>
-                <a:cubicBezTo>
-                  <a:pt x="93429" y="722579"/>
-                  <a:pt x="93155" y="731552"/>
-                  <a:pt x="94023" y="754001"/>
-                </a:cubicBezTo>
-                <a:cubicBezTo>
-                  <a:pt x="-71743" y="817129"/>
-                  <a:pt x="359306" y="282705"/>
-                  <a:pt x="373249" y="430094"/>
-                </a:cubicBezTo>
-              </a:path>
-              <a:path w="376092" h="907200" fill="none" stroke="0" extrusionOk="0">
-                <a:moveTo>
-                  <a:pt x="376092" y="477106"/>
-                </a:moveTo>
-                <a:cubicBezTo>
-                  <a:pt x="332113" y="694220"/>
-                  <a:pt x="-237252" y="76508"/>
-                  <a:pt x="0" y="94023"/>
-                </a:cubicBezTo>
-                <a:cubicBezTo>
-                  <a:pt x="-3470" y="58731"/>
-                  <a:pt x="2251" y="42355"/>
-                  <a:pt x="0" y="0"/>
-                </a:cubicBezTo>
-                <a:cubicBezTo>
-                  <a:pt x="187797" y="-20972"/>
-                  <a:pt x="384909" y="138542"/>
-                  <a:pt x="376092" y="383083"/>
-                </a:cubicBezTo>
-                <a:cubicBezTo>
-                  <a:pt x="371506" y="405930"/>
-                  <a:pt x="379609" y="447505"/>
-                  <a:pt x="376092" y="477106"/>
-                </a:cubicBezTo>
-                <a:cubicBezTo>
-                  <a:pt x="368707" y="636174"/>
-                  <a:pt x="275397" y="790964"/>
-                  <a:pt x="94023" y="848025"/>
-                </a:cubicBezTo>
-                <a:cubicBezTo>
-                  <a:pt x="95068" y="864107"/>
-                  <a:pt x="93146" y="884402"/>
-                  <a:pt x="94023" y="895036"/>
-                </a:cubicBezTo>
-                <a:cubicBezTo>
-                  <a:pt x="54566" y="853834"/>
-                  <a:pt x="28128" y="834201"/>
-                  <a:pt x="0" y="813177"/>
-                </a:cubicBezTo>
-                <a:cubicBezTo>
-                  <a:pt x="23789" y="789605"/>
-                  <a:pt x="50797" y="762930"/>
-                  <a:pt x="94023" y="706990"/>
-                </a:cubicBezTo>
-                <a:cubicBezTo>
-                  <a:pt x="93734" y="729932"/>
-                  <a:pt x="92416" y="738729"/>
-                  <a:pt x="94023" y="754001"/>
-                </a:cubicBezTo>
-                <a:cubicBezTo>
-                  <a:pt x="-59992" y="782400"/>
-                  <a:pt x="397256" y="287311"/>
-                  <a:pt x="373249" y="430094"/>
-                </a:cubicBezTo>
-              </a:path>
-            </a:pathLst>
-          </a:custGeom>
-          <a:solidFill>
-            <a:srgbClr val="63619A"/>
-          </a:solidFill>
-          <a:ln w="9525" cap="flat" cmpd="sng" algn="ctr">
-            <a:noFill/>
-            <a:prstDash val="solid"/>
-            <a:round/>
-            <a:headEnd type="none" w="med" len="med"/>
-            <a:tailEnd type="none" w="med" len="med"/>
-            <a:extLst>
-              <a:ext uri="{C807C97D-BFC1-408E-A445-0C87EB9F89A2}">
-                <ask:lineSketchStyleProps xmlns:ask="http://schemas.microsoft.com/office/drawing/2018/sketchyshapes" sd="3010053579">
-                  <a:prstGeom prst="curvedLeftArrow">
-                    <a:avLst/>
-                  </a:prstGeom>
-                  <ask:type>
-                    <ask:lineSketchFreehand/>
-                  </ask:type>
-                </ask:lineSketchStyleProps>
-              </a:ext>
-            </a:extLst>
-          </a:ln>
-          <a:effectLst/>
-        </p:spPr>
-        <p:txBody>
-          <a:bodyPr vert="horz" wrap="square" lIns="91440" tIns="45720" rIns="91440" bIns="45720" numCol="1" rtlCol="0" anchor="t" anchorCtr="0" compatLnSpc="1">
-            <a:prstTxWarp prst="textNoShape">
-              <a:avLst/>
-            </a:prstTxWarp>
+            <a:r>
+              <a:rPr lang="en-US" sz="1867" b="1" dirty="0"/>
+              <a:t>Bundle</a:t>
+            </a:r>
+          </a:p>
+          <a:p>
+            <a:pPr algn="ctr"/>
+            <a:r>
+              <a:rPr lang="en-US" sz="1600" i="1" dirty="0"/>
+              <a:t>[type = document]</a:t>
+            </a:r>
+          </a:p>
+        </p:txBody>
+      </p:sp>
+      <p:sp>
+        <p:nvSpPr>
+          <p:cNvPr id="38" name="CasellaDiTesto 37">
+            <a:extLst>
+              <a:ext uri="{FF2B5EF4-FFF2-40B4-BE49-F238E27FC236}">
+                <a16:creationId xmlns:a16="http://schemas.microsoft.com/office/drawing/2014/main" id="{3BF72E60-B0C2-66F5-D2E5-08BFD8244E46}"/>
+              </a:ext>
+            </a:extLst>
+          </p:cNvPr>
+          <p:cNvSpPr txBox="1"/>
+          <p:nvPr/>
+        </p:nvSpPr>
+        <p:spPr>
+          <a:xfrm>
+            <a:off x="1759526" y="5535402"/>
+            <a:ext cx="2342308" cy="461665"/>
+          </a:xfrm>
+          <a:prstGeom prst="rect">
+            <a:avLst/>
+          </a:prstGeom>
+          <a:noFill/>
+        </p:spPr>
+        <p:txBody>
+          <a:bodyPr wrap="none" rtlCol="0">
+            <a:spAutoFit/>
           </a:bodyPr>
           <a:lstStyle/>
           <a:p>
-            <a:pPr defTabSz="914377" eaLnBrk="0" hangingPunct="0"/>
-            <a:endParaRPr lang="en-US">
-              <a:latin typeface="Arial" charset="0"/>
-            </a:endParaRPr>
-          </a:p>
-        </p:txBody>
-      </p:sp>
-      <p:sp>
-        <p:nvSpPr>
-          <p:cNvPr id="11" name="Freccia circolare a sinistra 10">
-            <a:extLst>
-              <a:ext uri="{FF2B5EF4-FFF2-40B4-BE49-F238E27FC236}">
-                <a16:creationId xmlns:a16="http://schemas.microsoft.com/office/drawing/2014/main" id="{C2D0649D-9279-52EE-E150-649291301873}"/>
-              </a:ext>
-            </a:extLst>
-          </p:cNvPr>
-          <p:cNvSpPr/>
-          <p:nvPr/>
-        </p:nvSpPr>
-        <p:spPr bwMode="auto">
-          <a:xfrm rot="12747771">
-            <a:off x="2494851" y="3040527"/>
-            <a:ext cx="376092" cy="907200"/>
-          </a:xfrm>
-          <a:custGeom>
-            <a:avLst/>
-            <a:gdLst>
-              <a:gd name="connsiteX0" fmla="*/ 0 w 376092"/>
-              <a:gd name="connsiteY0" fmla="*/ 813177 h 907200"/>
-              <a:gd name="connsiteX1" fmla="*/ 94023 w 376092"/>
-              <a:gd name="connsiteY1" fmla="*/ 706990 h 907200"/>
-              <a:gd name="connsiteX2" fmla="*/ 94023 w 376092"/>
-              <a:gd name="connsiteY2" fmla="*/ 754001 h 907200"/>
-              <a:gd name="connsiteX3" fmla="*/ 373249 w 376092"/>
-              <a:gd name="connsiteY3" fmla="*/ 430094 h 907200"/>
-              <a:gd name="connsiteX4" fmla="*/ 94023 w 376092"/>
-              <a:gd name="connsiteY4" fmla="*/ 848024 h 907200"/>
-              <a:gd name="connsiteX5" fmla="*/ 94023 w 376092"/>
-              <a:gd name="connsiteY5" fmla="*/ 895036 h 907200"/>
-              <a:gd name="connsiteX6" fmla="*/ 0 w 376092"/>
-              <a:gd name="connsiteY6" fmla="*/ 813177 h 907200"/>
-              <a:gd name="connsiteX0" fmla="*/ 376092 w 376092"/>
-              <a:gd name="connsiteY0" fmla="*/ 477106 h 907200"/>
-              <a:gd name="connsiteX1" fmla="*/ 0 w 376092"/>
-              <a:gd name="connsiteY1" fmla="*/ 94023 h 907200"/>
-              <a:gd name="connsiteX2" fmla="*/ 0 w 376092"/>
-              <a:gd name="connsiteY2" fmla="*/ 0 h 907200"/>
-              <a:gd name="connsiteX3" fmla="*/ 376092 w 376092"/>
-              <a:gd name="connsiteY3" fmla="*/ 383083 h 907200"/>
-              <a:gd name="connsiteX4" fmla="*/ 376092 w 376092"/>
-              <a:gd name="connsiteY4" fmla="*/ 477106 h 907200"/>
-              <a:gd name="connsiteX0" fmla="*/ 376092 w 376092"/>
-              <a:gd name="connsiteY0" fmla="*/ 477106 h 907200"/>
-              <a:gd name="connsiteX1" fmla="*/ 0 w 376092"/>
-              <a:gd name="connsiteY1" fmla="*/ 94023 h 907200"/>
-              <a:gd name="connsiteX2" fmla="*/ 0 w 376092"/>
-              <a:gd name="connsiteY2" fmla="*/ 0 h 907200"/>
-              <a:gd name="connsiteX3" fmla="*/ 376092 w 376092"/>
-              <a:gd name="connsiteY3" fmla="*/ 383083 h 907200"/>
-              <a:gd name="connsiteX4" fmla="*/ 376092 w 376092"/>
-              <a:gd name="connsiteY4" fmla="*/ 477106 h 907200"/>
-              <a:gd name="connsiteX5" fmla="*/ 94023 w 376092"/>
-              <a:gd name="connsiteY5" fmla="*/ 848025 h 907200"/>
-              <a:gd name="connsiteX6" fmla="*/ 94023 w 376092"/>
-              <a:gd name="connsiteY6" fmla="*/ 895036 h 907200"/>
-              <a:gd name="connsiteX7" fmla="*/ 0 w 376092"/>
-              <a:gd name="connsiteY7" fmla="*/ 813177 h 907200"/>
-              <a:gd name="connsiteX8" fmla="*/ 94023 w 376092"/>
-              <a:gd name="connsiteY8" fmla="*/ 706990 h 907200"/>
-              <a:gd name="connsiteX9" fmla="*/ 94023 w 376092"/>
-              <a:gd name="connsiteY9" fmla="*/ 754001 h 907200"/>
-              <a:gd name="connsiteX10" fmla="*/ 373249 w 376092"/>
-              <a:gd name="connsiteY10" fmla="*/ 430094 h 907200"/>
-            </a:gdLst>
-            <a:ahLst/>
-            <a:cxnLst>
-              <a:cxn ang="0">
-                <a:pos x="connsiteX0" y="connsiteY0"/>
-              </a:cxn>
-              <a:cxn ang="0">
-                <a:pos x="connsiteX1" y="connsiteY1"/>
-              </a:cxn>
-              <a:cxn ang="0">
-                <a:pos x="connsiteX2" y="connsiteY2"/>
-              </a:cxn>
-              <a:cxn ang="0">
-                <a:pos x="connsiteX3" y="connsiteY3"/>
-              </a:cxn>
-              <a:cxn ang="0">
-                <a:pos x="connsiteX4" y="connsiteY4"/>
-              </a:cxn>
-              <a:cxn ang="0">
-                <a:pos x="connsiteX5" y="connsiteY5"/>
-              </a:cxn>
-              <a:cxn ang="0">
-                <a:pos x="connsiteX6" y="connsiteY6"/>
-              </a:cxn>
-              <a:cxn ang="0">
-                <a:pos x="connsiteX7" y="connsiteY7"/>
-              </a:cxn>
-              <a:cxn ang="0">
-                <a:pos x="connsiteX8" y="connsiteY8"/>
-              </a:cxn>
-              <a:cxn ang="0">
-                <a:pos x="connsiteX9" y="connsiteY9"/>
-              </a:cxn>
-              <a:cxn ang="0">
-                <a:pos x="connsiteX10" y="connsiteY10"/>
-              </a:cxn>
-            </a:cxnLst>
-            <a:rect l="l" t="t" r="r" b="b"/>
-            <a:pathLst>
-              <a:path w="376092" h="907200" stroke="0" extrusionOk="0">
-                <a:moveTo>
-                  <a:pt x="0" y="813177"/>
-                </a:moveTo>
-                <a:cubicBezTo>
-                  <a:pt x="23240" y="791297"/>
-                  <a:pt x="47883" y="754520"/>
-                  <a:pt x="94023" y="706990"/>
-                </a:cubicBezTo>
-                <a:cubicBezTo>
-                  <a:pt x="96080" y="727412"/>
-                  <a:pt x="96172" y="744342"/>
-                  <a:pt x="94023" y="754001"/>
-                </a:cubicBezTo>
-                <a:cubicBezTo>
-                  <a:pt x="-60654" y="798989"/>
-                  <a:pt x="396396" y="260370"/>
-                  <a:pt x="373249" y="430094"/>
-                </a:cubicBezTo>
-                <a:cubicBezTo>
-                  <a:pt x="416277" y="606472"/>
-                  <a:pt x="270099" y="758466"/>
-                  <a:pt x="94023" y="848024"/>
-                </a:cubicBezTo>
-                <a:cubicBezTo>
-                  <a:pt x="94954" y="860160"/>
-                  <a:pt x="94723" y="882603"/>
-                  <a:pt x="94023" y="895036"/>
-                </a:cubicBezTo>
-                <a:cubicBezTo>
-                  <a:pt x="57500" y="864319"/>
-                  <a:pt x="46482" y="848948"/>
-                  <a:pt x="0" y="813177"/>
-                </a:cubicBezTo>
-                <a:close/>
-              </a:path>
-              <a:path w="376092" h="907200" fill="darkenLess" stroke="0" extrusionOk="0">
-                <a:moveTo>
-                  <a:pt x="376092" y="477106"/>
-                </a:moveTo>
-                <a:cubicBezTo>
-                  <a:pt x="329135" y="685998"/>
-                  <a:pt x="-232799" y="82739"/>
-                  <a:pt x="0" y="94023"/>
-                </a:cubicBezTo>
-                <a:cubicBezTo>
-                  <a:pt x="-2875" y="63239"/>
-                  <a:pt x="1805" y="32419"/>
-                  <a:pt x="0" y="0"/>
-                </a:cubicBezTo>
-                <a:cubicBezTo>
-                  <a:pt x="216835" y="-30476"/>
-                  <a:pt x="417590" y="199247"/>
-                  <a:pt x="376092" y="383083"/>
-                </a:cubicBezTo>
-                <a:cubicBezTo>
-                  <a:pt x="380047" y="410926"/>
-                  <a:pt x="379085" y="444757"/>
-                  <a:pt x="376092" y="477106"/>
-                </a:cubicBezTo>
-                <a:close/>
-              </a:path>
-              <a:path w="376092" h="907200" fill="none" extrusionOk="0">
-                <a:moveTo>
-                  <a:pt x="376092" y="477106"/>
-                </a:moveTo>
-                <a:cubicBezTo>
-                  <a:pt x="366481" y="675515"/>
-                  <a:pt x="-231435" y="93298"/>
-                  <a:pt x="0" y="94023"/>
-                </a:cubicBezTo>
-                <a:cubicBezTo>
-                  <a:pt x="3572" y="49171"/>
-                  <a:pt x="-2607" y="40662"/>
-                  <a:pt x="0" y="0"/>
-                </a:cubicBezTo>
-                <a:cubicBezTo>
-                  <a:pt x="219830" y="-24726"/>
-                  <a:pt x="380772" y="200011"/>
-                  <a:pt x="376092" y="383083"/>
-                </a:cubicBezTo>
-                <a:cubicBezTo>
-                  <a:pt x="374617" y="409577"/>
-                  <a:pt x="379425" y="449283"/>
-                  <a:pt x="376092" y="477106"/>
-                </a:cubicBezTo>
-                <a:cubicBezTo>
-                  <a:pt x="378512" y="643037"/>
-                  <a:pt x="240488" y="835967"/>
-                  <a:pt x="94023" y="848025"/>
-                </a:cubicBezTo>
-                <a:cubicBezTo>
-                  <a:pt x="92598" y="859549"/>
-                  <a:pt x="96285" y="877392"/>
-                  <a:pt x="94023" y="895036"/>
-                </a:cubicBezTo>
-                <a:cubicBezTo>
-                  <a:pt x="59095" y="857146"/>
-                  <a:pt x="24086" y="827300"/>
-                  <a:pt x="0" y="813177"/>
-                </a:cubicBezTo>
-                <a:cubicBezTo>
-                  <a:pt x="39740" y="771213"/>
-                  <a:pt x="56463" y="741728"/>
-                  <a:pt x="94023" y="706990"/>
-                </a:cubicBezTo>
-                <a:cubicBezTo>
-                  <a:pt x="93429" y="722579"/>
-                  <a:pt x="93155" y="731552"/>
-                  <a:pt x="94023" y="754001"/>
-                </a:cubicBezTo>
-                <a:cubicBezTo>
-                  <a:pt x="-71743" y="817129"/>
-                  <a:pt x="359306" y="282705"/>
-                  <a:pt x="373249" y="430094"/>
-                </a:cubicBezTo>
-              </a:path>
-              <a:path w="376092" h="907200" fill="none" stroke="0" extrusionOk="0">
-                <a:moveTo>
-                  <a:pt x="376092" y="477106"/>
-                </a:moveTo>
-                <a:cubicBezTo>
-                  <a:pt x="332113" y="694220"/>
-                  <a:pt x="-237252" y="76508"/>
-                  <a:pt x="0" y="94023"/>
-                </a:cubicBezTo>
-                <a:cubicBezTo>
-                  <a:pt x="-3470" y="58731"/>
-                  <a:pt x="2251" y="42355"/>
-                  <a:pt x="0" y="0"/>
-                </a:cubicBezTo>
-                <a:cubicBezTo>
-                  <a:pt x="187797" y="-20972"/>
-                  <a:pt x="384909" y="138542"/>
-                  <a:pt x="376092" y="383083"/>
-                </a:cubicBezTo>
-                <a:cubicBezTo>
-                  <a:pt x="371506" y="405930"/>
-                  <a:pt x="379609" y="447505"/>
-                  <a:pt x="376092" y="477106"/>
-                </a:cubicBezTo>
-                <a:cubicBezTo>
-                  <a:pt x="368707" y="636174"/>
-                  <a:pt x="275397" y="790964"/>
-                  <a:pt x="94023" y="848025"/>
-                </a:cubicBezTo>
-                <a:cubicBezTo>
-                  <a:pt x="95068" y="864107"/>
-                  <a:pt x="93146" y="884402"/>
-                  <a:pt x="94023" y="895036"/>
-                </a:cubicBezTo>
-                <a:cubicBezTo>
-                  <a:pt x="54566" y="853834"/>
-                  <a:pt x="28128" y="834201"/>
-                  <a:pt x="0" y="813177"/>
-                </a:cubicBezTo>
-                <a:cubicBezTo>
-                  <a:pt x="23789" y="789605"/>
-                  <a:pt x="50797" y="762930"/>
-                  <a:pt x="94023" y="706990"/>
-                </a:cubicBezTo>
-                <a:cubicBezTo>
-                  <a:pt x="93734" y="729932"/>
-                  <a:pt x="92416" y="738729"/>
-                  <a:pt x="94023" y="754001"/>
-                </a:cubicBezTo>
-                <a:cubicBezTo>
-                  <a:pt x="-59992" y="782400"/>
-                  <a:pt x="397256" y="287311"/>
-                  <a:pt x="373249" y="430094"/>
-                </a:cubicBezTo>
-              </a:path>
-            </a:pathLst>
-          </a:custGeom>
-          <a:solidFill>
-            <a:srgbClr val="FFCC32"/>
-          </a:solidFill>
-          <a:ln w="9525" cap="flat" cmpd="sng" algn="ctr">
-            <a:noFill/>
-            <a:prstDash val="solid"/>
-            <a:round/>
-            <a:headEnd type="none" w="med" len="med"/>
-            <a:tailEnd type="none" w="med" len="med"/>
-            <a:extLst>
-              <a:ext uri="{C807C97D-BFC1-408E-A445-0C87EB9F89A2}">
-                <ask:lineSketchStyleProps xmlns:ask="http://schemas.microsoft.com/office/drawing/2018/sketchyshapes" sd="3010053579">
-                  <a:prstGeom prst="curvedLeftArrow">
-                    <a:avLst/>
-                  </a:prstGeom>
-                  <ask:type>
-                    <ask:lineSketchFreehand/>
-                  </ask:type>
-                </ask:lineSketchStyleProps>
-              </a:ext>
-            </a:extLst>
-          </a:ln>
-          <a:effectLst/>
-        </p:spPr>
-        <p:txBody>
-          <a:bodyPr vert="horz" wrap="square" lIns="91440" tIns="45720" rIns="91440" bIns="45720" numCol="1" rtlCol="0" anchor="t" anchorCtr="0" compatLnSpc="1">
-            <a:prstTxWarp prst="textNoShape">
-              <a:avLst/>
-            </a:prstTxWarp>
+            <a:r>
+              <a:rPr lang="en-US" sz="2400" b="1" dirty="0">
+                <a:solidFill>
+                  <a:srgbClr val="FF0000"/>
+                </a:solidFill>
+              </a:rPr>
+              <a:t>REST Perspective</a:t>
+            </a:r>
+          </a:p>
+        </p:txBody>
+      </p:sp>
+      <p:sp>
+        <p:nvSpPr>
+          <p:cNvPr id="39" name="CasellaDiTesto 38">
+            <a:extLst>
+              <a:ext uri="{FF2B5EF4-FFF2-40B4-BE49-F238E27FC236}">
+                <a16:creationId xmlns:a16="http://schemas.microsoft.com/office/drawing/2014/main" id="{B7FB04EE-1F1F-74C0-164F-243013D6CA97}"/>
+              </a:ext>
+            </a:extLst>
+          </p:cNvPr>
+          <p:cNvSpPr txBox="1"/>
+          <p:nvPr/>
+        </p:nvSpPr>
+        <p:spPr>
+          <a:xfrm>
+            <a:off x="7729973" y="5558933"/>
+            <a:ext cx="3053978" cy="461665"/>
+          </a:xfrm>
+          <a:prstGeom prst="rect">
+            <a:avLst/>
+          </a:prstGeom>
+          <a:noFill/>
+        </p:spPr>
+        <p:txBody>
+          <a:bodyPr wrap="none" rtlCol="0">
+            <a:spAutoFit/>
           </a:bodyPr>
           <a:lstStyle/>
           <a:p>
-            <a:pPr defTabSz="914377" eaLnBrk="0" hangingPunct="0"/>
-            <a:endParaRPr lang="en-US">
-              <a:latin typeface="Arial" charset="0"/>
-            </a:endParaRPr>
-          </a:p>
-        </p:txBody>
-      </p:sp>
-      <p:sp>
-        <p:nvSpPr>
-          <p:cNvPr id="12" name="Freccia circolare a sinistra 11">
-            <a:extLst>
-              <a:ext uri="{FF2B5EF4-FFF2-40B4-BE49-F238E27FC236}">
-                <a16:creationId xmlns:a16="http://schemas.microsoft.com/office/drawing/2014/main" id="{822D5864-F7E8-E509-E228-F49AB858C4CE}"/>
-              </a:ext>
-            </a:extLst>
-          </p:cNvPr>
-          <p:cNvSpPr/>
-          <p:nvPr/>
-        </p:nvSpPr>
-        <p:spPr bwMode="auto">
-          <a:xfrm rot="9685068">
-            <a:off x="2390489" y="4623788"/>
-            <a:ext cx="472031" cy="1201497"/>
-          </a:xfrm>
-          <a:custGeom>
-            <a:avLst/>
-            <a:gdLst>
-              <a:gd name="connsiteX0" fmla="*/ 0 w 472031"/>
-              <a:gd name="connsiteY0" fmla="*/ 1083489 h 1201497"/>
-              <a:gd name="connsiteX1" fmla="*/ 118008 w 472031"/>
-              <a:gd name="connsiteY1" fmla="*/ 949216 h 1201497"/>
-              <a:gd name="connsiteX2" fmla="*/ 118008 w 472031"/>
-              <a:gd name="connsiteY2" fmla="*/ 1008220 h 1201497"/>
-              <a:gd name="connsiteX3" fmla="*/ 468889 w 472031"/>
-              <a:gd name="connsiteY3" fmla="*/ 571247 h 1201497"/>
-              <a:gd name="connsiteX4" fmla="*/ 118008 w 472031"/>
-              <a:gd name="connsiteY4" fmla="*/ 1126228 h 1201497"/>
-              <a:gd name="connsiteX5" fmla="*/ 118008 w 472031"/>
-              <a:gd name="connsiteY5" fmla="*/ 1185231 h 1201497"/>
-              <a:gd name="connsiteX6" fmla="*/ 0 w 472031"/>
-              <a:gd name="connsiteY6" fmla="*/ 1083489 h 1201497"/>
-              <a:gd name="connsiteX0" fmla="*/ 472031 w 472031"/>
-              <a:gd name="connsiteY0" fmla="*/ 630250 h 1201497"/>
-              <a:gd name="connsiteX1" fmla="*/ 0 w 472031"/>
-              <a:gd name="connsiteY1" fmla="*/ 118007 h 1201497"/>
-              <a:gd name="connsiteX2" fmla="*/ 0 w 472031"/>
-              <a:gd name="connsiteY2" fmla="*/ 0 h 1201497"/>
-              <a:gd name="connsiteX3" fmla="*/ 472031 w 472031"/>
-              <a:gd name="connsiteY3" fmla="*/ 512243 h 1201497"/>
-              <a:gd name="connsiteX4" fmla="*/ 472031 w 472031"/>
-              <a:gd name="connsiteY4" fmla="*/ 630250 h 1201497"/>
-              <a:gd name="connsiteX0" fmla="*/ 472031 w 472031"/>
-              <a:gd name="connsiteY0" fmla="*/ 630250 h 1201497"/>
-              <a:gd name="connsiteX1" fmla="*/ 0 w 472031"/>
-              <a:gd name="connsiteY1" fmla="*/ 118007 h 1201497"/>
-              <a:gd name="connsiteX2" fmla="*/ 0 w 472031"/>
-              <a:gd name="connsiteY2" fmla="*/ 0 h 1201497"/>
-              <a:gd name="connsiteX3" fmla="*/ 472031 w 472031"/>
-              <a:gd name="connsiteY3" fmla="*/ 512243 h 1201497"/>
-              <a:gd name="connsiteX4" fmla="*/ 472031 w 472031"/>
-              <a:gd name="connsiteY4" fmla="*/ 630250 h 1201497"/>
-              <a:gd name="connsiteX5" fmla="*/ 118008 w 472031"/>
-              <a:gd name="connsiteY5" fmla="*/ 1126227 h 1201497"/>
-              <a:gd name="connsiteX6" fmla="*/ 118008 w 472031"/>
-              <a:gd name="connsiteY6" fmla="*/ 1185231 h 1201497"/>
-              <a:gd name="connsiteX7" fmla="*/ 0 w 472031"/>
-              <a:gd name="connsiteY7" fmla="*/ 1083489 h 1201497"/>
-              <a:gd name="connsiteX8" fmla="*/ 118008 w 472031"/>
-              <a:gd name="connsiteY8" fmla="*/ 949216 h 1201497"/>
-              <a:gd name="connsiteX9" fmla="*/ 118008 w 472031"/>
-              <a:gd name="connsiteY9" fmla="*/ 1008220 h 1201497"/>
-              <a:gd name="connsiteX10" fmla="*/ 468889 w 472031"/>
-              <a:gd name="connsiteY10" fmla="*/ 571247 h 1201497"/>
-            </a:gdLst>
-            <a:ahLst/>
-            <a:cxnLst>
-              <a:cxn ang="0">
-                <a:pos x="connsiteX0" y="connsiteY0"/>
-              </a:cxn>
-              <a:cxn ang="0">
-                <a:pos x="connsiteX1" y="connsiteY1"/>
-              </a:cxn>
-              <a:cxn ang="0">
-                <a:pos x="connsiteX2" y="connsiteY2"/>
-              </a:cxn>
-              <a:cxn ang="0">
-                <a:pos x="connsiteX3" y="connsiteY3"/>
-              </a:cxn>
-              <a:cxn ang="0">
-                <a:pos x="connsiteX4" y="connsiteY4"/>
-              </a:cxn>
-              <a:cxn ang="0">
-                <a:pos x="connsiteX5" y="connsiteY5"/>
-              </a:cxn>
-              <a:cxn ang="0">
-                <a:pos x="connsiteX6" y="connsiteY6"/>
-              </a:cxn>
-              <a:cxn ang="0">
-                <a:pos x="connsiteX7" y="connsiteY7"/>
-              </a:cxn>
-              <a:cxn ang="0">
-                <a:pos x="connsiteX8" y="connsiteY8"/>
-              </a:cxn>
-              <a:cxn ang="0">
-                <a:pos x="connsiteX9" y="connsiteY9"/>
-              </a:cxn>
-              <a:cxn ang="0">
-                <a:pos x="connsiteX10" y="connsiteY10"/>
-              </a:cxn>
-            </a:cxnLst>
-            <a:rect l="l" t="t" r="r" b="b"/>
-            <a:pathLst>
-              <a:path w="472031" h="1201497" stroke="0" extrusionOk="0">
-                <a:moveTo>
-                  <a:pt x="0" y="1083489"/>
-                </a:moveTo>
-                <a:cubicBezTo>
-                  <a:pt x="52030" y="1010827"/>
-                  <a:pt x="66414" y="998987"/>
-                  <a:pt x="118008" y="949216"/>
-                </a:cubicBezTo>
-                <a:cubicBezTo>
-                  <a:pt x="116107" y="966895"/>
-                  <a:pt x="119453" y="982474"/>
-                  <a:pt x="118008" y="1008220"/>
-                </a:cubicBezTo>
-                <a:cubicBezTo>
-                  <a:pt x="-97089" y="1089960"/>
-                  <a:pt x="494265" y="351492"/>
-                  <a:pt x="468889" y="571247"/>
-                </a:cubicBezTo>
-                <a:cubicBezTo>
-                  <a:pt x="537518" y="794872"/>
-                  <a:pt x="341100" y="1030968"/>
-                  <a:pt x="118008" y="1126228"/>
-                </a:cubicBezTo>
-                <a:cubicBezTo>
-                  <a:pt x="115221" y="1148799"/>
-                  <a:pt x="117393" y="1155880"/>
-                  <a:pt x="118008" y="1185231"/>
-                </a:cubicBezTo>
-                <a:cubicBezTo>
-                  <a:pt x="80380" y="1154650"/>
-                  <a:pt x="37076" y="1120011"/>
-                  <a:pt x="0" y="1083489"/>
-                </a:cubicBezTo>
-                <a:close/>
-              </a:path>
-              <a:path w="472031" h="1201497" fill="darkenLess" stroke="0" extrusionOk="0">
-                <a:moveTo>
-                  <a:pt x="472031" y="630250"/>
-                </a:moveTo>
-                <a:cubicBezTo>
-                  <a:pt x="425236" y="910484"/>
-                  <a:pt x="-300501" y="100104"/>
-                  <a:pt x="0" y="118007"/>
-                </a:cubicBezTo>
-                <a:cubicBezTo>
-                  <a:pt x="1969" y="86297"/>
-                  <a:pt x="-932" y="39075"/>
-                  <a:pt x="0" y="0"/>
-                </a:cubicBezTo>
-                <a:cubicBezTo>
-                  <a:pt x="280309" y="-65508"/>
-                  <a:pt x="509307" y="254253"/>
-                  <a:pt x="472031" y="512243"/>
-                </a:cubicBezTo>
-                <a:cubicBezTo>
-                  <a:pt x="470697" y="545735"/>
-                  <a:pt x="471048" y="579466"/>
-                  <a:pt x="472031" y="630250"/>
-                </a:cubicBezTo>
-                <a:close/>
-              </a:path>
-              <a:path w="472031" h="1201497" fill="none" extrusionOk="0">
-                <a:moveTo>
-                  <a:pt x="472031" y="630250"/>
-                </a:moveTo>
-                <a:cubicBezTo>
-                  <a:pt x="445568" y="876911"/>
-                  <a:pt x="-325321" y="116032"/>
-                  <a:pt x="0" y="118007"/>
-                </a:cubicBezTo>
-                <a:cubicBezTo>
-                  <a:pt x="-33" y="70740"/>
-                  <a:pt x="-2461" y="44245"/>
-                  <a:pt x="0" y="0"/>
-                </a:cubicBezTo>
-                <a:cubicBezTo>
-                  <a:pt x="275163" y="-29514"/>
-                  <a:pt x="480475" y="280761"/>
-                  <a:pt x="472031" y="512243"/>
-                </a:cubicBezTo>
-                <a:cubicBezTo>
-                  <a:pt x="472810" y="539157"/>
-                  <a:pt x="475428" y="606309"/>
-                  <a:pt x="472031" y="630250"/>
-                </a:cubicBezTo>
-                <a:cubicBezTo>
-                  <a:pt x="483077" y="823873"/>
-                  <a:pt x="305057" y="1102311"/>
-                  <a:pt x="118008" y="1126227"/>
-                </a:cubicBezTo>
-                <a:cubicBezTo>
-                  <a:pt x="116364" y="1151458"/>
-                  <a:pt x="120598" y="1164299"/>
-                  <a:pt x="118008" y="1185231"/>
-                </a:cubicBezTo>
-                <a:cubicBezTo>
-                  <a:pt x="57464" y="1136383"/>
-                  <a:pt x="25209" y="1113182"/>
-                  <a:pt x="0" y="1083489"/>
-                </a:cubicBezTo>
-                <a:cubicBezTo>
-                  <a:pt x="48157" y="1031470"/>
-                  <a:pt x="69323" y="1000485"/>
-                  <a:pt x="118008" y="949216"/>
-                </a:cubicBezTo>
-                <a:cubicBezTo>
-                  <a:pt x="119434" y="963357"/>
-                  <a:pt x="119382" y="991533"/>
-                  <a:pt x="118008" y="1008220"/>
-                </a:cubicBezTo>
-                <a:cubicBezTo>
-                  <a:pt x="-73941" y="1065559"/>
-                  <a:pt x="455388" y="370439"/>
-                  <a:pt x="468889" y="571247"/>
-                </a:cubicBezTo>
-              </a:path>
-              <a:path w="472031" h="1201497" fill="none" stroke="0" extrusionOk="0">
-                <a:moveTo>
-                  <a:pt x="472031" y="630250"/>
-                </a:moveTo>
-                <a:cubicBezTo>
-                  <a:pt x="445024" y="916558"/>
-                  <a:pt x="-285785" y="103132"/>
-                  <a:pt x="0" y="118007"/>
-                </a:cubicBezTo>
-                <a:cubicBezTo>
-                  <a:pt x="-4347" y="93766"/>
-                  <a:pt x="-3541" y="25684"/>
-                  <a:pt x="0" y="0"/>
-                </a:cubicBezTo>
-                <a:cubicBezTo>
-                  <a:pt x="254832" y="-6176"/>
-                  <a:pt x="486962" y="173504"/>
-                  <a:pt x="472031" y="512243"/>
-                </a:cubicBezTo>
-                <a:cubicBezTo>
-                  <a:pt x="469061" y="542926"/>
-                  <a:pt x="469824" y="582631"/>
-                  <a:pt x="472031" y="630250"/>
-                </a:cubicBezTo>
-                <a:cubicBezTo>
-                  <a:pt x="449783" y="816786"/>
-                  <a:pt x="359810" y="1038651"/>
-                  <a:pt x="118008" y="1126227"/>
-                </a:cubicBezTo>
-                <a:cubicBezTo>
-                  <a:pt x="120345" y="1138059"/>
-                  <a:pt x="115989" y="1162348"/>
-                  <a:pt x="118008" y="1185231"/>
-                </a:cubicBezTo>
-                <a:cubicBezTo>
-                  <a:pt x="72962" y="1155155"/>
-                  <a:pt x="33633" y="1108594"/>
-                  <a:pt x="0" y="1083489"/>
-                </a:cubicBezTo>
-                <a:cubicBezTo>
-                  <a:pt x="44161" y="1035954"/>
-                  <a:pt x="87485" y="980616"/>
-                  <a:pt x="118008" y="949216"/>
-                </a:cubicBezTo>
-                <a:cubicBezTo>
-                  <a:pt x="119176" y="975248"/>
-                  <a:pt x="119622" y="991707"/>
-                  <a:pt x="118008" y="1008220"/>
-                </a:cubicBezTo>
-                <a:cubicBezTo>
-                  <a:pt x="-78376" y="1043014"/>
-                  <a:pt x="500578" y="385196"/>
-                  <a:pt x="468889" y="571247"/>
-                </a:cubicBezTo>
-              </a:path>
-            </a:pathLst>
-          </a:custGeom>
-          <a:solidFill>
-            <a:srgbClr val="EC2227"/>
-          </a:solidFill>
-          <a:ln w="9525" cap="flat" cmpd="sng" algn="ctr">
-            <a:noFill/>
-            <a:prstDash val="solid"/>
-            <a:round/>
-            <a:headEnd type="none" w="med" len="med"/>
-            <a:tailEnd type="none" w="med" len="med"/>
-            <a:extLst>
-              <a:ext uri="{C807C97D-BFC1-408E-A445-0C87EB9F89A2}">
-                <ask:lineSketchStyleProps xmlns:ask="http://schemas.microsoft.com/office/drawing/2018/sketchyshapes" sd="3010053579">
-                  <a:prstGeom prst="curvedLeftArrow">
-                    <a:avLst/>
-                  </a:prstGeom>
-                  <ask:type>
-                    <ask:lineSketchFreehand/>
-                  </ask:type>
-                </ask:lineSketchStyleProps>
-              </a:ext>
-            </a:extLst>
-          </a:ln>
-          <a:effectLst/>
-        </p:spPr>
-        <p:txBody>
-          <a:bodyPr vert="horz" wrap="square" lIns="91440" tIns="45720" rIns="91440" bIns="45720" numCol="1" rtlCol="0" anchor="t" anchorCtr="0" compatLnSpc="1">
-            <a:prstTxWarp prst="textNoShape">
-              <a:avLst/>
-            </a:prstTxWarp>
+            <a:r>
+              <a:rPr lang="en-US" sz="2400" b="1" dirty="0">
+                <a:solidFill>
+                  <a:srgbClr val="FF0000"/>
+                </a:solidFill>
+              </a:rPr>
+              <a:t>Document Perspective</a:t>
+            </a:r>
+          </a:p>
+        </p:txBody>
+      </p:sp>
+      <p:pic>
+        <p:nvPicPr>
+          <p:cNvPr id="41" name="Immagine 40">
+            <a:extLst>
+              <a:ext uri="{FF2B5EF4-FFF2-40B4-BE49-F238E27FC236}">
+                <a16:creationId xmlns:a16="http://schemas.microsoft.com/office/drawing/2014/main" id="{70F60FFE-74A7-2438-6B85-B497B38D9775}"/>
+              </a:ext>
+            </a:extLst>
+          </p:cNvPr>
+          <p:cNvPicPr>
+            <a:picLocks noChangeAspect="1"/>
+          </p:cNvPicPr>
+          <p:nvPr/>
+        </p:nvPicPr>
+        <p:blipFill>
+          <a:blip r:embed="rId6"/>
+          <a:stretch>
+            <a:fillRect/>
+          </a:stretch>
+        </p:blipFill>
+        <p:spPr>
+          <a:xfrm rot="6395144">
+            <a:off x="5711628" y="2998131"/>
+            <a:ext cx="1857992" cy="1857992"/>
+          </a:xfrm>
+          <a:prstGeom prst="rect">
+            <a:avLst/>
+          </a:prstGeom>
+        </p:spPr>
+      </p:pic>
+      <p:pic>
+        <p:nvPicPr>
+          <p:cNvPr id="50" name="Immagine 49">
+            <a:extLst>
+              <a:ext uri="{FF2B5EF4-FFF2-40B4-BE49-F238E27FC236}">
+                <a16:creationId xmlns:a16="http://schemas.microsoft.com/office/drawing/2014/main" id="{34A6260C-5C27-2A9F-C46D-C5DDB4A59CDA}"/>
+              </a:ext>
+            </a:extLst>
+          </p:cNvPr>
+          <p:cNvPicPr>
+            <a:picLocks noChangeAspect="1"/>
+          </p:cNvPicPr>
+          <p:nvPr/>
+        </p:nvPicPr>
+        <p:blipFill>
+          <a:blip r:embed="rId7"/>
+          <a:stretch>
+            <a:fillRect/>
+          </a:stretch>
+        </p:blipFill>
+        <p:spPr>
+          <a:xfrm>
+            <a:off x="3768480" y="2181979"/>
+            <a:ext cx="728555" cy="728555"/>
+          </a:xfrm>
+          <a:prstGeom prst="rect">
+            <a:avLst/>
+          </a:prstGeom>
+        </p:spPr>
+      </p:pic>
+      <p:pic>
+        <p:nvPicPr>
+          <p:cNvPr id="54" name="Immagine 53">
+            <a:extLst>
+              <a:ext uri="{FF2B5EF4-FFF2-40B4-BE49-F238E27FC236}">
+                <a16:creationId xmlns:a16="http://schemas.microsoft.com/office/drawing/2014/main" id="{D1B83E85-E3C1-7D7D-E6CE-58F4300D2016}"/>
+              </a:ext>
+            </a:extLst>
+          </p:cNvPr>
+          <p:cNvPicPr>
+            <a:picLocks noChangeAspect="1"/>
+          </p:cNvPicPr>
+          <p:nvPr/>
+        </p:nvPicPr>
+        <p:blipFill>
+          <a:blip r:embed="rId8"/>
+          <a:stretch>
+            <a:fillRect/>
+          </a:stretch>
+        </p:blipFill>
+        <p:spPr>
+          <a:xfrm>
+            <a:off x="9218649" y="4657902"/>
+            <a:ext cx="702623" cy="702623"/>
+          </a:xfrm>
+          <a:prstGeom prst="rect">
+            <a:avLst/>
+          </a:prstGeom>
+        </p:spPr>
+      </p:pic>
+      <p:sp>
+        <p:nvSpPr>
+          <p:cNvPr id="9" name="Titolo 8">
+            <a:extLst>
+              <a:ext uri="{FF2B5EF4-FFF2-40B4-BE49-F238E27FC236}">
+                <a16:creationId xmlns:a16="http://schemas.microsoft.com/office/drawing/2014/main" id="{A7C6B5F7-5013-8662-B3B4-6B2B00FAB13E}"/>
+              </a:ext>
+            </a:extLst>
+          </p:cNvPr>
+          <p:cNvSpPr>
+            <a:spLocks noGrp="1"/>
+          </p:cNvSpPr>
+          <p:nvPr>
+            <p:ph type="title"/>
+          </p:nvPr>
+        </p:nvSpPr>
+        <p:spPr/>
+        <p:txBody>
+          <a:bodyPr/>
+          <a:lstStyle/>
+          <a:p>
+            <a:endParaRPr lang="en-US"/>
+          </a:p>
+        </p:txBody>
+      </p:sp>
+      <p:sp>
+        <p:nvSpPr>
+          <p:cNvPr id="10" name="CasellaDiTesto 9">
+            <a:extLst>
+              <a:ext uri="{FF2B5EF4-FFF2-40B4-BE49-F238E27FC236}">
+                <a16:creationId xmlns:a16="http://schemas.microsoft.com/office/drawing/2014/main" id="{ABB0C692-3CE9-B425-4F68-404F56AE721F}"/>
+              </a:ext>
+            </a:extLst>
+          </p:cNvPr>
+          <p:cNvSpPr txBox="1"/>
+          <p:nvPr/>
+        </p:nvSpPr>
+        <p:spPr>
+          <a:xfrm>
+            <a:off x="10009060" y="2972279"/>
+            <a:ext cx="2012592" cy="338554"/>
+          </a:xfrm>
+          <a:prstGeom prst="rect">
+            <a:avLst/>
+          </a:prstGeom>
+          <a:noFill/>
+        </p:spPr>
+        <p:txBody>
+          <a:bodyPr wrap="square">
+            <a:spAutoFit/>
           </a:bodyPr>
           <a:lstStyle/>
           <a:p>
-            <a:pPr defTabSz="914377" eaLnBrk="0" hangingPunct="0"/>
-            <a:endParaRPr lang="en-US">
-              <a:latin typeface="Arial" charset="0"/>
-            </a:endParaRPr>
-          </a:p>
-        </p:txBody>
-      </p:sp>
-      <p:sp>
-        <p:nvSpPr>
-          <p:cNvPr id="17" name="Freccia circolare a sinistra 16">
-            <a:extLst>
-              <a:ext uri="{FF2B5EF4-FFF2-40B4-BE49-F238E27FC236}">
-                <a16:creationId xmlns:a16="http://schemas.microsoft.com/office/drawing/2014/main" id="{6B443D42-15B9-D179-D78F-B411C80CE45D}"/>
-              </a:ext>
-            </a:extLst>
-          </p:cNvPr>
-          <p:cNvSpPr/>
-          <p:nvPr/>
-        </p:nvSpPr>
-        <p:spPr bwMode="auto">
-          <a:xfrm rot="8767060" flipH="1">
-            <a:off x="5770962" y="4046458"/>
-            <a:ext cx="376092" cy="905809"/>
-          </a:xfrm>
-          <a:custGeom>
-            <a:avLst/>
-            <a:gdLst>
-              <a:gd name="connsiteX0" fmla="*/ 0 w 376092"/>
-              <a:gd name="connsiteY0" fmla="*/ 811786 h 905809"/>
-              <a:gd name="connsiteX1" fmla="*/ 94023 w 376092"/>
-              <a:gd name="connsiteY1" fmla="*/ 705621 h 905809"/>
-              <a:gd name="connsiteX2" fmla="*/ 94023 w 376092"/>
-              <a:gd name="connsiteY2" fmla="*/ 752632 h 905809"/>
-              <a:gd name="connsiteX3" fmla="*/ 373239 w 376092"/>
-              <a:gd name="connsiteY3" fmla="*/ 429399 h 905809"/>
-              <a:gd name="connsiteX4" fmla="*/ 94023 w 376092"/>
-              <a:gd name="connsiteY4" fmla="*/ 846655 h 905809"/>
-              <a:gd name="connsiteX5" fmla="*/ 94023 w 376092"/>
-              <a:gd name="connsiteY5" fmla="*/ 893667 h 905809"/>
-              <a:gd name="connsiteX6" fmla="*/ 0 w 376092"/>
-              <a:gd name="connsiteY6" fmla="*/ 811786 h 905809"/>
-              <a:gd name="connsiteX0" fmla="*/ 376092 w 376092"/>
-              <a:gd name="connsiteY0" fmla="*/ 476410 h 905809"/>
-              <a:gd name="connsiteX1" fmla="*/ 0 w 376092"/>
-              <a:gd name="connsiteY1" fmla="*/ 94023 h 905809"/>
-              <a:gd name="connsiteX2" fmla="*/ 0 w 376092"/>
-              <a:gd name="connsiteY2" fmla="*/ 0 h 905809"/>
-              <a:gd name="connsiteX3" fmla="*/ 376092 w 376092"/>
-              <a:gd name="connsiteY3" fmla="*/ 382387 h 905809"/>
-              <a:gd name="connsiteX4" fmla="*/ 376092 w 376092"/>
-              <a:gd name="connsiteY4" fmla="*/ 476410 h 905809"/>
-              <a:gd name="connsiteX0" fmla="*/ 376092 w 376092"/>
-              <a:gd name="connsiteY0" fmla="*/ 476410 h 905809"/>
-              <a:gd name="connsiteX1" fmla="*/ 0 w 376092"/>
-              <a:gd name="connsiteY1" fmla="*/ 94023 h 905809"/>
-              <a:gd name="connsiteX2" fmla="*/ 0 w 376092"/>
-              <a:gd name="connsiteY2" fmla="*/ 0 h 905809"/>
-              <a:gd name="connsiteX3" fmla="*/ 376092 w 376092"/>
-              <a:gd name="connsiteY3" fmla="*/ 382387 h 905809"/>
-              <a:gd name="connsiteX4" fmla="*/ 376092 w 376092"/>
-              <a:gd name="connsiteY4" fmla="*/ 476410 h 905809"/>
-              <a:gd name="connsiteX5" fmla="*/ 94023 w 376092"/>
-              <a:gd name="connsiteY5" fmla="*/ 846655 h 905809"/>
-              <a:gd name="connsiteX6" fmla="*/ 94023 w 376092"/>
-              <a:gd name="connsiteY6" fmla="*/ 893667 h 905809"/>
-              <a:gd name="connsiteX7" fmla="*/ 0 w 376092"/>
-              <a:gd name="connsiteY7" fmla="*/ 811786 h 905809"/>
-              <a:gd name="connsiteX8" fmla="*/ 94023 w 376092"/>
-              <a:gd name="connsiteY8" fmla="*/ 705621 h 905809"/>
-              <a:gd name="connsiteX9" fmla="*/ 94023 w 376092"/>
-              <a:gd name="connsiteY9" fmla="*/ 752632 h 905809"/>
-              <a:gd name="connsiteX10" fmla="*/ 373239 w 376092"/>
-              <a:gd name="connsiteY10" fmla="*/ 429399 h 905809"/>
-            </a:gdLst>
-            <a:ahLst/>
-            <a:cxnLst>
-              <a:cxn ang="0">
-                <a:pos x="connsiteX0" y="connsiteY0"/>
-              </a:cxn>
-              <a:cxn ang="0">
-                <a:pos x="connsiteX1" y="connsiteY1"/>
-              </a:cxn>
-              <a:cxn ang="0">
-                <a:pos x="connsiteX2" y="connsiteY2"/>
-              </a:cxn>
-              <a:cxn ang="0">
-                <a:pos x="connsiteX3" y="connsiteY3"/>
-              </a:cxn>
-              <a:cxn ang="0">
-                <a:pos x="connsiteX4" y="connsiteY4"/>
-              </a:cxn>
-              <a:cxn ang="0">
-                <a:pos x="connsiteX5" y="connsiteY5"/>
-              </a:cxn>
-              <a:cxn ang="0">
-                <a:pos x="connsiteX6" y="connsiteY6"/>
-              </a:cxn>
-              <a:cxn ang="0">
-                <a:pos x="connsiteX7" y="connsiteY7"/>
-              </a:cxn>
-              <a:cxn ang="0">
-                <a:pos x="connsiteX8" y="connsiteY8"/>
-              </a:cxn>
-              <a:cxn ang="0">
-                <a:pos x="connsiteX9" y="connsiteY9"/>
-              </a:cxn>
-              <a:cxn ang="0">
-                <a:pos x="connsiteX10" y="connsiteY10"/>
-              </a:cxn>
-            </a:cxnLst>
-            <a:rect l="l" t="t" r="r" b="b"/>
-            <a:pathLst>
-              <a:path w="376092" h="905809" stroke="0" extrusionOk="0">
-                <a:moveTo>
-                  <a:pt x="0" y="811786"/>
-                </a:moveTo>
-                <a:cubicBezTo>
-                  <a:pt x="33328" y="765179"/>
-                  <a:pt x="51730" y="762468"/>
-                  <a:pt x="94023" y="705621"/>
-                </a:cubicBezTo>
-                <a:cubicBezTo>
-                  <a:pt x="96080" y="726043"/>
-                  <a:pt x="96172" y="742973"/>
-                  <a:pt x="94023" y="752632"/>
-                </a:cubicBezTo>
-                <a:cubicBezTo>
-                  <a:pt x="-69928" y="807787"/>
-                  <a:pt x="393890" y="268189"/>
-                  <a:pt x="373239" y="429399"/>
-                </a:cubicBezTo>
-                <a:cubicBezTo>
-                  <a:pt x="429269" y="595930"/>
-                  <a:pt x="275750" y="791237"/>
-                  <a:pt x="94023" y="846655"/>
-                </a:cubicBezTo>
-                <a:cubicBezTo>
-                  <a:pt x="94954" y="858791"/>
-                  <a:pt x="94723" y="881234"/>
-                  <a:pt x="94023" y="893667"/>
-                </a:cubicBezTo>
-                <a:cubicBezTo>
-                  <a:pt x="59272" y="862106"/>
-                  <a:pt x="21148" y="829066"/>
-                  <a:pt x="0" y="811786"/>
-                </a:cubicBezTo>
-                <a:close/>
-              </a:path>
-              <a:path w="376092" h="905809" fill="darkenLess" stroke="0" extrusionOk="0">
-                <a:moveTo>
-                  <a:pt x="376092" y="476410"/>
-                </a:moveTo>
-                <a:cubicBezTo>
-                  <a:pt x="329135" y="684918"/>
-                  <a:pt x="-232799" y="82739"/>
-                  <a:pt x="0" y="94023"/>
-                </a:cubicBezTo>
-                <a:cubicBezTo>
-                  <a:pt x="-2875" y="63239"/>
-                  <a:pt x="1805" y="32419"/>
-                  <a:pt x="0" y="0"/>
-                </a:cubicBezTo>
-                <a:cubicBezTo>
-                  <a:pt x="210569" y="-9549"/>
-                  <a:pt x="410361" y="194104"/>
-                  <a:pt x="376092" y="382387"/>
-                </a:cubicBezTo>
-                <a:cubicBezTo>
-                  <a:pt x="380047" y="410230"/>
-                  <a:pt x="379085" y="444061"/>
-                  <a:pt x="376092" y="476410"/>
-                </a:cubicBezTo>
-                <a:close/>
-              </a:path>
-              <a:path w="376092" h="905809" fill="none" extrusionOk="0">
-                <a:moveTo>
-                  <a:pt x="376092" y="476410"/>
-                </a:moveTo>
-                <a:cubicBezTo>
-                  <a:pt x="366481" y="674435"/>
-                  <a:pt x="-231435" y="93298"/>
-                  <a:pt x="0" y="94023"/>
-                </a:cubicBezTo>
-                <a:cubicBezTo>
-                  <a:pt x="3572" y="49171"/>
-                  <a:pt x="-2607" y="40662"/>
-                  <a:pt x="0" y="0"/>
-                </a:cubicBezTo>
-                <a:cubicBezTo>
-                  <a:pt x="222235" y="-29631"/>
-                  <a:pt x="378144" y="183697"/>
-                  <a:pt x="376092" y="382387"/>
-                </a:cubicBezTo>
-                <a:cubicBezTo>
-                  <a:pt x="374617" y="408881"/>
-                  <a:pt x="379425" y="448587"/>
-                  <a:pt x="376092" y="476410"/>
-                </a:cubicBezTo>
-                <a:cubicBezTo>
-                  <a:pt x="379260" y="639318"/>
-                  <a:pt x="256997" y="808030"/>
-                  <a:pt x="94023" y="846655"/>
-                </a:cubicBezTo>
-                <a:cubicBezTo>
-                  <a:pt x="92335" y="865784"/>
-                  <a:pt x="94432" y="880345"/>
-                  <a:pt x="94023" y="893667"/>
-                </a:cubicBezTo>
-                <a:cubicBezTo>
-                  <a:pt x="75440" y="869959"/>
-                  <a:pt x="36641" y="839881"/>
-                  <a:pt x="0" y="811786"/>
-                </a:cubicBezTo>
-                <a:cubicBezTo>
-                  <a:pt x="36692" y="773092"/>
-                  <a:pt x="54928" y="746106"/>
-                  <a:pt x="94023" y="705621"/>
-                </a:cubicBezTo>
-                <a:cubicBezTo>
-                  <a:pt x="93429" y="721210"/>
-                  <a:pt x="93155" y="730183"/>
-                  <a:pt x="94023" y="752632"/>
-                </a:cubicBezTo>
-                <a:cubicBezTo>
-                  <a:pt x="-60335" y="798992"/>
-                  <a:pt x="383646" y="275870"/>
-                  <a:pt x="373239" y="429399"/>
-                </a:cubicBezTo>
-              </a:path>
-              <a:path w="376092" h="905809" fill="none" stroke="0" extrusionOk="0">
-                <a:moveTo>
-                  <a:pt x="376092" y="476410"/>
-                </a:moveTo>
-                <a:cubicBezTo>
-                  <a:pt x="332113" y="693140"/>
-                  <a:pt x="-237252" y="76508"/>
-                  <a:pt x="0" y="94023"/>
-                </a:cubicBezTo>
-                <a:cubicBezTo>
-                  <a:pt x="-3470" y="58731"/>
-                  <a:pt x="2251" y="42355"/>
-                  <a:pt x="0" y="0"/>
-                </a:cubicBezTo>
-                <a:cubicBezTo>
-                  <a:pt x="174433" y="-35047"/>
-                  <a:pt x="386211" y="133362"/>
-                  <a:pt x="376092" y="382387"/>
-                </a:cubicBezTo>
-                <a:cubicBezTo>
-                  <a:pt x="371506" y="405234"/>
-                  <a:pt x="379609" y="446809"/>
-                  <a:pt x="376092" y="476410"/>
-                </a:cubicBezTo>
-                <a:cubicBezTo>
-                  <a:pt x="359827" y="616384"/>
-                  <a:pt x="273361" y="791453"/>
-                  <a:pt x="94023" y="846655"/>
-                </a:cubicBezTo>
-                <a:cubicBezTo>
-                  <a:pt x="93158" y="864259"/>
-                  <a:pt x="93951" y="882799"/>
-                  <a:pt x="94023" y="893667"/>
-                </a:cubicBezTo>
-                <a:cubicBezTo>
-                  <a:pt x="56820" y="867639"/>
-                  <a:pt x="29826" y="838939"/>
-                  <a:pt x="0" y="811786"/>
-                </a:cubicBezTo>
-                <a:cubicBezTo>
-                  <a:pt x="36134" y="772370"/>
-                  <a:pt x="62150" y="732333"/>
-                  <a:pt x="94023" y="705621"/>
-                </a:cubicBezTo>
-                <a:cubicBezTo>
-                  <a:pt x="93734" y="728563"/>
-                  <a:pt x="92416" y="737360"/>
-                  <a:pt x="94023" y="752632"/>
-                </a:cubicBezTo>
-                <a:cubicBezTo>
-                  <a:pt x="-65345" y="767805"/>
-                  <a:pt x="398013" y="288879"/>
-                  <a:pt x="373239" y="429399"/>
-                </a:cubicBezTo>
-              </a:path>
-            </a:pathLst>
-          </a:custGeom>
-          <a:solidFill>
-            <a:srgbClr val="EC2227"/>
-          </a:solidFill>
-          <a:ln w="9525" cap="flat" cmpd="sng" algn="ctr">
-            <a:noFill/>
-            <a:prstDash val="solid"/>
-            <a:round/>
-            <a:headEnd type="none" w="med" len="med"/>
-            <a:tailEnd type="none" w="med" len="med"/>
-            <a:extLst>
-              <a:ext uri="{C807C97D-BFC1-408E-A445-0C87EB9F89A2}">
-                <ask:lineSketchStyleProps xmlns:ask="http://schemas.microsoft.com/office/drawing/2018/sketchyshapes" sd="3010053579">
-                  <a:prstGeom prst="curvedLeftArrow">
-                    <a:avLst/>
-                  </a:prstGeom>
-                  <ask:type>
-                    <ask:lineSketchFreehand/>
-                  </ask:type>
-                </ask:lineSketchStyleProps>
-              </a:ext>
-            </a:extLst>
-          </a:ln>
-          <a:effectLst/>
-        </p:spPr>
-        <p:txBody>
-          <a:bodyPr vert="horz" wrap="square" lIns="91440" tIns="45720" rIns="91440" bIns="45720" numCol="1" rtlCol="0" anchor="t" anchorCtr="0" compatLnSpc="1">
-            <a:prstTxWarp prst="textNoShape">
-              <a:avLst/>
-            </a:prstTxWarp>
-          </a:bodyPr>
-          <a:lstStyle/>
-          <a:p>
-            <a:pPr defTabSz="914377" eaLnBrk="0" hangingPunct="0"/>
-            <a:endParaRPr lang="en-US">
-              <a:latin typeface="Arial" charset="0"/>
-            </a:endParaRPr>
-          </a:p>
-        </p:txBody>
-      </p:sp>
-      <p:sp>
-        <p:nvSpPr>
-          <p:cNvPr id="19" name="Freccia circolare a sinistra 18">
-            <a:extLst>
-              <a:ext uri="{FF2B5EF4-FFF2-40B4-BE49-F238E27FC236}">
-                <a16:creationId xmlns:a16="http://schemas.microsoft.com/office/drawing/2014/main" id="{FC89ED2E-3924-D725-FDA7-33D3DC47EA84}"/>
-              </a:ext>
-            </a:extLst>
-          </p:cNvPr>
-          <p:cNvSpPr/>
-          <p:nvPr/>
-        </p:nvSpPr>
-        <p:spPr bwMode="auto">
-          <a:xfrm rot="6437527" flipH="1">
-            <a:off x="6317489" y="998014"/>
-            <a:ext cx="815787" cy="3710237"/>
-          </a:xfrm>
-          <a:custGeom>
-            <a:avLst/>
-            <a:gdLst>
-              <a:gd name="connsiteX0" fmla="*/ 0 w 815787"/>
-              <a:gd name="connsiteY0" fmla="*/ 3506290 h 3710237"/>
-              <a:gd name="connsiteX1" fmla="*/ 203947 w 815787"/>
-              <a:gd name="connsiteY1" fmla="*/ 3248293 h 3710237"/>
-              <a:gd name="connsiteX2" fmla="*/ 203947 w 815787"/>
-              <a:gd name="connsiteY2" fmla="*/ 3350266 h 3710237"/>
-              <a:gd name="connsiteX3" fmla="*/ 814322 w 815787"/>
-              <a:gd name="connsiteY3" fmla="*/ 1804132 h 3710237"/>
-              <a:gd name="connsiteX4" fmla="*/ 764309 w 815787"/>
-              <a:gd name="connsiteY4" fmla="*/ 2501190 h 3710237"/>
-              <a:gd name="connsiteX5" fmla="*/ 203947 w 815787"/>
-              <a:gd name="connsiteY5" fmla="*/ 3554214 h 3710237"/>
-              <a:gd name="connsiteX6" fmla="*/ 203947 w 815787"/>
-              <a:gd name="connsiteY6" fmla="*/ 3656186 h 3710237"/>
-              <a:gd name="connsiteX7" fmla="*/ 0 w 815787"/>
-              <a:gd name="connsiteY7" fmla="*/ 3506290 h 3710237"/>
-              <a:gd name="connsiteX0" fmla="*/ 815787 w 815787"/>
-              <a:gd name="connsiteY0" fmla="*/ 1906105 h 3710237"/>
-              <a:gd name="connsiteX1" fmla="*/ 0 w 815787"/>
-              <a:gd name="connsiteY1" fmla="*/ 203947 h 3710237"/>
-              <a:gd name="connsiteX2" fmla="*/ 0 w 815787"/>
-              <a:gd name="connsiteY2" fmla="*/ 0 h 3710237"/>
-              <a:gd name="connsiteX3" fmla="*/ 815787 w 815787"/>
-              <a:gd name="connsiteY3" fmla="*/ 1702158 h 3710237"/>
-              <a:gd name="connsiteX4" fmla="*/ 815787 w 815787"/>
-              <a:gd name="connsiteY4" fmla="*/ 1906105 h 3710237"/>
-              <a:gd name="connsiteX0" fmla="*/ 815787 w 815787"/>
-              <a:gd name="connsiteY0" fmla="*/ 1906105 h 3710237"/>
-              <a:gd name="connsiteX1" fmla="*/ 0 w 815787"/>
-              <a:gd name="connsiteY1" fmla="*/ 203947 h 3710237"/>
-              <a:gd name="connsiteX2" fmla="*/ 0 w 815787"/>
-              <a:gd name="connsiteY2" fmla="*/ 0 h 3710237"/>
-              <a:gd name="connsiteX3" fmla="*/ 815787 w 815787"/>
-              <a:gd name="connsiteY3" fmla="*/ 1702158 h 3710237"/>
-              <a:gd name="connsiteX4" fmla="*/ 815787 w 815787"/>
-              <a:gd name="connsiteY4" fmla="*/ 1906105 h 3710237"/>
-              <a:gd name="connsiteX5" fmla="*/ 203947 w 815787"/>
-              <a:gd name="connsiteY5" fmla="*/ 3554212 h 3710237"/>
-              <a:gd name="connsiteX6" fmla="*/ 203947 w 815787"/>
-              <a:gd name="connsiteY6" fmla="*/ 3656186 h 3710237"/>
-              <a:gd name="connsiteX7" fmla="*/ 0 w 815787"/>
-              <a:gd name="connsiteY7" fmla="*/ 3506290 h 3710237"/>
-              <a:gd name="connsiteX8" fmla="*/ 203947 w 815787"/>
-              <a:gd name="connsiteY8" fmla="*/ 3248293 h 3710237"/>
-              <a:gd name="connsiteX9" fmla="*/ 203947 w 815787"/>
-              <a:gd name="connsiteY9" fmla="*/ 3350266 h 3710237"/>
-              <a:gd name="connsiteX10" fmla="*/ 814322 w 815787"/>
-              <a:gd name="connsiteY10" fmla="*/ 1804132 h 3710237"/>
-            </a:gdLst>
-            <a:ahLst/>
-            <a:cxnLst>
-              <a:cxn ang="0">
-                <a:pos x="connsiteX0" y="connsiteY0"/>
-              </a:cxn>
-              <a:cxn ang="0">
-                <a:pos x="connsiteX1" y="connsiteY1"/>
-              </a:cxn>
-              <a:cxn ang="0">
-                <a:pos x="connsiteX2" y="connsiteY2"/>
-              </a:cxn>
-              <a:cxn ang="0">
-                <a:pos x="connsiteX3" y="connsiteY3"/>
-              </a:cxn>
-              <a:cxn ang="0">
-                <a:pos x="connsiteX4" y="connsiteY4"/>
-              </a:cxn>
-              <a:cxn ang="0">
-                <a:pos x="connsiteX5" y="connsiteY5"/>
-              </a:cxn>
-              <a:cxn ang="0">
-                <a:pos x="connsiteX6" y="connsiteY6"/>
-              </a:cxn>
-              <a:cxn ang="0">
-                <a:pos x="connsiteX7" y="connsiteY7"/>
-              </a:cxn>
-              <a:cxn ang="0">
-                <a:pos x="connsiteX8" y="connsiteY8"/>
-              </a:cxn>
-              <a:cxn ang="0">
-                <a:pos x="connsiteX9" y="connsiteY9"/>
-              </a:cxn>
-              <a:cxn ang="0">
-                <a:pos x="connsiteX10" y="connsiteY10"/>
-              </a:cxn>
-            </a:cxnLst>
-            <a:rect l="l" t="t" r="r" b="b"/>
-            <a:pathLst>
-              <a:path w="815787" h="3710237" stroke="0" extrusionOk="0">
-                <a:moveTo>
-                  <a:pt x="0" y="3506290"/>
-                </a:moveTo>
-                <a:cubicBezTo>
-                  <a:pt x="81037" y="3395490"/>
-                  <a:pt x="92941" y="3368319"/>
-                  <a:pt x="203947" y="3248293"/>
-                </a:cubicBezTo>
-                <a:cubicBezTo>
-                  <a:pt x="199929" y="3289197"/>
-                  <a:pt x="207557" y="3302451"/>
-                  <a:pt x="203947" y="3350266"/>
-                </a:cubicBezTo>
-                <a:cubicBezTo>
-                  <a:pt x="-153982" y="3551696"/>
-                  <a:pt x="851204" y="1016238"/>
-                  <a:pt x="814322" y="1804132"/>
-                </a:cubicBezTo>
-                <a:cubicBezTo>
-                  <a:pt x="843944" y="2024453"/>
-                  <a:pt x="796455" y="2232282"/>
-                  <a:pt x="764309" y="2501190"/>
-                </a:cubicBezTo>
-                <a:cubicBezTo>
-                  <a:pt x="696763" y="2991735"/>
-                  <a:pt x="482441" y="3422991"/>
-                  <a:pt x="203947" y="3554214"/>
-                </a:cubicBezTo>
-                <a:cubicBezTo>
-                  <a:pt x="208018" y="3585554"/>
-                  <a:pt x="208864" y="3617800"/>
-                  <a:pt x="203947" y="3656186"/>
-                </a:cubicBezTo>
-                <a:cubicBezTo>
-                  <a:pt x="128537" y="3599092"/>
-                  <a:pt x="52157" y="3546281"/>
-                  <a:pt x="0" y="3506290"/>
-                </a:cubicBezTo>
-                <a:close/>
-              </a:path>
-              <a:path w="815787" h="3710237" fill="darkenLess" stroke="0" extrusionOk="0">
-                <a:moveTo>
-                  <a:pt x="815787" y="1906105"/>
-                </a:moveTo>
-                <a:cubicBezTo>
-                  <a:pt x="750579" y="2897657"/>
-                  <a:pt x="-365480" y="218396"/>
-                  <a:pt x="0" y="203947"/>
-                </a:cubicBezTo>
-                <a:cubicBezTo>
-                  <a:pt x="-8161" y="162766"/>
-                  <a:pt x="-3853" y="74105"/>
-                  <a:pt x="0" y="0"/>
-                </a:cubicBezTo>
-                <a:cubicBezTo>
-                  <a:pt x="478951" y="43656"/>
-                  <a:pt x="835823" y="772656"/>
-                  <a:pt x="815787" y="1702158"/>
-                </a:cubicBezTo>
-                <a:cubicBezTo>
-                  <a:pt x="825632" y="1804091"/>
-                  <a:pt x="820084" y="1814230"/>
-                  <a:pt x="815787" y="1906105"/>
-                </a:cubicBezTo>
-                <a:close/>
-              </a:path>
-              <a:path w="815787" h="3710237" fill="none" extrusionOk="0">
-                <a:moveTo>
-                  <a:pt x="815787" y="1906105"/>
-                </a:moveTo>
-                <a:cubicBezTo>
-                  <a:pt x="895228" y="2918568"/>
-                  <a:pt x="-522190" y="184916"/>
-                  <a:pt x="0" y="203947"/>
-                </a:cubicBezTo>
-                <a:cubicBezTo>
-                  <a:pt x="-9930" y="138834"/>
-                  <a:pt x="8858" y="65857"/>
-                  <a:pt x="0" y="0"/>
-                </a:cubicBezTo>
-                <a:cubicBezTo>
-                  <a:pt x="571535" y="-11956"/>
-                  <a:pt x="807703" y="688329"/>
-                  <a:pt x="815787" y="1702158"/>
-                </a:cubicBezTo>
-                <a:cubicBezTo>
-                  <a:pt x="805926" y="1746497"/>
-                  <a:pt x="816781" y="1833600"/>
-                  <a:pt x="815787" y="1906105"/>
-                </a:cubicBezTo>
-                <a:cubicBezTo>
-                  <a:pt x="875293" y="2630796"/>
-                  <a:pt x="561365" y="3379407"/>
-                  <a:pt x="203947" y="3554212"/>
-                </a:cubicBezTo>
-                <a:cubicBezTo>
-                  <a:pt x="208009" y="3594633"/>
-                  <a:pt x="205547" y="3632183"/>
-                  <a:pt x="203947" y="3656186"/>
-                </a:cubicBezTo>
-                <a:cubicBezTo>
-                  <a:pt x="120760" y="3609435"/>
-                  <a:pt x="63417" y="3568270"/>
-                  <a:pt x="0" y="3506290"/>
-                </a:cubicBezTo>
-                <a:cubicBezTo>
-                  <a:pt x="104298" y="3381006"/>
-                  <a:pt x="114476" y="3336286"/>
-                  <a:pt x="203947" y="3248293"/>
-                </a:cubicBezTo>
-                <a:cubicBezTo>
-                  <a:pt x="206782" y="3270388"/>
-                  <a:pt x="201431" y="3313095"/>
-                  <a:pt x="203947" y="3350266"/>
-                </a:cubicBezTo>
-                <a:cubicBezTo>
-                  <a:pt x="-194010" y="3448499"/>
-                  <a:pt x="856944" y="978838"/>
-                  <a:pt x="814322" y="1804132"/>
-                </a:cubicBezTo>
-              </a:path>
-              <a:path w="815787" h="3710237" fill="none" stroke="0" extrusionOk="0">
-                <a:moveTo>
-                  <a:pt x="815787" y="1906105"/>
-                </a:moveTo>
-                <a:cubicBezTo>
-                  <a:pt x="784505" y="2870184"/>
-                  <a:pt x="-364328" y="183488"/>
-                  <a:pt x="0" y="203947"/>
-                </a:cubicBezTo>
-                <a:cubicBezTo>
-                  <a:pt x="-3781" y="117038"/>
-                  <a:pt x="-3185" y="46465"/>
-                  <a:pt x="0" y="0"/>
-                </a:cubicBezTo>
-                <a:cubicBezTo>
-                  <a:pt x="585114" y="27497"/>
-                  <a:pt x="751984" y="771439"/>
-                  <a:pt x="815787" y="1702158"/>
-                </a:cubicBezTo>
-                <a:cubicBezTo>
-                  <a:pt x="824304" y="1782676"/>
-                  <a:pt x="825794" y="1851583"/>
-                  <a:pt x="815787" y="1906105"/>
-                </a:cubicBezTo>
-                <a:cubicBezTo>
-                  <a:pt x="825772" y="2673503"/>
-                  <a:pt x="637589" y="3380770"/>
-                  <a:pt x="203947" y="3554212"/>
-                </a:cubicBezTo>
-                <a:cubicBezTo>
-                  <a:pt x="200068" y="3598768"/>
-                  <a:pt x="208653" y="3626410"/>
-                  <a:pt x="203947" y="3656186"/>
-                </a:cubicBezTo>
-                <a:cubicBezTo>
-                  <a:pt x="104988" y="3594111"/>
-                  <a:pt x="100222" y="3574822"/>
-                  <a:pt x="0" y="3506290"/>
-                </a:cubicBezTo>
-                <a:cubicBezTo>
-                  <a:pt x="64409" y="3431174"/>
-                  <a:pt x="117568" y="3378607"/>
-                  <a:pt x="203947" y="3248293"/>
-                </a:cubicBezTo>
-                <a:cubicBezTo>
-                  <a:pt x="208745" y="3283789"/>
-                  <a:pt x="201789" y="3301076"/>
-                  <a:pt x="203947" y="3350266"/>
-                </a:cubicBezTo>
-                <a:cubicBezTo>
-                  <a:pt x="-163464" y="3500943"/>
-                  <a:pt x="652928" y="1061495"/>
-                  <a:pt x="814322" y="1804132"/>
-                </a:cubicBezTo>
-              </a:path>
-            </a:pathLst>
-          </a:custGeom>
-          <a:solidFill>
-            <a:srgbClr val="EA8525"/>
-          </a:solidFill>
-          <a:ln w="9525" cap="flat" cmpd="sng" algn="ctr">
-            <a:noFill/>
-            <a:prstDash val="solid"/>
-            <a:round/>
-            <a:headEnd type="none" w="med" len="med"/>
-            <a:tailEnd type="none" w="med" len="med"/>
-            <a:extLst>
-              <a:ext uri="{C807C97D-BFC1-408E-A445-0C87EB9F89A2}">
-                <ask:lineSketchStyleProps xmlns:ask="http://schemas.microsoft.com/office/drawing/2018/sketchyshapes" sd="3010053579">
-                  <a:prstGeom prst="curvedLeftArrow">
-                    <a:avLst/>
-                  </a:prstGeom>
-                  <ask:type>
-                    <ask:lineSketchFreehand/>
-                  </ask:type>
-                </ask:lineSketchStyleProps>
-              </a:ext>
-            </a:extLst>
-          </a:ln>
-          <a:effectLst/>
-        </p:spPr>
-        <p:txBody>
-          <a:bodyPr vert="horz" wrap="square" lIns="91440" tIns="45720" rIns="91440" bIns="45720" numCol="1" rtlCol="0" anchor="t" anchorCtr="0" compatLnSpc="1">
-            <a:prstTxWarp prst="textNoShape">
-              <a:avLst/>
-            </a:prstTxWarp>
-          </a:bodyPr>
-          <a:lstStyle/>
-          <a:p>
-            <a:pPr defTabSz="914377" eaLnBrk="0" hangingPunct="0"/>
-            <a:endParaRPr lang="en-US">
-              <a:latin typeface="Arial" charset="0"/>
-            </a:endParaRPr>
-          </a:p>
-        </p:txBody>
-      </p:sp>
-      <p:cxnSp>
-        <p:nvCxnSpPr>
-          <p:cNvPr id="25" name="Connettore 2 24">
-            <a:extLst>
-              <a:ext uri="{FF2B5EF4-FFF2-40B4-BE49-F238E27FC236}">
-                <a16:creationId xmlns:a16="http://schemas.microsoft.com/office/drawing/2014/main" id="{4CDAD6A5-6C94-427D-77D8-F44420193B22}"/>
-              </a:ext>
-            </a:extLst>
-          </p:cNvPr>
-          <p:cNvCxnSpPr>
-            <a:cxnSpLocks/>
-            <a:stCxn id="14" idx="2"/>
-            <a:endCxn id="43" idx="0"/>
-          </p:cNvCxnSpPr>
-          <p:nvPr/>
-        </p:nvCxnSpPr>
-        <p:spPr>
-          <a:xfrm flipH="1">
-            <a:off x="4045758" y="4895185"/>
-            <a:ext cx="1" cy="327004"/>
-          </a:xfrm>
-          <a:prstGeom prst="straightConnector1">
-            <a:avLst/>
-          </a:prstGeom>
-          <a:ln>
-            <a:prstDash val="dash"/>
-            <a:tailEnd type="triangle"/>
-          </a:ln>
-        </p:spPr>
-        <p:style>
-          <a:lnRef idx="2">
-            <a:schemeClr val="accent1"/>
-          </a:lnRef>
-          <a:fillRef idx="0">
-            <a:schemeClr val="accent1"/>
-          </a:fillRef>
-          <a:effectRef idx="1">
-            <a:schemeClr val="accent1"/>
-          </a:effectRef>
-          <a:fontRef idx="minor">
-            <a:schemeClr val="tx1"/>
-          </a:fontRef>
-        </p:style>
-      </p:cxnSp>
-      <p:sp>
-        <p:nvSpPr>
-          <p:cNvPr id="60" name="Freccia circolare a sinistra 59">
-            <a:extLst>
-              <a:ext uri="{FF2B5EF4-FFF2-40B4-BE49-F238E27FC236}">
-                <a16:creationId xmlns:a16="http://schemas.microsoft.com/office/drawing/2014/main" id="{A206AB74-F315-AD14-C9D6-E3279B433586}"/>
-              </a:ext>
-            </a:extLst>
-          </p:cNvPr>
-          <p:cNvSpPr/>
-          <p:nvPr/>
-        </p:nvSpPr>
-        <p:spPr bwMode="auto">
-          <a:xfrm rot="5757850" flipH="1">
-            <a:off x="6066369" y="2090651"/>
-            <a:ext cx="634387" cy="2806956"/>
-          </a:xfrm>
-          <a:custGeom>
-            <a:avLst/>
-            <a:gdLst>
-              <a:gd name="connsiteX0" fmla="*/ 0 w 634387"/>
-              <a:gd name="connsiteY0" fmla="*/ 2648359 h 2806956"/>
-              <a:gd name="connsiteX1" fmla="*/ 158597 w 634387"/>
-              <a:gd name="connsiteY1" fmla="*/ 2448973 h 2806956"/>
-              <a:gd name="connsiteX2" fmla="*/ 158597 w 634387"/>
-              <a:gd name="connsiteY2" fmla="*/ 2528272 h 2806956"/>
-              <a:gd name="connsiteX3" fmla="*/ 633177 w 634387"/>
-              <a:gd name="connsiteY3" fmla="*/ 1363830 h 2806956"/>
-              <a:gd name="connsiteX4" fmla="*/ 158597 w 634387"/>
-              <a:gd name="connsiteY4" fmla="*/ 2686869 h 2806956"/>
-              <a:gd name="connsiteX5" fmla="*/ 158597 w 634387"/>
-              <a:gd name="connsiteY5" fmla="*/ 2766167 h 2806956"/>
-              <a:gd name="connsiteX6" fmla="*/ 0 w 634387"/>
-              <a:gd name="connsiteY6" fmla="*/ 2648359 h 2806956"/>
-              <a:gd name="connsiteX0" fmla="*/ 634387 w 634387"/>
-              <a:gd name="connsiteY0" fmla="*/ 1443127 h 2806956"/>
-              <a:gd name="connsiteX1" fmla="*/ 0 w 634387"/>
-              <a:gd name="connsiteY1" fmla="*/ 158597 h 2806956"/>
-              <a:gd name="connsiteX2" fmla="*/ 0 w 634387"/>
-              <a:gd name="connsiteY2" fmla="*/ 0 h 2806956"/>
-              <a:gd name="connsiteX3" fmla="*/ 634387 w 634387"/>
-              <a:gd name="connsiteY3" fmla="*/ 1284530 h 2806956"/>
-              <a:gd name="connsiteX4" fmla="*/ 634387 w 634387"/>
-              <a:gd name="connsiteY4" fmla="*/ 1443127 h 2806956"/>
-              <a:gd name="connsiteX0" fmla="*/ 634387 w 634387"/>
-              <a:gd name="connsiteY0" fmla="*/ 1443127 h 2806956"/>
-              <a:gd name="connsiteX1" fmla="*/ 0 w 634387"/>
-              <a:gd name="connsiteY1" fmla="*/ 158597 h 2806956"/>
-              <a:gd name="connsiteX2" fmla="*/ 0 w 634387"/>
-              <a:gd name="connsiteY2" fmla="*/ 0 h 2806956"/>
-              <a:gd name="connsiteX3" fmla="*/ 634387 w 634387"/>
-              <a:gd name="connsiteY3" fmla="*/ 1284530 h 2806956"/>
-              <a:gd name="connsiteX4" fmla="*/ 634387 w 634387"/>
-              <a:gd name="connsiteY4" fmla="*/ 1443127 h 2806956"/>
-              <a:gd name="connsiteX5" fmla="*/ 158597 w 634387"/>
-              <a:gd name="connsiteY5" fmla="*/ 2686868 h 2806956"/>
-              <a:gd name="connsiteX6" fmla="*/ 158597 w 634387"/>
-              <a:gd name="connsiteY6" fmla="*/ 2766167 h 2806956"/>
-              <a:gd name="connsiteX7" fmla="*/ 0 w 634387"/>
-              <a:gd name="connsiteY7" fmla="*/ 2648359 h 2806956"/>
-              <a:gd name="connsiteX8" fmla="*/ 158597 w 634387"/>
-              <a:gd name="connsiteY8" fmla="*/ 2448973 h 2806956"/>
-              <a:gd name="connsiteX9" fmla="*/ 158597 w 634387"/>
-              <a:gd name="connsiteY9" fmla="*/ 2528272 h 2806956"/>
-              <a:gd name="connsiteX10" fmla="*/ 633177 w 634387"/>
-              <a:gd name="connsiteY10" fmla="*/ 1363830 h 2806956"/>
-            </a:gdLst>
-            <a:ahLst/>
-            <a:cxnLst>
-              <a:cxn ang="0">
-                <a:pos x="connsiteX0" y="connsiteY0"/>
-              </a:cxn>
-              <a:cxn ang="0">
-                <a:pos x="connsiteX1" y="connsiteY1"/>
-              </a:cxn>
-              <a:cxn ang="0">
-                <a:pos x="connsiteX2" y="connsiteY2"/>
-              </a:cxn>
-              <a:cxn ang="0">
-                <a:pos x="connsiteX3" y="connsiteY3"/>
-              </a:cxn>
-              <a:cxn ang="0">
-                <a:pos x="connsiteX4" y="connsiteY4"/>
-              </a:cxn>
-              <a:cxn ang="0">
-                <a:pos x="connsiteX5" y="connsiteY5"/>
-              </a:cxn>
-              <a:cxn ang="0">
-                <a:pos x="connsiteX6" y="connsiteY6"/>
-              </a:cxn>
-              <a:cxn ang="0">
-                <a:pos x="connsiteX7" y="connsiteY7"/>
-              </a:cxn>
-              <a:cxn ang="0">
-                <a:pos x="connsiteX8" y="connsiteY8"/>
-              </a:cxn>
-              <a:cxn ang="0">
-                <a:pos x="connsiteX9" y="connsiteY9"/>
-              </a:cxn>
-              <a:cxn ang="0">
-                <a:pos x="connsiteX10" y="connsiteY10"/>
-              </a:cxn>
-            </a:cxnLst>
-            <a:rect l="l" t="t" r="r" b="b"/>
-            <a:pathLst>
-              <a:path w="634387" h="2806956" stroke="0" extrusionOk="0">
-                <a:moveTo>
-                  <a:pt x="0" y="2648359"/>
-                </a:moveTo>
-                <a:cubicBezTo>
-                  <a:pt x="52310" y="2590796"/>
-                  <a:pt x="113573" y="2496707"/>
-                  <a:pt x="158597" y="2448973"/>
-                </a:cubicBezTo>
-                <a:cubicBezTo>
-                  <a:pt x="162295" y="2473515"/>
-                  <a:pt x="161334" y="2492721"/>
-                  <a:pt x="158597" y="2528272"/>
-                </a:cubicBezTo>
-                <a:cubicBezTo>
-                  <a:pt x="-132547" y="2695010"/>
-                  <a:pt x="670452" y="742690"/>
-                  <a:pt x="633177" y="1363830"/>
-                </a:cubicBezTo>
-                <a:cubicBezTo>
-                  <a:pt x="694105" y="1947097"/>
-                  <a:pt x="449714" y="2513728"/>
-                  <a:pt x="158597" y="2686869"/>
-                </a:cubicBezTo>
-                <a:cubicBezTo>
-                  <a:pt x="157662" y="2723404"/>
-                  <a:pt x="154643" y="2734630"/>
-                  <a:pt x="158597" y="2766167"/>
-                </a:cubicBezTo>
-                <a:cubicBezTo>
-                  <a:pt x="81889" y="2717206"/>
-                  <a:pt x="69976" y="2691123"/>
-                  <a:pt x="0" y="2648359"/>
-                </a:cubicBezTo>
-                <a:close/>
-              </a:path>
-              <a:path w="634387" h="2806956" fill="darkenLess" stroke="0" extrusionOk="0">
-                <a:moveTo>
-                  <a:pt x="634387" y="1443127"/>
-                </a:moveTo>
-                <a:cubicBezTo>
-                  <a:pt x="596786" y="2150408"/>
-                  <a:pt x="-402769" y="135025"/>
-                  <a:pt x="0" y="158597"/>
-                </a:cubicBezTo>
-                <a:cubicBezTo>
-                  <a:pt x="-7569" y="117085"/>
-                  <a:pt x="4774" y="39651"/>
-                  <a:pt x="0" y="0"/>
-                </a:cubicBezTo>
-                <a:cubicBezTo>
-                  <a:pt x="378498" y="-93978"/>
-                  <a:pt x="661442" y="593186"/>
-                  <a:pt x="634387" y="1284530"/>
-                </a:cubicBezTo>
-                <a:cubicBezTo>
-                  <a:pt x="628561" y="1351726"/>
-                  <a:pt x="630731" y="1382834"/>
-                  <a:pt x="634387" y="1443127"/>
-                </a:cubicBezTo>
-                <a:close/>
-              </a:path>
-              <a:path w="634387" h="2806956" fill="none" extrusionOk="0">
-                <a:moveTo>
-                  <a:pt x="634387" y="1443127"/>
-                </a:moveTo>
-                <a:cubicBezTo>
-                  <a:pt x="597409" y="2101909"/>
-                  <a:pt x="-413372" y="156671"/>
-                  <a:pt x="0" y="158597"/>
-                </a:cubicBezTo>
-                <a:cubicBezTo>
-                  <a:pt x="-6045" y="102891"/>
-                  <a:pt x="886" y="60522"/>
-                  <a:pt x="0" y="0"/>
-                </a:cubicBezTo>
-                <a:cubicBezTo>
-                  <a:pt x="416966" y="-135873"/>
-                  <a:pt x="641593" y="618984"/>
-                  <a:pt x="634387" y="1284530"/>
-                </a:cubicBezTo>
-                <a:cubicBezTo>
-                  <a:pt x="630339" y="1355617"/>
-                  <a:pt x="632273" y="1384508"/>
-                  <a:pt x="634387" y="1443127"/>
-                </a:cubicBezTo>
-                <a:cubicBezTo>
-                  <a:pt x="650797" y="1969509"/>
-                  <a:pt x="410070" y="2586627"/>
-                  <a:pt x="158597" y="2686868"/>
-                </a:cubicBezTo>
-                <a:cubicBezTo>
-                  <a:pt x="161096" y="2707214"/>
-                  <a:pt x="157717" y="2728751"/>
-                  <a:pt x="158597" y="2766167"/>
-                </a:cubicBezTo>
-                <a:cubicBezTo>
-                  <a:pt x="80618" y="2706026"/>
-                  <a:pt x="42223" y="2690959"/>
-                  <a:pt x="0" y="2648359"/>
-                </a:cubicBezTo>
-                <a:cubicBezTo>
-                  <a:pt x="42750" y="2577189"/>
-                  <a:pt x="104471" y="2520110"/>
-                  <a:pt x="158597" y="2448973"/>
-                </a:cubicBezTo>
-                <a:cubicBezTo>
-                  <a:pt x="159394" y="2478798"/>
-                  <a:pt x="160629" y="2488713"/>
-                  <a:pt x="158597" y="2528272"/>
-                </a:cubicBezTo>
-                <a:cubicBezTo>
-                  <a:pt x="-180234" y="2774123"/>
-                  <a:pt x="590664" y="824334"/>
-                  <a:pt x="633177" y="1363830"/>
-                </a:cubicBezTo>
-              </a:path>
-              <a:path w="634387" h="2806956" fill="none" stroke="0" extrusionOk="0">
-                <a:moveTo>
-                  <a:pt x="634387" y="1443127"/>
-                </a:moveTo>
-                <a:cubicBezTo>
-                  <a:pt x="581189" y="2159258"/>
-                  <a:pt x="-396898" y="131006"/>
-                  <a:pt x="0" y="158597"/>
-                </a:cubicBezTo>
-                <a:cubicBezTo>
-                  <a:pt x="6202" y="109991"/>
-                  <a:pt x="-3872" y="70228"/>
-                  <a:pt x="0" y="0"/>
-                </a:cubicBezTo>
-                <a:cubicBezTo>
-                  <a:pt x="267539" y="-87227"/>
-                  <a:pt x="659524" y="481106"/>
-                  <a:pt x="634387" y="1284530"/>
-                </a:cubicBezTo>
-                <a:cubicBezTo>
-                  <a:pt x="640523" y="1347077"/>
-                  <a:pt x="639020" y="1378235"/>
-                  <a:pt x="634387" y="1443127"/>
-                </a:cubicBezTo>
-                <a:cubicBezTo>
-                  <a:pt x="603332" y="1963202"/>
-                  <a:pt x="449432" y="2531044"/>
-                  <a:pt x="158597" y="2686868"/>
-                </a:cubicBezTo>
-                <a:cubicBezTo>
-                  <a:pt x="156979" y="2726345"/>
-                  <a:pt x="160593" y="2735890"/>
-                  <a:pt x="158597" y="2766167"/>
-                </a:cubicBezTo>
-                <a:cubicBezTo>
-                  <a:pt x="117332" y="2742730"/>
-                  <a:pt x="57369" y="2700156"/>
-                  <a:pt x="0" y="2648359"/>
-                </a:cubicBezTo>
-                <a:cubicBezTo>
-                  <a:pt x="61322" y="2572583"/>
-                  <a:pt x="104057" y="2527939"/>
-                  <a:pt x="158597" y="2448973"/>
-                </a:cubicBezTo>
-                <a:cubicBezTo>
-                  <a:pt x="159047" y="2482617"/>
-                  <a:pt x="157415" y="2511310"/>
-                  <a:pt x="158597" y="2528272"/>
-                </a:cubicBezTo>
-                <a:cubicBezTo>
-                  <a:pt x="-148818" y="2566314"/>
-                  <a:pt x="687608" y="907451"/>
-                  <a:pt x="633177" y="1363830"/>
-                </a:cubicBezTo>
-              </a:path>
-            </a:pathLst>
-          </a:custGeom>
-          <a:solidFill>
-            <a:srgbClr val="EA8525"/>
-          </a:solidFill>
-          <a:ln w="9525" cap="flat" cmpd="sng" algn="ctr">
-            <a:noFill/>
-            <a:prstDash val="solid"/>
-            <a:round/>
-            <a:headEnd type="none" w="med" len="med"/>
-            <a:tailEnd type="none" w="med" len="med"/>
-            <a:extLst>
-              <a:ext uri="{C807C97D-BFC1-408E-A445-0C87EB9F89A2}">
-                <ask:lineSketchStyleProps xmlns:ask="http://schemas.microsoft.com/office/drawing/2018/sketchyshapes" sd="3010053579">
-                  <a:prstGeom prst="curvedLeftArrow">
-                    <a:avLst/>
-                  </a:prstGeom>
-                  <ask:type>
-                    <ask:lineSketchFreehand/>
-                  </ask:type>
-                </ask:lineSketchStyleProps>
-              </a:ext>
-            </a:extLst>
-          </a:ln>
-          <a:effectLst/>
-        </p:spPr>
-        <p:txBody>
-          <a:bodyPr vert="horz" wrap="square" lIns="91440" tIns="45720" rIns="91440" bIns="45720" numCol="1" rtlCol="0" anchor="t" anchorCtr="0" compatLnSpc="1">
-            <a:prstTxWarp prst="textNoShape">
-              <a:avLst/>
-            </a:prstTxWarp>
-          </a:bodyPr>
-          <a:lstStyle/>
-          <a:p>
-            <a:pPr defTabSz="914377" eaLnBrk="0" hangingPunct="0"/>
-            <a:endParaRPr lang="en-US">
-              <a:latin typeface="Arial" charset="0"/>
-            </a:endParaRPr>
-          </a:p>
-        </p:txBody>
-      </p:sp>
-      <p:sp>
-        <p:nvSpPr>
-          <p:cNvPr id="28" name="Freccia destra con strisce 27">
-            <a:extLst>
-              <a:ext uri="{FF2B5EF4-FFF2-40B4-BE49-F238E27FC236}">
-                <a16:creationId xmlns:a16="http://schemas.microsoft.com/office/drawing/2014/main" id="{8F518500-4FF8-23B4-6DED-D890520A71DA}"/>
-              </a:ext>
-            </a:extLst>
-          </p:cNvPr>
-          <p:cNvSpPr/>
-          <p:nvPr/>
-        </p:nvSpPr>
-        <p:spPr>
-          <a:xfrm>
-            <a:off x="489024" y="2612584"/>
-            <a:ext cx="1632000" cy="1147913"/>
-          </a:xfrm>
-          <a:prstGeom prst="stripedRightArrow">
-            <a:avLst/>
-          </a:prstGeom>
-          <a:ln>
-            <a:headEnd type="none" w="med" len="med"/>
-            <a:tailEnd type="none" w="med" len="med"/>
-          </a:ln>
-        </p:spPr>
-        <p:style>
-          <a:lnRef idx="2">
-            <a:schemeClr val="accent4"/>
-          </a:lnRef>
-          <a:fillRef idx="1">
-            <a:schemeClr val="lt1"/>
-          </a:fillRef>
-          <a:effectRef idx="0">
-            <a:schemeClr val="accent4"/>
-          </a:effectRef>
-          <a:fontRef idx="minor">
-            <a:schemeClr val="dk1"/>
-          </a:fontRef>
-        </p:style>
-        <p:txBody>
-          <a:bodyPr lIns="121920" tIns="60960" rIns="121920" bIns="60960" rtlCol="0" anchor="ctr"/>
-          <a:lstStyle/>
-          <a:p>
-            <a:pPr algn="ctr"/>
-            <a:r>
-              <a:rPr lang="en-US" sz="1200" b="1" i="1"/>
-              <a:t>European Guidelines</a:t>
-            </a:r>
+            <a:r>
+              <a:rPr lang="en-US" sz="1600" b="1" dirty="0">
+                <a:solidFill>
+                  <a:srgbClr val="777777"/>
+                </a:solidFill>
+                <a:latin typeface="Inter"/>
+              </a:rPr>
+              <a:t>image: Flaticon.com</a:t>
+            </a:r>
+            <a:endParaRPr lang="en-US" sz="1600" b="1" dirty="0"/>
           </a:p>
         </p:txBody>
       </p:sp>
     </p:spTree>
     <p:extLst>
       <p:ext uri="{BB962C8B-B14F-4D97-AF65-F5344CB8AC3E}">
-        <p14:creationId xmlns:p14="http://schemas.microsoft.com/office/powerpoint/2010/main" val="3703051296"/>
+        <p14:creationId xmlns:p14="http://schemas.microsoft.com/office/powerpoint/2010/main" val="1631001349"/>
       </p:ext>
     </p:extLst>
   </p:cSld>
@@ -13704,293 +10213,6 @@
       </p:transition>
     </mc:Fallback>
   </mc:AlternateContent>
-  <p:timing>
-    <p:tnLst>
-      <p:par>
-        <p:cTn id="1" dur="indefinite" restart="never" nodeType="tmRoot">
-          <p:childTnLst>
-            <p:seq concurrent="1" nextAc="seek">
-              <p:cTn id="2" dur="indefinite" nodeType="mainSeq">
-                <p:childTnLst>
-                  <p:par>
-                    <p:cTn id="3" fill="hold">
-                      <p:stCondLst>
-                        <p:cond delay="indefinite"/>
-                        <p:cond evt="onBegin" delay="0">
-                          <p:tn val="2"/>
-                        </p:cond>
-                      </p:stCondLst>
-                      <p:childTnLst>
-                        <p:par>
-                          <p:cTn id="4" fill="hold">
-                            <p:stCondLst>
-                              <p:cond delay="0"/>
-                            </p:stCondLst>
-                            <p:childTnLst>
-                              <p:par>
-                                <p:cTn id="5" presetID="10" presetClass="entr" presetSubtype="0" fill="hold" grpId="0" nodeType="afterEffect">
-                                  <p:stCondLst>
-                                    <p:cond delay="0"/>
-                                  </p:stCondLst>
-                                  <p:childTnLst>
-                                    <p:set>
-                                      <p:cBhvr>
-                                        <p:cTn id="6" dur="1" fill="hold">
-                                          <p:stCondLst>
-                                            <p:cond delay="0"/>
-                                          </p:stCondLst>
-                                        </p:cTn>
-                                        <p:tgtEl>
-                                          <p:spTgt spid="17"/>
-                                        </p:tgtEl>
-                                        <p:attrNameLst>
-                                          <p:attrName>style.visibility</p:attrName>
-                                        </p:attrNameLst>
-                                      </p:cBhvr>
-                                      <p:to>
-                                        <p:strVal val="visible"/>
-                                      </p:to>
-                                    </p:set>
-                                    <p:animEffect transition="in" filter="fade">
-                                      <p:cBhvr>
-                                        <p:cTn id="7" dur="500"/>
-                                        <p:tgtEl>
-                                          <p:spTgt spid="17"/>
-                                        </p:tgtEl>
-                                      </p:cBhvr>
-                                    </p:animEffect>
-                                  </p:childTnLst>
-                                </p:cTn>
-                              </p:par>
-                              <p:par>
-                                <p:cTn id="8" presetID="10" presetClass="entr" presetSubtype="0" fill="hold" grpId="0" nodeType="withEffect">
-                                  <p:stCondLst>
-                                    <p:cond delay="0"/>
-                                  </p:stCondLst>
-                                  <p:childTnLst>
-                                    <p:set>
-                                      <p:cBhvr>
-                                        <p:cTn id="9" dur="1" fill="hold">
-                                          <p:stCondLst>
-                                            <p:cond delay="0"/>
-                                          </p:stCondLst>
-                                        </p:cTn>
-                                        <p:tgtEl>
-                                          <p:spTgt spid="12"/>
-                                        </p:tgtEl>
-                                        <p:attrNameLst>
-                                          <p:attrName>style.visibility</p:attrName>
-                                        </p:attrNameLst>
-                                      </p:cBhvr>
-                                      <p:to>
-                                        <p:strVal val="visible"/>
-                                      </p:to>
-                                    </p:set>
-                                    <p:animEffect transition="in" filter="fade">
-                                      <p:cBhvr>
-                                        <p:cTn id="10" dur="500"/>
-                                        <p:tgtEl>
-                                          <p:spTgt spid="12"/>
-                                        </p:tgtEl>
-                                      </p:cBhvr>
-                                    </p:animEffect>
-                                  </p:childTnLst>
-                                </p:cTn>
-                              </p:par>
-                              <p:par>
-                                <p:cTn id="11" presetID="10" presetClass="entr" presetSubtype="0" fill="hold" grpId="0" nodeType="withEffect">
-                                  <p:stCondLst>
-                                    <p:cond delay="0"/>
-                                  </p:stCondLst>
-                                  <p:childTnLst>
-                                    <p:set>
-                                      <p:cBhvr>
-                                        <p:cTn id="12" dur="1" fill="hold">
-                                          <p:stCondLst>
-                                            <p:cond delay="0"/>
-                                          </p:stCondLst>
-                                        </p:cTn>
-                                        <p:tgtEl>
-                                          <p:spTgt spid="19"/>
-                                        </p:tgtEl>
-                                        <p:attrNameLst>
-                                          <p:attrName>style.visibility</p:attrName>
-                                        </p:attrNameLst>
-                                      </p:cBhvr>
-                                      <p:to>
-                                        <p:strVal val="visible"/>
-                                      </p:to>
-                                    </p:set>
-                                    <p:animEffect transition="in" filter="fade">
-                                      <p:cBhvr>
-                                        <p:cTn id="13" dur="500"/>
-                                        <p:tgtEl>
-                                          <p:spTgt spid="19"/>
-                                        </p:tgtEl>
-                                      </p:cBhvr>
-                                    </p:animEffect>
-                                  </p:childTnLst>
-                                </p:cTn>
-                              </p:par>
-                            </p:childTnLst>
-                          </p:cTn>
-                        </p:par>
-                        <p:par>
-                          <p:cTn id="14" fill="hold">
-                            <p:stCondLst>
-                              <p:cond delay="500"/>
-                            </p:stCondLst>
-                            <p:childTnLst>
-                              <p:par>
-                                <p:cTn id="15" presetID="10" presetClass="entr" presetSubtype="0" fill="hold" grpId="0" nodeType="afterEffect">
-                                  <p:stCondLst>
-                                    <p:cond delay="0"/>
-                                  </p:stCondLst>
-                                  <p:childTnLst>
-                                    <p:set>
-                                      <p:cBhvr>
-                                        <p:cTn id="16" dur="1" fill="hold">
-                                          <p:stCondLst>
-                                            <p:cond delay="0"/>
-                                          </p:stCondLst>
-                                        </p:cTn>
-                                        <p:tgtEl>
-                                          <p:spTgt spid="11"/>
-                                        </p:tgtEl>
-                                        <p:attrNameLst>
-                                          <p:attrName>style.visibility</p:attrName>
-                                        </p:attrNameLst>
-                                      </p:cBhvr>
-                                      <p:to>
-                                        <p:strVal val="visible"/>
-                                      </p:to>
-                                    </p:set>
-                                    <p:animEffect transition="in" filter="fade">
-                                      <p:cBhvr>
-                                        <p:cTn id="17" dur="500"/>
-                                        <p:tgtEl>
-                                          <p:spTgt spid="11"/>
-                                        </p:tgtEl>
-                                      </p:cBhvr>
-                                    </p:animEffect>
-                                  </p:childTnLst>
-                                </p:cTn>
-                              </p:par>
-                            </p:childTnLst>
-                          </p:cTn>
-                        </p:par>
-                        <p:par>
-                          <p:cTn id="18" fill="hold">
-                            <p:stCondLst>
-                              <p:cond delay="1000"/>
-                            </p:stCondLst>
-                            <p:childTnLst>
-                              <p:par>
-                                <p:cTn id="19" presetID="10" presetClass="entr" presetSubtype="0" fill="hold" grpId="0" nodeType="afterEffect">
-                                  <p:stCondLst>
-                                    <p:cond delay="0"/>
-                                  </p:stCondLst>
-                                  <p:childTnLst>
-                                    <p:set>
-                                      <p:cBhvr>
-                                        <p:cTn id="20" dur="1" fill="hold">
-                                          <p:stCondLst>
-                                            <p:cond delay="0"/>
-                                          </p:stCondLst>
-                                        </p:cTn>
-                                        <p:tgtEl>
-                                          <p:spTgt spid="3"/>
-                                        </p:tgtEl>
-                                        <p:attrNameLst>
-                                          <p:attrName>style.visibility</p:attrName>
-                                        </p:attrNameLst>
-                                      </p:cBhvr>
-                                      <p:to>
-                                        <p:strVal val="visible"/>
-                                      </p:to>
-                                    </p:set>
-                                    <p:animEffect transition="in" filter="fade">
-                                      <p:cBhvr>
-                                        <p:cTn id="21" dur="500"/>
-                                        <p:tgtEl>
-                                          <p:spTgt spid="3"/>
-                                        </p:tgtEl>
-                                      </p:cBhvr>
-                                    </p:animEffect>
-                                  </p:childTnLst>
-                                </p:cTn>
-                              </p:par>
-                              <p:par>
-                                <p:cTn id="22" presetID="10" presetClass="entr" presetSubtype="0" fill="hold" grpId="0" nodeType="withEffect">
-                                  <p:stCondLst>
-                                    <p:cond delay="0"/>
-                                  </p:stCondLst>
-                                  <p:childTnLst>
-                                    <p:set>
-                                      <p:cBhvr>
-                                        <p:cTn id="23" dur="1" fill="hold">
-                                          <p:stCondLst>
-                                            <p:cond delay="0"/>
-                                          </p:stCondLst>
-                                        </p:cTn>
-                                        <p:tgtEl>
-                                          <p:spTgt spid="60"/>
-                                        </p:tgtEl>
-                                        <p:attrNameLst>
-                                          <p:attrName>style.visibility</p:attrName>
-                                        </p:attrNameLst>
-                                      </p:cBhvr>
-                                      <p:to>
-                                        <p:strVal val="visible"/>
-                                      </p:to>
-                                    </p:set>
-                                    <p:animEffect transition="in" filter="fade">
-                                      <p:cBhvr>
-                                        <p:cTn id="24" dur="500"/>
-                                        <p:tgtEl>
-                                          <p:spTgt spid="60"/>
-                                        </p:tgtEl>
-                                      </p:cBhvr>
-                                    </p:animEffect>
-                                  </p:childTnLst>
-                                </p:cTn>
-                              </p:par>
-                            </p:childTnLst>
-                          </p:cTn>
-                        </p:par>
-                      </p:childTnLst>
-                    </p:cTn>
-                  </p:par>
-                </p:childTnLst>
-              </p:cTn>
-              <p:prevCondLst>
-                <p:cond evt="onPrev" delay="0">
-                  <p:tgtEl>
-                    <p:sldTgt/>
-                  </p:tgtEl>
-                </p:cond>
-              </p:prevCondLst>
-              <p:nextCondLst>
-                <p:cond evt="onNext" delay="0">
-                  <p:tgtEl>
-                    <p:sldTgt/>
-                  </p:tgtEl>
-                </p:cond>
-              </p:nextCondLst>
-            </p:seq>
-          </p:childTnLst>
-        </p:cTn>
-      </p:par>
-    </p:tnLst>
-    <p:bldLst>
-      <p:bldP spid="3" grpId="0" animBg="1"/>
-      <p:bldP spid="11" grpId="0" animBg="1"/>
-      <p:bldP spid="12" grpId="0" animBg="1"/>
-      <p:bldP spid="17" grpId="0" animBg="1"/>
-      <p:bldP spid="19" grpId="0" animBg="1"/>
-      <p:bldP spid="60" grpId="0" animBg="1"/>
-    </p:bldLst>
-  </p:timing>
 </p:sld>
 </file>
 
@@ -14011,52 +10233,130 @@
           <a:chExt cx="0" cy="0"/>
         </a:xfrm>
       </p:grpSpPr>
+      <p:sp>
+        <p:nvSpPr>
+          <p:cNvPr id="5" name="Segnaposto numero diapositiva 4">
+            <a:extLst>
+              <a:ext uri="{FF2B5EF4-FFF2-40B4-BE49-F238E27FC236}">
+                <a16:creationId xmlns:a16="http://schemas.microsoft.com/office/drawing/2014/main" id="{43278412-C42D-3FA1-D693-7695FF62D0F0}"/>
+              </a:ext>
+            </a:extLst>
+          </p:cNvPr>
+          <p:cNvSpPr>
+            <a:spLocks noGrp="1"/>
+          </p:cNvSpPr>
+          <p:nvPr>
+            <p:ph type="sldNum" sz="quarter" idx="15"/>
+          </p:nvPr>
+        </p:nvSpPr>
+        <p:spPr/>
+        <p:txBody>
+          <a:bodyPr/>
+          <a:lstStyle/>
+          <a:p>
+            <a:fld id="{73B22ABC-0FED-4D64-8F5D-7D0F97264170}" type="slidenum">
+              <a:rPr lang="en-US" altLang="en-US" smtClean="0"/>
+              <a:pPr/>
+              <a:t>7</a:t>
+            </a:fld>
+            <a:endParaRPr lang="en-US" altLang="en-US"/>
+          </a:p>
+        </p:txBody>
+      </p:sp>
       <p:pic>
         <p:nvPicPr>
-          <p:cNvPr id="12" name="Immagine 11">
-            <a:extLst>
-              <a:ext uri="{FF2B5EF4-FFF2-40B4-BE49-F238E27FC236}">
-                <a16:creationId xmlns:a16="http://schemas.microsoft.com/office/drawing/2014/main" id="{1BD27C70-3826-9E91-9CB5-14B5CF43D6DA}"/>
+          <p:cNvPr id="2050" name="Picture 2" descr="Corel gallery">
+            <a:extLst>
+              <a:ext uri="{FF2B5EF4-FFF2-40B4-BE49-F238E27FC236}">
+                <a16:creationId xmlns:a16="http://schemas.microsoft.com/office/drawing/2014/main" id="{F2DE2FAB-0C57-0240-A761-97D608A58530}"/>
               </a:ext>
             </a:extLst>
           </p:cNvPr>
           <p:cNvPicPr>
-            <a:picLocks noChangeAspect="1"/>
+            <a:picLocks noChangeAspect="1" noChangeArrowheads="1"/>
           </p:cNvPicPr>
           <p:nvPr/>
         </p:nvPicPr>
         <p:blipFill>
-          <a:blip r:embed="rId2"/>
+          <a:blip r:embed="rId2">
+            <a:extLst>
+              <a:ext uri="{28A0092B-C50C-407E-A947-70E740481C1C}">
+                <a14:useLocalDpi xmlns:a14="http://schemas.microsoft.com/office/drawing/2010/main" val="0"/>
+              </a:ext>
+            </a:extLst>
+          </a:blip>
+          <a:srcRect/>
           <a:stretch>
             <a:fillRect/>
           </a:stretch>
         </p:blipFill>
-        <p:spPr>
-          <a:xfrm>
-            <a:off x="8239087" y="3468890"/>
-            <a:ext cx="3007883" cy="1604204"/>
-          </a:xfrm>
-          <a:prstGeom prst="rect">
-            <a:avLst/>
-          </a:prstGeom>
-          <a:ln>
-            <a:noFill/>
-          </a:ln>
-          <a:effectLst>
-            <a:outerShdw blurRad="292100" dist="139700" dir="2700000" algn="tl" rotWithShape="0">
-              <a:srgbClr val="333333">
-                <a:alpha val="65000"/>
-              </a:srgbClr>
-            </a:outerShdw>
-          </a:effectLst>
+        <p:spPr bwMode="auto">
+          <a:xfrm>
+            <a:off x="568119" y="2930458"/>
+            <a:ext cx="1531924" cy="1120724"/>
+          </a:xfrm>
+          <a:prstGeom prst="rect">
+            <a:avLst/>
+          </a:prstGeom>
+          <a:noFill/>
+          <a:extLst>
+            <a:ext uri="{909E8E84-426E-40DD-AFC4-6F175D3DCCD1}">
+              <a14:hiddenFill xmlns:a14="http://schemas.microsoft.com/office/drawing/2010/main">
+                <a:solidFill>
+                  <a:srgbClr val="FFFFFF"/>
+                </a:solidFill>
+              </a14:hiddenFill>
+            </a:ext>
+          </a:extLst>
         </p:spPr>
       </p:pic>
+      <p:sp>
+        <p:nvSpPr>
+          <p:cNvPr id="16" name="CasellaDiTesto 15">
+            <a:extLst>
+              <a:ext uri="{FF2B5EF4-FFF2-40B4-BE49-F238E27FC236}">
+                <a16:creationId xmlns:a16="http://schemas.microsoft.com/office/drawing/2014/main" id="{9B386F58-883B-CE7D-22F2-6E39AD271B67}"/>
+              </a:ext>
+            </a:extLst>
+          </p:cNvPr>
+          <p:cNvSpPr txBox="1"/>
+          <p:nvPr/>
+        </p:nvSpPr>
+        <p:spPr>
+          <a:xfrm>
+            <a:off x="414261" y="4739089"/>
+            <a:ext cx="2012592" cy="338554"/>
+          </a:xfrm>
+          <a:prstGeom prst="rect">
+            <a:avLst/>
+          </a:prstGeom>
+          <a:noFill/>
+        </p:spPr>
+        <p:txBody>
+          <a:bodyPr wrap="square">
+            <a:spAutoFit/>
+          </a:bodyPr>
+          <a:lstStyle/>
+          <a:p>
+            <a:r>
+              <a:rPr lang="en-US" sz="1600" b="1" dirty="0">
+                <a:solidFill>
+                  <a:srgbClr val="777777"/>
+                </a:solidFill>
+                <a:latin typeface="Inter"/>
+              </a:rPr>
+              <a:t>image: Flaticon.com</a:t>
+            </a:r>
+            <a:endParaRPr lang="en-US" sz="1600" b="1" dirty="0"/>
+          </a:p>
+        </p:txBody>
+      </p:sp>
       <p:pic>
         <p:nvPicPr>
-          <p:cNvPr id="7" name="Immagine 6">
-            <a:extLst>
-              <a:ext uri="{FF2B5EF4-FFF2-40B4-BE49-F238E27FC236}">
-                <a16:creationId xmlns:a16="http://schemas.microsoft.com/office/drawing/2014/main" id="{AF784620-56D0-463D-2900-4098CAA7CBE9}"/>
+          <p:cNvPr id="18" name="Immagine 17">
+            <a:extLst>
+              <a:ext uri="{FF2B5EF4-FFF2-40B4-BE49-F238E27FC236}">
+                <a16:creationId xmlns:a16="http://schemas.microsoft.com/office/drawing/2014/main" id="{FBD7EC08-8D68-5757-93A2-28F5FCC4C48C}"/>
               </a:ext>
             </a:extLst>
           </p:cNvPr>
@@ -14065,37 +10365,64 @@
           </p:cNvPicPr>
           <p:nvPr/>
         </p:nvPicPr>
-        <p:blipFill rotWithShape="1">
+        <p:blipFill>
           <a:blip r:embed="rId3"/>
-          <a:srcRect b="5573"/>
-          <a:stretch/>
+          <a:stretch>
+            <a:fillRect/>
+          </a:stretch>
         </p:blipFill>
         <p:spPr>
           <a:xfrm>
-            <a:off x="4038732" y="3943619"/>
-            <a:ext cx="2688000" cy="1512803"/>
-          </a:xfrm>
-          <a:prstGeom prst="rect">
-            <a:avLst/>
-          </a:prstGeom>
-          <a:ln>
-            <a:noFill/>
-          </a:ln>
-          <a:effectLst>
-            <a:outerShdw blurRad="292100" dist="139700" dir="2700000" algn="tl" rotWithShape="0">
-              <a:srgbClr val="333333">
-                <a:alpha val="65000"/>
-              </a:srgbClr>
-            </a:outerShdw>
-          </a:effectLst>
+            <a:off x="2090871" y="2878100"/>
+            <a:ext cx="1108365" cy="1108365"/>
+          </a:xfrm>
+          <a:prstGeom prst="rect">
+            <a:avLst/>
+          </a:prstGeom>
         </p:spPr>
       </p:pic>
+      <p:sp>
+        <p:nvSpPr>
+          <p:cNvPr id="19" name="CasellaDiTesto 18">
+            <a:extLst>
+              <a:ext uri="{FF2B5EF4-FFF2-40B4-BE49-F238E27FC236}">
+                <a16:creationId xmlns:a16="http://schemas.microsoft.com/office/drawing/2014/main" id="{E2A1B27E-7859-450C-1FF8-977ADEC2F711}"/>
+              </a:ext>
+            </a:extLst>
+          </p:cNvPr>
+          <p:cNvSpPr txBox="1"/>
+          <p:nvPr/>
+        </p:nvSpPr>
+        <p:spPr>
+          <a:xfrm>
+            <a:off x="1671688" y="4021312"/>
+            <a:ext cx="1896866" cy="379656"/>
+          </a:xfrm>
+          <a:prstGeom prst="rect">
+            <a:avLst/>
+          </a:prstGeom>
+          <a:noFill/>
+        </p:spPr>
+        <p:txBody>
+          <a:bodyPr wrap="none" rtlCol="0">
+            <a:spAutoFit/>
+          </a:bodyPr>
+          <a:lstStyle/>
+          <a:p>
+            <a:r>
+              <a:rPr lang="en-US" sz="1867" b="1" dirty="0" err="1"/>
+              <a:t>DiagnosticReport</a:t>
+            </a:r>
+            <a:endParaRPr lang="en-US" sz="1867" b="1" dirty="0"/>
+          </a:p>
+        </p:txBody>
+      </p:sp>
       <p:pic>
         <p:nvPicPr>
-          <p:cNvPr id="13" name="Immagine 12">
-            <a:extLst>
-              <a:ext uri="{FF2B5EF4-FFF2-40B4-BE49-F238E27FC236}">
-                <a16:creationId xmlns:a16="http://schemas.microsoft.com/office/drawing/2014/main" id="{104CCA09-D142-5872-2809-6344E2607AF2}"/>
+          <p:cNvPr id="22" name="Immagine 21">
+            <a:extLst>
+              <a:ext uri="{FF2B5EF4-FFF2-40B4-BE49-F238E27FC236}">
+                <a16:creationId xmlns:a16="http://schemas.microsoft.com/office/drawing/2014/main" id="{AFF66693-A4D4-0088-4987-6321C21A0173}"/>
               </a:ext>
             </a:extLst>
           </p:cNvPr>
@@ -14104,69 +10431,93 @@
           </p:cNvPicPr>
           <p:nvPr/>
         </p:nvPicPr>
-        <p:blipFill rotWithShape="1">
+        <p:blipFill>
           <a:blip r:embed="rId4"/>
-          <a:srcRect t="1" b="-2293"/>
-          <a:stretch/>
+          <a:stretch>
+            <a:fillRect/>
+          </a:stretch>
         </p:blipFill>
         <p:spPr>
           <a:xfrm>
-            <a:off x="8584671" y="3853466"/>
-            <a:ext cx="2956800" cy="1693109"/>
-          </a:xfrm>
-          <a:prstGeom prst="rect">
-            <a:avLst/>
-          </a:prstGeom>
-          <a:ln>
-            <a:noFill/>
-          </a:ln>
-          <a:effectLst>
-            <a:outerShdw blurRad="292100" dist="139700" dir="2700000" algn="tl" rotWithShape="0">
-              <a:srgbClr val="333333">
-                <a:alpha val="65000"/>
-              </a:srgbClr>
-            </a:outerShdw>
-          </a:effectLst>
+            <a:off x="4100236" y="3741850"/>
+            <a:ext cx="902681" cy="902681"/>
+          </a:xfrm>
+          <a:prstGeom prst="rect">
+            <a:avLst/>
+          </a:prstGeom>
         </p:spPr>
       </p:pic>
+      <p:sp>
+        <p:nvSpPr>
+          <p:cNvPr id="23" name="CasellaDiTesto 22">
+            <a:extLst>
+              <a:ext uri="{FF2B5EF4-FFF2-40B4-BE49-F238E27FC236}">
+                <a16:creationId xmlns:a16="http://schemas.microsoft.com/office/drawing/2014/main" id="{5468B17D-13D5-DB60-C321-5A0E5D8D8734}"/>
+              </a:ext>
+            </a:extLst>
+          </p:cNvPr>
+          <p:cNvSpPr txBox="1"/>
+          <p:nvPr/>
+        </p:nvSpPr>
+        <p:spPr>
+          <a:xfrm>
+            <a:off x="3553862" y="4698051"/>
+            <a:ext cx="1820819" cy="379656"/>
+          </a:xfrm>
+          <a:prstGeom prst="rect">
+            <a:avLst/>
+          </a:prstGeom>
+          <a:noFill/>
+        </p:spPr>
+        <p:txBody>
+          <a:bodyPr wrap="none" rtlCol="0">
+            <a:spAutoFit/>
+          </a:bodyPr>
+          <a:lstStyle/>
+          <a:p>
+            <a:r>
+              <a:rPr lang="en-US" sz="1867" b="1" dirty="0"/>
+              <a:t>Other Resources</a:t>
+            </a:r>
+          </a:p>
+        </p:txBody>
+      </p:sp>
       <p:cxnSp>
         <p:nvCxnSpPr>
-          <p:cNvPr id="6" name="Connettore a gomito 5">
-            <a:extLst>
-              <a:ext uri="{FF2B5EF4-FFF2-40B4-BE49-F238E27FC236}">
-                <a16:creationId xmlns:a16="http://schemas.microsoft.com/office/drawing/2014/main" id="{023DC105-B0D2-9D56-CFE0-ECBEC2383D4E}"/>
+          <p:cNvPr id="26" name="Connettore 2 25">
+            <a:extLst>
+              <a:ext uri="{FF2B5EF4-FFF2-40B4-BE49-F238E27FC236}">
+                <a16:creationId xmlns:a16="http://schemas.microsoft.com/office/drawing/2014/main" id="{405414CB-215F-02D8-C2D8-D3AC541BDB82}"/>
               </a:ext>
             </a:extLst>
           </p:cNvPr>
           <p:cNvCxnSpPr>
             <a:cxnSpLocks/>
-            <a:stCxn id="4" idx="2"/>
-            <a:endCxn id="7" idx="0"/>
+            <a:stCxn id="18" idx="3"/>
+            <a:endCxn id="22" idx="1"/>
           </p:cNvCxnSpPr>
           <p:nvPr/>
         </p:nvCxnSpPr>
         <p:spPr>
-          <a:xfrm rot="16200000" flipH="1">
-            <a:off x="5040136" y="3601023"/>
-            <a:ext cx="681904" cy="3287"/>
-          </a:xfrm>
-          <a:prstGeom prst="bentConnector3">
-            <a:avLst>
-              <a:gd name="adj1" fmla="val 50000"/>
-            </a:avLst>
-          </a:prstGeom>
-          <a:ln w="38100">
+          <a:xfrm>
+            <a:off x="3199237" y="3432283"/>
+            <a:ext cx="900999" cy="760908"/>
+          </a:xfrm>
+          <a:prstGeom prst="straightConnector1">
+            <a:avLst/>
+          </a:prstGeom>
+          <a:ln>
             <a:tailEnd type="triangle"/>
           </a:ln>
         </p:spPr>
         <p:style>
-          <a:lnRef idx="3">
+          <a:lnRef idx="2">
             <a:schemeClr val="accent1"/>
           </a:lnRef>
           <a:fillRef idx="0">
             <a:schemeClr val="accent1"/>
           </a:fillRef>
-          <a:effectRef idx="2">
+          <a:effectRef idx="1">
             <a:schemeClr val="accent1"/>
           </a:effectRef>
           <a:fontRef idx="minor">
@@ -14174,299 +10525,74 @@
           </a:fontRef>
         </p:style>
       </p:cxnSp>
-      <p:cxnSp>
-        <p:nvCxnSpPr>
-          <p:cNvPr id="21" name="Connettore a gomito 20">
-            <a:extLst>
-              <a:ext uri="{FF2B5EF4-FFF2-40B4-BE49-F238E27FC236}">
-                <a16:creationId xmlns:a16="http://schemas.microsoft.com/office/drawing/2014/main" id="{4D6C0861-0692-612A-A686-15EB93AB3131}"/>
-              </a:ext>
-            </a:extLst>
-          </p:cNvPr>
-          <p:cNvCxnSpPr>
-            <a:cxnSpLocks/>
-            <a:stCxn id="4" idx="3"/>
-            <a:endCxn id="12" idx="0"/>
-          </p:cNvCxnSpPr>
-          <p:nvPr/>
-        </p:nvCxnSpPr>
-        <p:spPr>
-          <a:xfrm>
-            <a:off x="6805975" y="2371295"/>
-            <a:ext cx="2937054" cy="1097595"/>
-          </a:xfrm>
-          <a:prstGeom prst="bentConnector2">
-            <a:avLst/>
-          </a:prstGeom>
-          <a:ln w="38100">
-            <a:prstDash val="sysDot"/>
-            <a:tailEnd type="triangle"/>
-          </a:ln>
-        </p:spPr>
-        <p:style>
-          <a:lnRef idx="2">
-            <a:schemeClr val="accent1"/>
-          </a:lnRef>
-          <a:fillRef idx="0">
-            <a:schemeClr val="accent1"/>
-          </a:fillRef>
-          <a:effectRef idx="1">
-            <a:schemeClr val="accent1"/>
-          </a:effectRef>
-          <a:fontRef idx="minor">
-            <a:schemeClr val="tx1"/>
-          </a:fontRef>
-        </p:style>
-      </p:cxnSp>
-      <p:sp>
-        <p:nvSpPr>
-          <p:cNvPr id="20" name="Freccia a sinistra 19">
-            <a:extLst>
-              <a:ext uri="{FF2B5EF4-FFF2-40B4-BE49-F238E27FC236}">
-                <a16:creationId xmlns:a16="http://schemas.microsoft.com/office/drawing/2014/main" id="{76D55F74-AFEC-143E-8A03-BF0527A6061B}"/>
-              </a:ext>
-            </a:extLst>
-          </p:cNvPr>
-          <p:cNvSpPr/>
-          <p:nvPr/>
-        </p:nvSpPr>
-        <p:spPr>
-          <a:xfrm>
-            <a:off x="6969225" y="4201308"/>
-            <a:ext cx="975360" cy="624573"/>
-          </a:xfrm>
-          <a:prstGeom prst="leftArrow">
-            <a:avLst/>
-          </a:prstGeom>
-          <a:solidFill>
-            <a:schemeClr val="dk1">
-              <a:alpha val="50000"/>
-            </a:schemeClr>
-          </a:solidFill>
-          <a:ln>
-            <a:noFill/>
-          </a:ln>
-        </p:spPr>
-        <p:style>
-          <a:lnRef idx="0">
-            <a:scrgbClr r="0" g="0" b="0"/>
-          </a:lnRef>
-          <a:fillRef idx="0">
-            <a:scrgbClr r="0" g="0" b="0"/>
-          </a:fillRef>
-          <a:effectRef idx="0">
-            <a:scrgbClr r="0" g="0" b="0"/>
-          </a:effectRef>
-          <a:fontRef idx="minor">
-            <a:schemeClr val="lt1"/>
-          </a:fontRef>
-        </p:style>
-        <p:txBody>
-          <a:bodyPr rtlCol="0" anchor="ctr"/>
-          <a:lstStyle/>
-          <a:p>
-            <a:pPr algn="ctr"/>
-            <a:endParaRPr lang="en-US" sz="2400" u="sng"/>
-          </a:p>
-        </p:txBody>
-      </p:sp>
-      <p:pic>
-        <p:nvPicPr>
-          <p:cNvPr id="19" name="Immagine 18">
-            <a:extLst>
-              <a:ext uri="{FF2B5EF4-FFF2-40B4-BE49-F238E27FC236}">
-                <a16:creationId xmlns:a16="http://schemas.microsoft.com/office/drawing/2014/main" id="{89BF6F42-7114-F730-4CED-745588DCE21B}"/>
-              </a:ext>
-            </a:extLst>
-          </p:cNvPr>
-          <p:cNvPicPr>
-            <a:picLocks noChangeAspect="1"/>
-          </p:cNvPicPr>
-          <p:nvPr/>
-        </p:nvPicPr>
-        <p:blipFill rotWithShape="1">
-          <a:blip r:embed="rId5"/>
-          <a:srcRect l="5558" r="5997"/>
-          <a:stretch/>
-        </p:blipFill>
-        <p:spPr>
-          <a:xfrm>
-            <a:off x="1310531" y="2528487"/>
-            <a:ext cx="1439983" cy="2085728"/>
-          </a:xfrm>
-          <a:prstGeom prst="rect">
-            <a:avLst/>
-          </a:prstGeom>
-          <a:ln>
-            <a:noFill/>
-          </a:ln>
-          <a:effectLst>
-            <a:outerShdw blurRad="292100" dist="139700" dir="2700000" algn="tl" rotWithShape="0">
-              <a:srgbClr val="333333">
-                <a:alpha val="65000"/>
-              </a:srgbClr>
-            </a:outerShdw>
-          </a:effectLst>
-        </p:spPr>
-      </p:pic>
-      <p:pic>
-        <p:nvPicPr>
-          <p:cNvPr id="4" name="Immagine 3">
-            <a:extLst>
-              <a:ext uri="{FF2B5EF4-FFF2-40B4-BE49-F238E27FC236}">
-                <a16:creationId xmlns:a16="http://schemas.microsoft.com/office/drawing/2014/main" id="{C1856E80-2EAF-A783-4DC5-22C608DE3B7F}"/>
-              </a:ext>
-            </a:extLst>
-          </p:cNvPr>
-          <p:cNvPicPr>
-            <a:picLocks noChangeAspect="1"/>
-          </p:cNvPicPr>
-          <p:nvPr/>
-        </p:nvPicPr>
-        <p:blipFill rotWithShape="1">
-          <a:blip r:embed="rId6"/>
-          <a:srcRect b="7455"/>
-          <a:stretch/>
-        </p:blipFill>
-        <p:spPr>
-          <a:xfrm>
-            <a:off x="3952914" y="1480874"/>
-            <a:ext cx="2853061" cy="1780841"/>
-          </a:xfrm>
-          <a:prstGeom prst="rect">
-            <a:avLst/>
-          </a:prstGeom>
-          <a:ln>
-            <a:noFill/>
-          </a:ln>
-          <a:effectLst>
-            <a:outerShdw blurRad="292100" dist="139700" dir="2700000" algn="tl" rotWithShape="0">
-              <a:srgbClr val="333333">
-                <a:alpha val="65000"/>
-              </a:srgbClr>
-            </a:outerShdw>
-          </a:effectLst>
-        </p:spPr>
-      </p:pic>
-      <p:pic>
-        <p:nvPicPr>
-          <p:cNvPr id="9" name="Immagine 8">
-            <a:extLst>
-              <a:ext uri="{FF2B5EF4-FFF2-40B4-BE49-F238E27FC236}">
-                <a16:creationId xmlns:a16="http://schemas.microsoft.com/office/drawing/2014/main" id="{240A0B8E-5AD2-5A7A-3BD2-0F2ED1871E82}"/>
-              </a:ext>
-            </a:extLst>
-          </p:cNvPr>
-          <p:cNvPicPr>
-            <a:picLocks noChangeAspect="1"/>
-          </p:cNvPicPr>
-          <p:nvPr/>
-        </p:nvPicPr>
-        <p:blipFill>
-          <a:blip r:embed="rId7"/>
-          <a:stretch>
-            <a:fillRect/>
-          </a:stretch>
-        </p:blipFill>
-        <p:spPr>
-          <a:xfrm>
-            <a:off x="10523986" y="1466369"/>
-            <a:ext cx="975697" cy="969149"/>
-          </a:xfrm>
-          <a:prstGeom prst="rect">
-            <a:avLst/>
-          </a:prstGeom>
-        </p:spPr>
-      </p:pic>
-      <p:pic>
-        <p:nvPicPr>
-          <p:cNvPr id="10" name="Immagine 9">
-            <a:extLst>
-              <a:ext uri="{FF2B5EF4-FFF2-40B4-BE49-F238E27FC236}">
-                <a16:creationId xmlns:a16="http://schemas.microsoft.com/office/drawing/2014/main" id="{EDE6C158-9D13-EBED-63E4-F7EF8A9E6B4A}"/>
-              </a:ext>
-            </a:extLst>
-          </p:cNvPr>
-          <p:cNvPicPr>
-            <a:picLocks noChangeAspect="1"/>
-          </p:cNvPicPr>
-          <p:nvPr/>
-        </p:nvPicPr>
-        <p:blipFill rotWithShape="1">
-          <a:blip r:embed="rId8"/>
-          <a:srcRect t="1" b="13260"/>
-          <a:stretch/>
-        </p:blipFill>
-        <p:spPr>
-          <a:xfrm>
-            <a:off x="9037012" y="4284962"/>
-            <a:ext cx="2990305" cy="1662949"/>
-          </a:xfrm>
-          <a:prstGeom prst="rect">
-            <a:avLst/>
-          </a:prstGeom>
-          <a:ln>
-            <a:noFill/>
-          </a:ln>
-          <a:effectLst>
-            <a:outerShdw blurRad="292100" dist="139700" dir="2700000" algn="tl" rotWithShape="0">
-              <a:srgbClr val="333333">
-                <a:alpha val="65000"/>
-              </a:srgbClr>
-            </a:outerShdw>
-          </a:effectLst>
-        </p:spPr>
-      </p:pic>
-      <p:sp>
-        <p:nvSpPr>
-          <p:cNvPr id="18" name="Freccia a destra 17">
-            <a:extLst>
-              <a:ext uri="{FF2B5EF4-FFF2-40B4-BE49-F238E27FC236}">
-                <a16:creationId xmlns:a16="http://schemas.microsoft.com/office/drawing/2014/main" id="{75B849D6-48D5-8B2E-CEFE-A8245FBCB29B}"/>
-              </a:ext>
-            </a:extLst>
-          </p:cNvPr>
-          <p:cNvSpPr/>
-          <p:nvPr/>
-        </p:nvSpPr>
-        <p:spPr>
-          <a:xfrm>
-            <a:off x="2923306" y="2613227"/>
-            <a:ext cx="571211" cy="1711325"/>
-          </a:xfrm>
-          <a:prstGeom prst="rightArrow">
-            <a:avLst/>
-          </a:prstGeom>
-        </p:spPr>
-        <p:style>
-          <a:lnRef idx="2">
-            <a:schemeClr val="accent1">
-              <a:shade val="15000"/>
-            </a:schemeClr>
-          </a:lnRef>
-          <a:fillRef idx="1">
-            <a:schemeClr val="accent1"/>
-          </a:fillRef>
-          <a:effectRef idx="0">
-            <a:schemeClr val="accent1"/>
-          </a:effectRef>
-          <a:fontRef idx="minor">
-            <a:schemeClr val="lt1"/>
-          </a:fontRef>
-        </p:style>
-        <p:txBody>
-          <a:bodyPr rtlCol="0" anchor="ctr"/>
-          <a:lstStyle/>
-          <a:p>
-            <a:pPr algn="ctr"/>
-            <a:endParaRPr lang="en-US" u="sng"/>
+      <p:sp>
+        <p:nvSpPr>
+          <p:cNvPr id="38" name="CasellaDiTesto 37">
+            <a:extLst>
+              <a:ext uri="{FF2B5EF4-FFF2-40B4-BE49-F238E27FC236}">
+                <a16:creationId xmlns:a16="http://schemas.microsoft.com/office/drawing/2014/main" id="{3BF72E60-B0C2-66F5-D2E5-08BFD8244E46}"/>
+              </a:ext>
+            </a:extLst>
+          </p:cNvPr>
+          <p:cNvSpPr txBox="1"/>
+          <p:nvPr/>
+        </p:nvSpPr>
+        <p:spPr>
+          <a:xfrm>
+            <a:off x="1759526" y="5535402"/>
+            <a:ext cx="2342308" cy="461665"/>
+          </a:xfrm>
+          <a:prstGeom prst="rect">
+            <a:avLst/>
+          </a:prstGeom>
+          <a:noFill/>
+        </p:spPr>
+        <p:txBody>
+          <a:bodyPr wrap="none" rtlCol="0">
+            <a:spAutoFit/>
+          </a:bodyPr>
+          <a:lstStyle/>
+          <a:p>
+            <a:r>
+              <a:rPr lang="en-US" sz="2400" b="1" dirty="0">
+                <a:solidFill>
+                  <a:srgbClr val="FF0000"/>
+                </a:solidFill>
+              </a:rPr>
+              <a:t>REST Perspective</a:t>
+            </a:r>
+          </a:p>
+        </p:txBody>
+      </p:sp>
+      <p:sp>
+        <p:nvSpPr>
+          <p:cNvPr id="9" name="Titolo 8">
+            <a:extLst>
+              <a:ext uri="{FF2B5EF4-FFF2-40B4-BE49-F238E27FC236}">
+                <a16:creationId xmlns:a16="http://schemas.microsoft.com/office/drawing/2014/main" id="{A7C6B5F7-5013-8662-B3B4-6B2B00FAB13E}"/>
+              </a:ext>
+            </a:extLst>
+          </p:cNvPr>
+          <p:cNvSpPr>
+            <a:spLocks noGrp="1"/>
+          </p:cNvSpPr>
+          <p:nvPr>
+            <p:ph type="title"/>
+          </p:nvPr>
+        </p:nvSpPr>
+        <p:spPr/>
+        <p:txBody>
+          <a:bodyPr/>
+          <a:lstStyle/>
+          <a:p>
+            <a:endParaRPr lang="en-US"/>
           </a:p>
         </p:txBody>
       </p:sp>
     </p:spTree>
     <p:extLst>
       <p:ext uri="{BB962C8B-B14F-4D97-AF65-F5344CB8AC3E}">
-        <p14:creationId xmlns:p14="http://schemas.microsoft.com/office/powerpoint/2010/main" val="2200265653"/>
+        <p14:creationId xmlns:p14="http://schemas.microsoft.com/office/powerpoint/2010/main" val="2799751332"/>
       </p:ext>
     </p:extLst>
   </p:cSld>
